--- a/_figure/results/dcf.pptx
+++ b/_figure/results/dcf.pptx
@@ -283,7 +283,7 @@
                   <c:v>2.27029157</c:v>
                 </c:pt>
                 <c:pt idx="38">
-                  <c:v>2.3316508</c:v>
+                  <c:v>2.331650799999999</c:v>
                 </c:pt>
                 <c:pt idx="39">
                   <c:v>2.39301003</c:v>
@@ -292,16 +292,16 @@
                   <c:v>2.45436926</c:v>
                 </c:pt>
                 <c:pt idx="41">
-                  <c:v>2.51572849</c:v>
+                  <c:v>2.515728489999999</c:v>
                 </c:pt>
                 <c:pt idx="42">
                   <c:v>2.57708772</c:v>
                 </c:pt>
                 <c:pt idx="43">
-                  <c:v>2.63844696</c:v>
+                  <c:v>2.638446959999999</c:v>
                 </c:pt>
                 <c:pt idx="44">
-                  <c:v>2.69980619</c:v>
+                  <c:v>2.699806189999999</c:v>
                 </c:pt>
                 <c:pt idx="45">
                   <c:v>2.76116542</c:v>
@@ -313,7 +313,7 @@
                   <c:v>2.88388388</c:v>
                 </c:pt>
                 <c:pt idx="48">
-                  <c:v>2.94524311</c:v>
+                  <c:v>2.945243109999999</c:v>
                 </c:pt>
                 <c:pt idx="49">
                   <c:v>3.00660234</c:v>
@@ -343,7 +343,7 @@
                   <c:v>3.4974762</c:v>
                 </c:pt>
                 <c:pt idx="58">
-                  <c:v>3.55883543</c:v>
+                  <c:v>3.558835429999999</c:v>
                 </c:pt>
                 <c:pt idx="59">
                   <c:v>3.62019466</c:v>
@@ -379,13 +379,13 @@
                   <c:v>4.23378697</c:v>
                 </c:pt>
                 <c:pt idx="70">
-                  <c:v>4.29514621</c:v>
+                  <c:v>4.295146209999999</c:v>
                 </c:pt>
                 <c:pt idx="71">
-                  <c:v>4.35650544</c:v>
+                  <c:v>4.356505439999999</c:v>
                 </c:pt>
                 <c:pt idx="72">
-                  <c:v>4.41786467</c:v>
+                  <c:v>4.417864669999999</c:v>
                 </c:pt>
                 <c:pt idx="73">
                   <c:v>4.4792239</c:v>
@@ -400,7 +400,7 @@
                   <c:v>4.6633016</c:v>
                 </c:pt>
                 <c:pt idx="77">
-                  <c:v>4.72466083</c:v>
+                  <c:v>4.724660829999999</c:v>
                 </c:pt>
                 <c:pt idx="78">
                   <c:v>4.78602006</c:v>
@@ -418,13 +418,13 @@
                   <c:v>5.03145698</c:v>
                 </c:pt>
                 <c:pt idx="83">
-                  <c:v>5.09281622</c:v>
+                  <c:v>5.092816219999999</c:v>
                 </c:pt>
                 <c:pt idx="84">
-                  <c:v>5.15417545</c:v>
+                  <c:v>5.154175449999999</c:v>
                 </c:pt>
                 <c:pt idx="85">
-                  <c:v>5.21553468</c:v>
+                  <c:v>5.215534679999999</c:v>
                 </c:pt>
                 <c:pt idx="86">
                   <c:v>5.27689391</c:v>
@@ -439,7 +439,7 @@
                   <c:v>5.4609716</c:v>
                 </c:pt>
                 <c:pt idx="90">
-                  <c:v>5.52233084</c:v>
+                  <c:v>5.522330839999999</c:v>
                 </c:pt>
                 <c:pt idx="91">
                   <c:v>5.58369007</c:v>
@@ -457,7 +457,7 @@
                   <c:v>5.82912699</c:v>
                 </c:pt>
                 <c:pt idx="96">
-                  <c:v>5.89048623</c:v>
+                  <c:v>5.890486229999999</c:v>
                 </c:pt>
                 <c:pt idx="97">
                   <c:v>5.95184546</c:v>
@@ -478,7 +478,7 @@
                   <c:v>6.25864161</c:v>
                 </c:pt>
                 <c:pt idx="103">
-                  <c:v>6.32000085</c:v>
+                  <c:v>6.320000849999999</c:v>
                 </c:pt>
                 <c:pt idx="104">
                   <c:v>6.38136008</c:v>
@@ -487,22 +487,22 @@
                   <c:v>6.44271931</c:v>
                 </c:pt>
                 <c:pt idx="106">
-                  <c:v>6.50407854</c:v>
+                  <c:v>6.504078539999999</c:v>
                 </c:pt>
                 <c:pt idx="107">
-                  <c:v>6.56543777</c:v>
+                  <c:v>6.565437769999999</c:v>
                 </c:pt>
                 <c:pt idx="108">
                   <c:v>6.626797</c:v>
                 </c:pt>
                 <c:pt idx="109">
-                  <c:v>6.68815624</c:v>
+                  <c:v>6.688156239999999</c:v>
                 </c:pt>
                 <c:pt idx="110">
-                  <c:v>6.74951547</c:v>
+                  <c:v>6.749515469999999</c:v>
                 </c:pt>
                 <c:pt idx="111">
-                  <c:v>6.8108747</c:v>
+                  <c:v>6.810874699999999</c:v>
                 </c:pt>
                 <c:pt idx="112">
                   <c:v>6.87223393</c:v>
@@ -517,7 +517,7 @@
                   <c:v>7.05631162</c:v>
                 </c:pt>
                 <c:pt idx="116">
-                  <c:v>7.11767086</c:v>
+                  <c:v>7.117670859999999</c:v>
                 </c:pt>
                 <c:pt idx="117">
                   <c:v>7.17903009</c:v>
@@ -541,10 +541,10 @@
                   <c:v>7.54718548</c:v>
                 </c:pt>
                 <c:pt idx="124">
-                  <c:v>7.60854471</c:v>
+                  <c:v>7.608544709999999</c:v>
                 </c:pt>
                 <c:pt idx="125">
-                  <c:v>7.66990394</c:v>
+                  <c:v>7.669903939999999</c:v>
                 </c:pt>
                 <c:pt idx="126">
                   <c:v>7.73126317</c:v>
@@ -553,7 +553,7 @@
                   <c:v>7.7926224</c:v>
                 </c:pt>
                 <c:pt idx="128">
-                  <c:v>7.85398163</c:v>
+                  <c:v>7.853981629999999</c:v>
                 </c:pt>
                 <c:pt idx="129">
                   <c:v>7.91534087</c:v>
@@ -577,7 +577,7 @@
                   <c:v>8.28349625</c:v>
                 </c:pt>
                 <c:pt idx="136">
-                  <c:v>8.34485549</c:v>
+                  <c:v>8.344855489999998</c:v>
                 </c:pt>
                 <c:pt idx="137">
                   <c:v>8.40621472</c:v>
@@ -586,7 +586,7 @@
                   <c:v>8.46757395</c:v>
                 </c:pt>
                 <c:pt idx="139">
-                  <c:v>8.52893318</c:v>
+                  <c:v>8.528933179999997</c:v>
                 </c:pt>
                 <c:pt idx="140">
                   <c:v>8.59029241</c:v>
@@ -595,10 +595,10 @@
                   <c:v>8.651651640000001</c:v>
                 </c:pt>
                 <c:pt idx="142">
-                  <c:v>8.71301088</c:v>
+                  <c:v>8.713010879999998</c:v>
                 </c:pt>
                 <c:pt idx="143">
-                  <c:v>8.774370109999999</c:v>
+                  <c:v>8.774370109999998</c:v>
                 </c:pt>
                 <c:pt idx="144">
                   <c:v>8.83572934</c:v>
@@ -631,7 +631,7 @@
                   <c:v>9.38796242</c:v>
                 </c:pt>
                 <c:pt idx="154">
-                  <c:v>9.44932165</c:v>
+                  <c:v>9.449321649999998</c:v>
                 </c:pt>
                 <c:pt idx="155">
                   <c:v>9.51068088</c:v>
@@ -643,7 +643,7 @@
                   <c:v>9.63339935</c:v>
                 </c:pt>
                 <c:pt idx="158">
-                  <c:v>9.69475858</c:v>
+                  <c:v>9.694758579999998</c:v>
                 </c:pt>
                 <c:pt idx="159">
                   <c:v>9.75611781</c:v>
@@ -1027,7 +1027,7 @@
                   <c:v>17.487381</c:v>
                 </c:pt>
                 <c:pt idx="286">
-                  <c:v>17.5487402</c:v>
+                  <c:v>17.54874019999999</c:v>
                 </c:pt>
                 <c:pt idx="287">
                   <c:v>17.6100994</c:v>
@@ -1057,7 +1057,7 @@
                   <c:v>18.1009733</c:v>
                 </c:pt>
                 <c:pt idx="296">
-                  <c:v>18.1623325</c:v>
+                  <c:v>18.16233249999999</c:v>
                 </c:pt>
                 <c:pt idx="297">
                   <c:v>18.2236918</c:v>
@@ -1096,7 +1096,7 @@
                   <c:v>18.8986433</c:v>
                 </c:pt>
                 <c:pt idx="309">
-                  <c:v>18.9600025</c:v>
+                  <c:v>18.96000249999999</c:v>
                 </c:pt>
                 <c:pt idx="310">
                   <c:v>19.0213618</c:v>
@@ -1108,7 +1108,7 @@
                   <c:v>19.1440802</c:v>
                 </c:pt>
                 <c:pt idx="313">
-                  <c:v>19.2054395</c:v>
+                  <c:v>19.20543949999999</c:v>
                 </c:pt>
                 <c:pt idx="314">
                   <c:v>19.2667987</c:v>
@@ -1225,7 +1225,7 @@
                   <c:v>21.5370903</c:v>
                 </c:pt>
                 <c:pt idx="352">
-                  <c:v>21.5984495</c:v>
+                  <c:v>21.59844949999999</c:v>
                 </c:pt>
                 <c:pt idx="353">
                   <c:v>21.6598087</c:v>
@@ -1234,7 +1234,7 @@
                   <c:v>21.721168</c:v>
                 </c:pt>
                 <c:pt idx="355">
-                  <c:v>21.7825272</c:v>
+                  <c:v>21.78252719999999</c:v>
                 </c:pt>
                 <c:pt idx="356">
                   <c:v>21.8438864</c:v>
@@ -1366,7 +1366,7 @@
                   <c:v>24.4209741</c:v>
                 </c:pt>
                 <c:pt idx="399">
-                  <c:v>24.4823334</c:v>
+                  <c:v>24.48233339999999</c:v>
                 </c:pt>
                 <c:pt idx="400">
                   <c:v>24.5436926</c:v>
@@ -1381,7 +1381,7 @@
                   <c:v>24.7277703</c:v>
                 </c:pt>
                 <c:pt idx="404">
-                  <c:v>24.7891295</c:v>
+                  <c:v>24.78912949999999</c:v>
                 </c:pt>
                 <c:pt idx="405">
                   <c:v>24.8504888</c:v>
@@ -1411,7 +1411,7 @@
                   <c:v>25.3413626</c:v>
                 </c:pt>
                 <c:pt idx="414">
-                  <c:v>25.4027218</c:v>
+                  <c:v>25.40272179999999</c:v>
                 </c:pt>
                 <c:pt idx="415">
                   <c:v>25.4640811</c:v>
@@ -1420,7 +1420,7 @@
                   <c:v>25.5254403</c:v>
                 </c:pt>
                 <c:pt idx="417">
-                  <c:v>25.5867995</c:v>
+                  <c:v>25.58679949999999</c:v>
                 </c:pt>
                 <c:pt idx="418">
                   <c:v>25.6481588</c:v>
@@ -1468,7 +1468,7 @@
                   <c:v>26.507188</c:v>
                 </c:pt>
                 <c:pt idx="433">
-                  <c:v>26.5685472</c:v>
+                  <c:v>26.56854719999999</c:v>
                 </c:pt>
                 <c:pt idx="434">
                   <c:v>26.6299065</c:v>
@@ -1549,7 +1549,7 @@
                   <c:v>28.1638873</c:v>
                 </c:pt>
                 <c:pt idx="460">
-                  <c:v>28.2252465</c:v>
+                  <c:v>28.22524649999999</c:v>
                 </c:pt>
                 <c:pt idx="461">
                   <c:v>28.2866057</c:v>
@@ -1720,7 +1720,7 @@
                   <c:v>31.6613635</c:v>
                 </c:pt>
                 <c:pt idx="517">
-                  <c:v>31.7227227</c:v>
+                  <c:v>31.72272269999999</c:v>
                 </c:pt>
                 <c:pt idx="518">
                   <c:v>31.7840819</c:v>
@@ -1783,7 +1783,7 @@
                   <c:v>32.9499073</c:v>
                 </c:pt>
                 <c:pt idx="538">
-                  <c:v>33.0112666</c:v>
+                  <c:v>33.01126659999999</c:v>
                 </c:pt>
                 <c:pt idx="539">
                   <c:v>33.0726258</c:v>
@@ -1855,7 +1855,7 @@
                   <c:v>34.4225289</c:v>
                 </c:pt>
                 <c:pt idx="562">
-                  <c:v>34.4838881</c:v>
+                  <c:v>34.48388809999999</c:v>
                 </c:pt>
                 <c:pt idx="563">
                   <c:v>34.5452473</c:v>
@@ -1873,7 +1873,7 @@
                   <c:v>34.7906843</c:v>
                 </c:pt>
                 <c:pt idx="568">
-                  <c:v>34.8520435</c:v>
+                  <c:v>34.85204349999999</c:v>
                 </c:pt>
                 <c:pt idx="569">
                   <c:v>34.9134027</c:v>
@@ -1951,7 +1951,7 @@
                   <c:v>36.3860243</c:v>
                 </c:pt>
                 <c:pt idx="594">
-                  <c:v>36.4473835</c:v>
+                  <c:v>36.44738349999999</c:v>
                 </c:pt>
                 <c:pt idx="595">
                   <c:v>36.5087428</c:v>
@@ -2005,7 +2005,7 @@
                   <c:v>37.4904905</c:v>
                 </c:pt>
                 <c:pt idx="612">
-                  <c:v>37.5518497</c:v>
+                  <c:v>37.55184969999999</c:v>
                 </c:pt>
                 <c:pt idx="613">
                   <c:v>37.6132089</c:v>
@@ -2092,7 +2092,7 @@
                   <c:v>39.2699082</c:v>
                 </c:pt>
                 <c:pt idx="641">
-                  <c:v>39.3312674</c:v>
+                  <c:v>39.33126739999999</c:v>
                 </c:pt>
                 <c:pt idx="642">
                   <c:v>39.3926266</c:v>
@@ -2122,7 +2122,7 @@
                   <c:v>39.8835005</c:v>
                 </c:pt>
                 <c:pt idx="651">
-                  <c:v>39.9448597</c:v>
+                  <c:v>39.94485969999999</c:v>
                 </c:pt>
                 <c:pt idx="652">
                   <c:v>40.0062189</c:v>
@@ -2173,7 +2173,7 @@
                   <c:v>40.9266074</c:v>
                 </c:pt>
                 <c:pt idx="668">
-                  <c:v>40.9879667</c:v>
+                  <c:v>40.98796669999999</c:v>
                 </c:pt>
                 <c:pt idx="669">
                   <c:v>41.0493259</c:v>
@@ -2194,7 +2194,7 @@
                   <c:v>41.356122</c:v>
                 </c:pt>
                 <c:pt idx="675">
-                  <c:v>41.4174813</c:v>
+                  <c:v>41.41748129999999</c:v>
                 </c:pt>
                 <c:pt idx="676">
                   <c:v>41.4788405</c:v>
@@ -2239,7 +2239,7 @@
                   <c:v>42.2765105</c:v>
                 </c:pt>
                 <c:pt idx="690">
-                  <c:v>42.3378697</c:v>
+                  <c:v>42.33786969999999</c:v>
                 </c:pt>
                 <c:pt idx="691">
                   <c:v>42.399229</c:v>
@@ -2269,7 +2269,7 @@
                   <c:v>42.8901028</c:v>
                 </c:pt>
                 <c:pt idx="700">
-                  <c:v>42.9514621</c:v>
+                  <c:v>42.95146209999999</c:v>
                 </c:pt>
                 <c:pt idx="701">
                   <c:v>43.0128213</c:v>
@@ -2314,7 +2314,7 @@
                   <c:v>43.8104913</c:v>
                 </c:pt>
                 <c:pt idx="715">
-                  <c:v>43.8718505</c:v>
+                  <c:v>43.87185049999999</c:v>
                 </c:pt>
                 <c:pt idx="716">
                   <c:v>43.9332098</c:v>
@@ -2326,7 +2326,7 @@
                   <c:v>44.0559282</c:v>
                 </c:pt>
                 <c:pt idx="719">
-                  <c:v>44.1172875</c:v>
+                  <c:v>44.11728749999999</c:v>
                 </c:pt>
                 <c:pt idx="720">
                   <c:v>44.1786467</c:v>
@@ -2365,7 +2365,7 @@
                   <c:v>44.8535982</c:v>
                 </c:pt>
                 <c:pt idx="732">
-                  <c:v>44.9149575</c:v>
+                  <c:v>44.91495749999999</c:v>
                 </c:pt>
                 <c:pt idx="733">
                   <c:v>44.9763167</c:v>
@@ -2443,7 +2443,7 @@
                   <c:v>46.4489383</c:v>
                 </c:pt>
                 <c:pt idx="758">
-                  <c:v>46.5102975</c:v>
+                  <c:v>46.51029749999999</c:v>
                 </c:pt>
                 <c:pt idx="759">
                   <c:v>46.5716567</c:v>
@@ -2458,7 +2458,7 @@
                   <c:v>46.7557344</c:v>
                 </c:pt>
                 <c:pt idx="763">
-                  <c:v>46.8170936</c:v>
+                  <c:v>46.81709359999999</c:v>
                 </c:pt>
                 <c:pt idx="764">
                   <c:v>46.8784529</c:v>
@@ -2482,7 +2482,7 @@
                   <c:v>47.2466083</c:v>
                 </c:pt>
                 <c:pt idx="771">
-                  <c:v>47.3079675</c:v>
+                  <c:v>47.30796749999999</c:v>
                 </c:pt>
                 <c:pt idx="772">
                   <c:v>47.3693267</c:v>
@@ -2533,7 +2533,7 @@
                   <c:v>48.2897152</c:v>
                 </c:pt>
                 <c:pt idx="788">
-                  <c:v>48.3510744</c:v>
+                  <c:v>48.35107439999999</c:v>
                 </c:pt>
                 <c:pt idx="789">
                   <c:v>48.4124337</c:v>
@@ -2629,7 +2629,7 @@
                   <c:v>50.2532106</c:v>
                 </c:pt>
                 <c:pt idx="820">
-                  <c:v>50.3145698</c:v>
+                  <c:v>50.31456979999999</c:v>
                 </c:pt>
                 <c:pt idx="821">
                   <c:v>50.3759291</c:v>
@@ -2650,7 +2650,7 @@
                   <c:v>50.6827252</c:v>
                 </c:pt>
                 <c:pt idx="827">
-                  <c:v>50.7440845</c:v>
+                  <c:v>50.74408449999999</c:v>
                 </c:pt>
                 <c:pt idx="828">
                   <c:v>50.8054437</c:v>
@@ -2665,7 +2665,7 @@
                   <c:v>50.9895214</c:v>
                 </c:pt>
                 <c:pt idx="832">
-                  <c:v>51.0508806</c:v>
+                  <c:v>51.05088059999999</c:v>
                 </c:pt>
                 <c:pt idx="833">
                   <c:v>51.1122399</c:v>
@@ -2680,7 +2680,7 @@
                   <c:v>51.2963175</c:v>
                 </c:pt>
                 <c:pt idx="837">
-                  <c:v>51.3576768</c:v>
+                  <c:v>51.35767679999999</c:v>
                 </c:pt>
                 <c:pt idx="838">
                   <c:v>51.419036</c:v>
@@ -2710,7 +2710,7 @@
                   <c:v>51.9099099</c:v>
                 </c:pt>
                 <c:pt idx="847">
-                  <c:v>51.9712691</c:v>
+                  <c:v>51.97126909999999</c:v>
                 </c:pt>
                 <c:pt idx="848">
                   <c:v>52.0326283</c:v>
@@ -2728,7 +2728,7 @@
                   <c:v>52.2780653</c:v>
                 </c:pt>
                 <c:pt idx="853">
-                  <c:v>52.3394245</c:v>
+                  <c:v>52.33942449999999</c:v>
                 </c:pt>
                 <c:pt idx="854">
                   <c:v>52.4007837</c:v>
@@ -2740,7 +2740,7 @@
                   <c:v>52.5235022</c:v>
                 </c:pt>
                 <c:pt idx="857">
-                  <c:v>52.5848614</c:v>
+                  <c:v>52.58486139999999</c:v>
                 </c:pt>
                 <c:pt idx="858">
                   <c:v>52.6462206</c:v>
@@ -2755,7 +2755,7 @@
                   <c:v>52.8302983</c:v>
                 </c:pt>
                 <c:pt idx="862">
-                  <c:v>52.8916576</c:v>
+                  <c:v>52.89165759999999</c:v>
                 </c:pt>
                 <c:pt idx="863">
                   <c:v>52.9530168</c:v>
@@ -2806,7 +2806,7 @@
                   <c:v>53.8734053</c:v>
                 </c:pt>
                 <c:pt idx="879">
-                  <c:v>53.9347645</c:v>
+                  <c:v>53.93476449999999</c:v>
                 </c:pt>
                 <c:pt idx="880">
                   <c:v>53.9961237</c:v>
@@ -2872,7 +2872,7 @@
                   <c:v>55.2233084</c:v>
                 </c:pt>
                 <c:pt idx="901">
-                  <c:v>55.2846676</c:v>
+                  <c:v>55.28466759999999</c:v>
                 </c:pt>
                 <c:pt idx="902">
                   <c:v>55.3460268</c:v>
@@ -2950,7 +2950,7 @@
                   <c:v>56.8186484</c:v>
                 </c:pt>
                 <c:pt idx="927">
-                  <c:v>56.8800076</c:v>
+                  <c:v>56.88000759999999</c:v>
                 </c:pt>
                 <c:pt idx="928">
                   <c:v>56.9413668</c:v>
@@ -2974,7 +2974,7 @@
                   <c:v>57.3095222</c:v>
                 </c:pt>
                 <c:pt idx="935">
-                  <c:v>57.3708815</c:v>
+                  <c:v>57.37088149999999</c:v>
                 </c:pt>
                 <c:pt idx="936">
                   <c:v>57.4322407</c:v>
@@ -3106,7 +3106,7 @@
                   <c:v>60.0093284</c:v>
                 </c:pt>
                 <c:pt idx="979">
-                  <c:v>60.0706877</c:v>
+                  <c:v>60.07068769999999</c:v>
                 </c:pt>
                 <c:pt idx="980">
                   <c:v>60.1320469</c:v>
@@ -3118,10 +3118,10 @@
                   <c:v>60.2547653</c:v>
                 </c:pt>
                 <c:pt idx="983">
-                  <c:v>60.3161246</c:v>
+                  <c:v>60.31612459999999</c:v>
                 </c:pt>
                 <c:pt idx="984">
-                  <c:v>60.3774838</c:v>
+                  <c:v>60.37748379999999</c:v>
                 </c:pt>
                 <c:pt idx="985">
                   <c:v>60.438843</c:v>
@@ -3169,7 +3169,7 @@
                   <c:v>61.2978723</c:v>
                 </c:pt>
                 <c:pt idx="1000">
-                  <c:v>61.3592315</c:v>
+                  <c:v>61.35923149999999</c:v>
                 </c:pt>
                 <c:pt idx="1001">
                   <c:v>61.4205907</c:v>
@@ -3196,7 +3196,7 @@
                   <c:v>61.8501054</c:v>
                 </c:pt>
                 <c:pt idx="1009">
-                  <c:v>61.9114646</c:v>
+                  <c:v>61.91146459999999</c:v>
                 </c:pt>
                 <c:pt idx="1010">
                   <c:v>61.9728238</c:v>
@@ -3256,10 +3256,10 @@
                   <c:v>-561.58963837654</c:v>
                 </c:pt>
                 <c:pt idx="2">
-                  <c:v>-556.4412106527589</c:v>
+                  <c:v>-556.4412106527587</c:v>
                 </c:pt>
                 <c:pt idx="3">
-                  <c:v>-548.2465143809011</c:v>
+                  <c:v>-548.246514380901</c:v>
                 </c:pt>
                 <c:pt idx="4">
                   <c:v>-537.4771748326675</c:v>
@@ -3283,16 +3283,16 @@
                   <c:v>-435.9375310149571</c:v>
                 </c:pt>
                 <c:pt idx="11">
-                  <c:v>-412.8936062631799</c:v>
+                  <c:v>-412.8936062631798</c:v>
                 </c:pt>
                 <c:pt idx="12">
-                  <c:v>-387.9260103286798</c:v>
+                  <c:v>-387.9260103286796</c:v>
                 </c:pt>
                 <c:pt idx="13">
                   <c:v>-361.2569663029328</c:v>
                 </c:pt>
                 <c:pt idx="14">
-                  <c:v>-333.3023944303739</c:v>
+                  <c:v>-333.302394430374</c:v>
                 </c:pt>
                 <c:pt idx="15">
                   <c:v>-304.62294242542</c:v>
@@ -3307,7 +3307,7 @@
                   <c:v>-220.3580550886141</c:v>
                 </c:pt>
                 <c:pt idx="19">
-                  <c:v>-194.5691442496319</c:v>
+                  <c:v>-194.569144249632</c:v>
                 </c:pt>
                 <c:pt idx="20">
                   <c:v>-170.476503332838</c:v>
@@ -3322,10 +3322,10 @@
                   <c:v>-109.3145699032767</c:v>
                 </c:pt>
                 <c:pt idx="24">
-                  <c:v>-92.59573867289852</c:v>
+                  <c:v>-92.59573867289849</c:v>
                 </c:pt>
                 <c:pt idx="25">
-                  <c:v>-77.60308246862571</c:v>
+                  <c:v>-77.6030824686257</c:v>
                 </c:pt>
                 <c:pt idx="26">
                   <c:v>-64.24548983390755</c:v>
@@ -3334,16 +3334,16 @@
                   <c:v>-52.42010619533264</c:v>
                 </c:pt>
                 <c:pt idx="28">
-                  <c:v>-42.01360457896232</c:v>
+                  <c:v>-42.01360457896231</c:v>
                 </c:pt>
                 <c:pt idx="29">
-                  <c:v>-32.90494240750712</c:v>
+                  <c:v>-32.90494240750711</c:v>
                 </c:pt>
                 <c:pt idx="30">
                   <c:v>-24.97017904885358</c:v>
                 </c:pt>
                 <c:pt idx="31">
-                  <c:v>-18.08839483465413</c:v>
+                  <c:v>-18.08839483465412</c:v>
                 </c:pt>
                 <c:pt idx="32">
                   <c:v>-12.14711515681413</c:v>
@@ -3358,10 +3358,10 @@
                   <c:v>0.974850930792573</c:v>
                 </c:pt>
                 <c:pt idx="36">
-                  <c:v>4.035517308375877</c:v>
+                  <c:v>4.035517308375876</c:v>
                 </c:pt>
                 <c:pt idx="37">
-                  <c:v>6.542446482982766</c:v>
+                  <c:v>6.542446482982767</c:v>
                 </c:pt>
                 <c:pt idx="38">
                   <c:v>8.54575553966636</c:v>
@@ -3379,10 +3379,10 @@
                   <c:v>12.26704985568652</c:v>
                 </c:pt>
                 <c:pt idx="43">
-                  <c:v>12.25254095899949</c:v>
+                  <c:v>12.2525409589995</c:v>
                 </c:pt>
                 <c:pt idx="44">
-                  <c:v>11.89671617630709</c:v>
+                  <c:v>11.8967161763071</c:v>
                 </c:pt>
                 <c:pt idx="45">
                   <c:v>11.21634770344848</c:v>
@@ -3397,7 +3397,7 @@
                   <c:v>7.429861915010897</c:v>
                 </c:pt>
                 <c:pt idx="49">
-                  <c:v>5.672153022419013</c:v>
+                  <c:v>5.672153022419012</c:v>
                 </c:pt>
                 <c:pt idx="50">
                   <c:v>3.724180819375437</c:v>
@@ -3448,7 +3448,7 @@
                   <c:v>-9.424200864597973</c:v>
                 </c:pt>
                 <c:pt idx="66">
-                  <c:v>-8.114882469411674</c:v>
+                  <c:v>-8.114882469411672</c:v>
                 </c:pt>
                 <c:pt idx="67">
                   <c:v>-6.713780890730095</c:v>
@@ -3457,7 +3457,7 @@
                   <c:v>-5.272860747519531</c:v>
                 </c:pt>
                 <c:pt idx="69">
-                  <c:v>-3.836270411375528</c:v>
+                  <c:v>-3.836270411375527</c:v>
                 </c:pt>
                 <c:pt idx="70">
                   <c:v>-2.439846558606262</c:v>
@@ -3481,22 +3481,22 @@
                   <c:v>3.919295346859532</c:v>
                 </c:pt>
                 <c:pt idx="77">
-                  <c:v>4.536909652432128</c:v>
+                  <c:v>4.53690965243213</c:v>
                 </c:pt>
                 <c:pt idx="78">
-                  <c:v>5.013778978737968</c:v>
+                  <c:v>5.013778978737967</c:v>
                 </c:pt>
                 <c:pt idx="79">
                   <c:v>5.348215014811344</c:v>
                 </c:pt>
                 <c:pt idx="80">
-                  <c:v>5.539446090772666</c:v>
+                  <c:v>5.539446090772668</c:v>
                 </c:pt>
                 <c:pt idx="81">
                   <c:v>5.587372526593694</c:v>
                 </c:pt>
                 <c:pt idx="82">
-                  <c:v>5.492558575098717</c:v>
+                  <c:v>5.492558575098716</c:v>
                 </c:pt>
                 <c:pt idx="83">
                   <c:v>5.256549290418523</c:v>
@@ -3505,7 +3505,7 @@
                   <c:v>4.882498141360147</c:v>
                 </c:pt>
                 <c:pt idx="85">
-                  <c:v>4.375986941120995</c:v>
+                  <c:v>4.375986941120994</c:v>
                 </c:pt>
                 <c:pt idx="86">
                   <c:v>3.745854381724361</c:v>
@@ -3526,7 +3526,7 @@
                   <c:v>-0.662970142500612</c:v>
                 </c:pt>
                 <c:pt idx="92">
-                  <c:v>-1.620667547532269</c:v>
+                  <c:v>-1.62066754753227</c:v>
                 </c:pt>
                 <c:pt idx="93">
                   <c:v>-2.530970935932148</c:v>
@@ -3559,7 +3559,7 @@
                   <c:v>-4.686219215968278</c:v>
                 </c:pt>
                 <c:pt idx="103">
-                  <c:v>-4.189165152246551</c:v>
+                  <c:v>-4.18916515224655</c:v>
                 </c:pt>
                 <c:pt idx="104">
                   <c:v>-3.603818529934076</c:v>
@@ -3583,7 +3583,7 @@
                   <c:v>0.439297361415922</c:v>
                 </c:pt>
                 <c:pt idx="111">
-                  <c:v>1.021480469141939</c:v>
+                  <c:v>1.02148046914194</c:v>
                 </c:pt>
                 <c:pt idx="112">
                   <c:v>1.540655935084508</c:v>
@@ -3787,7 +3787,7 @@
                   <c:v>-1.29211921127299</c:v>
                 </c:pt>
                 <c:pt idx="179">
-                  <c:v>-1.170094819390299</c:v>
+                  <c:v>-1.1700948193903</c:v>
                 </c:pt>
                 <c:pt idx="180">
                   <c:v>-1.020483690768438</c:v>
@@ -4073,7 +4073,7 @@
                   <c:v>2.27029157</c:v>
                 </c:pt>
                 <c:pt idx="38">
-                  <c:v>2.3316508</c:v>
+                  <c:v>2.331650799999999</c:v>
                 </c:pt>
                 <c:pt idx="39">
                   <c:v>2.39301003</c:v>
@@ -4082,16 +4082,16 @@
                   <c:v>2.45436926</c:v>
                 </c:pt>
                 <c:pt idx="41">
-                  <c:v>2.51572849</c:v>
+                  <c:v>2.515728489999999</c:v>
                 </c:pt>
                 <c:pt idx="42">
                   <c:v>2.57708772</c:v>
                 </c:pt>
                 <c:pt idx="43">
-                  <c:v>2.63844696</c:v>
+                  <c:v>2.638446959999999</c:v>
                 </c:pt>
                 <c:pt idx="44">
-                  <c:v>2.69980619</c:v>
+                  <c:v>2.699806189999999</c:v>
                 </c:pt>
                 <c:pt idx="45">
                   <c:v>2.76116542</c:v>
@@ -4103,7 +4103,7 @@
                   <c:v>2.88388388</c:v>
                 </c:pt>
                 <c:pt idx="48">
-                  <c:v>2.94524311</c:v>
+                  <c:v>2.945243109999999</c:v>
                 </c:pt>
                 <c:pt idx="49">
                   <c:v>3.00660234</c:v>
@@ -4133,7 +4133,7 @@
                   <c:v>3.4974762</c:v>
                 </c:pt>
                 <c:pt idx="58">
-                  <c:v>3.55883543</c:v>
+                  <c:v>3.558835429999999</c:v>
                 </c:pt>
                 <c:pt idx="59">
                   <c:v>3.62019466</c:v>
@@ -4169,13 +4169,13 @@
                   <c:v>4.23378697</c:v>
                 </c:pt>
                 <c:pt idx="70">
-                  <c:v>4.29514621</c:v>
+                  <c:v>4.295146209999999</c:v>
                 </c:pt>
                 <c:pt idx="71">
-                  <c:v>4.35650544</c:v>
+                  <c:v>4.356505439999999</c:v>
                 </c:pt>
                 <c:pt idx="72">
-                  <c:v>4.41786467</c:v>
+                  <c:v>4.417864669999999</c:v>
                 </c:pt>
                 <c:pt idx="73">
                   <c:v>4.4792239</c:v>
@@ -4190,7 +4190,7 @@
                   <c:v>4.6633016</c:v>
                 </c:pt>
                 <c:pt idx="77">
-                  <c:v>4.72466083</c:v>
+                  <c:v>4.724660829999999</c:v>
                 </c:pt>
                 <c:pt idx="78">
                   <c:v>4.78602006</c:v>
@@ -4208,13 +4208,13 @@
                   <c:v>5.03145698</c:v>
                 </c:pt>
                 <c:pt idx="83">
-                  <c:v>5.09281622</c:v>
+                  <c:v>5.092816219999999</c:v>
                 </c:pt>
                 <c:pt idx="84">
-                  <c:v>5.15417545</c:v>
+                  <c:v>5.154175449999999</c:v>
                 </c:pt>
                 <c:pt idx="85">
-                  <c:v>5.21553468</c:v>
+                  <c:v>5.215534679999999</c:v>
                 </c:pt>
                 <c:pt idx="86">
                   <c:v>5.27689391</c:v>
@@ -4229,7 +4229,7 @@
                   <c:v>5.4609716</c:v>
                 </c:pt>
                 <c:pt idx="90">
-                  <c:v>5.52233084</c:v>
+                  <c:v>5.522330839999999</c:v>
                 </c:pt>
                 <c:pt idx="91">
                   <c:v>5.58369007</c:v>
@@ -4247,7 +4247,7 @@
                   <c:v>5.82912699</c:v>
                 </c:pt>
                 <c:pt idx="96">
-                  <c:v>5.89048623</c:v>
+                  <c:v>5.890486229999999</c:v>
                 </c:pt>
                 <c:pt idx="97">
                   <c:v>5.95184546</c:v>
@@ -4268,7 +4268,7 @@
                   <c:v>6.25864161</c:v>
                 </c:pt>
                 <c:pt idx="103">
-                  <c:v>6.32000085</c:v>
+                  <c:v>6.320000849999999</c:v>
                 </c:pt>
                 <c:pt idx="104">
                   <c:v>6.38136008</c:v>
@@ -4277,22 +4277,22 @@
                   <c:v>6.44271931</c:v>
                 </c:pt>
                 <c:pt idx="106">
-                  <c:v>6.50407854</c:v>
+                  <c:v>6.504078539999999</c:v>
                 </c:pt>
                 <c:pt idx="107">
-                  <c:v>6.56543777</c:v>
+                  <c:v>6.565437769999999</c:v>
                 </c:pt>
                 <c:pt idx="108">
                   <c:v>6.626797</c:v>
                 </c:pt>
                 <c:pt idx="109">
-                  <c:v>6.68815624</c:v>
+                  <c:v>6.688156239999999</c:v>
                 </c:pt>
                 <c:pt idx="110">
-                  <c:v>6.74951547</c:v>
+                  <c:v>6.749515469999999</c:v>
                 </c:pt>
                 <c:pt idx="111">
-                  <c:v>6.8108747</c:v>
+                  <c:v>6.810874699999999</c:v>
                 </c:pt>
                 <c:pt idx="112">
                   <c:v>6.87223393</c:v>
@@ -4307,7 +4307,7 @@
                   <c:v>7.05631162</c:v>
                 </c:pt>
                 <c:pt idx="116">
-                  <c:v>7.11767086</c:v>
+                  <c:v>7.117670859999999</c:v>
                 </c:pt>
                 <c:pt idx="117">
                   <c:v>7.17903009</c:v>
@@ -4331,10 +4331,10 @@
                   <c:v>7.54718548</c:v>
                 </c:pt>
                 <c:pt idx="124">
-                  <c:v>7.60854471</c:v>
+                  <c:v>7.608544709999999</c:v>
                 </c:pt>
                 <c:pt idx="125">
-                  <c:v>7.66990394</c:v>
+                  <c:v>7.669903939999999</c:v>
                 </c:pt>
                 <c:pt idx="126">
                   <c:v>7.73126317</c:v>
@@ -4343,7 +4343,7 @@
                   <c:v>7.7926224</c:v>
                 </c:pt>
                 <c:pt idx="128">
-                  <c:v>7.85398163</c:v>
+                  <c:v>7.853981629999999</c:v>
                 </c:pt>
                 <c:pt idx="129">
                   <c:v>7.91534087</c:v>
@@ -4367,7 +4367,7 @@
                   <c:v>8.28349625</c:v>
                 </c:pt>
                 <c:pt idx="136">
-                  <c:v>8.34485549</c:v>
+                  <c:v>8.344855489999998</c:v>
                 </c:pt>
                 <c:pt idx="137">
                   <c:v>8.40621472</c:v>
@@ -4376,7 +4376,7 @@
                   <c:v>8.46757395</c:v>
                 </c:pt>
                 <c:pt idx="139">
-                  <c:v>8.52893318</c:v>
+                  <c:v>8.528933179999997</c:v>
                 </c:pt>
                 <c:pt idx="140">
                   <c:v>8.59029241</c:v>
@@ -4385,10 +4385,10 @@
                   <c:v>8.651651640000001</c:v>
                 </c:pt>
                 <c:pt idx="142">
-                  <c:v>8.71301088</c:v>
+                  <c:v>8.713010879999998</c:v>
                 </c:pt>
                 <c:pt idx="143">
-                  <c:v>8.774370109999999</c:v>
+                  <c:v>8.774370109999998</c:v>
                 </c:pt>
                 <c:pt idx="144">
                   <c:v>8.83572934</c:v>
@@ -4421,7 +4421,7 @@
                   <c:v>9.38796242</c:v>
                 </c:pt>
                 <c:pt idx="154">
-                  <c:v>9.44932165</c:v>
+                  <c:v>9.449321649999998</c:v>
                 </c:pt>
                 <c:pt idx="155">
                   <c:v>9.51068088</c:v>
@@ -4433,7 +4433,7 @@
                   <c:v>9.63339935</c:v>
                 </c:pt>
                 <c:pt idx="158">
-                  <c:v>9.69475858</c:v>
+                  <c:v>9.694758579999998</c:v>
                 </c:pt>
                 <c:pt idx="159">
                   <c:v>9.75611781</c:v>
@@ -4817,7 +4817,7 @@
                   <c:v>17.487381</c:v>
                 </c:pt>
                 <c:pt idx="286">
-                  <c:v>17.5487402</c:v>
+                  <c:v>17.54874019999999</c:v>
                 </c:pt>
                 <c:pt idx="287">
                   <c:v>17.6100994</c:v>
@@ -4847,7 +4847,7 @@
                   <c:v>18.1009733</c:v>
                 </c:pt>
                 <c:pt idx="296">
-                  <c:v>18.1623325</c:v>
+                  <c:v>18.16233249999999</c:v>
                 </c:pt>
                 <c:pt idx="297">
                   <c:v>18.2236918</c:v>
@@ -4886,7 +4886,7 @@
                   <c:v>18.8986433</c:v>
                 </c:pt>
                 <c:pt idx="309">
-                  <c:v>18.9600025</c:v>
+                  <c:v>18.96000249999999</c:v>
                 </c:pt>
                 <c:pt idx="310">
                   <c:v>19.0213618</c:v>
@@ -4898,7 +4898,7 @@
                   <c:v>19.1440802</c:v>
                 </c:pt>
                 <c:pt idx="313">
-                  <c:v>19.2054395</c:v>
+                  <c:v>19.20543949999999</c:v>
                 </c:pt>
                 <c:pt idx="314">
                   <c:v>19.2667987</c:v>
@@ -5015,7 +5015,7 @@
                   <c:v>21.5370903</c:v>
                 </c:pt>
                 <c:pt idx="352">
-                  <c:v>21.5984495</c:v>
+                  <c:v>21.59844949999999</c:v>
                 </c:pt>
                 <c:pt idx="353">
                   <c:v>21.6598087</c:v>
@@ -5024,7 +5024,7 @@
                   <c:v>21.721168</c:v>
                 </c:pt>
                 <c:pt idx="355">
-                  <c:v>21.7825272</c:v>
+                  <c:v>21.78252719999999</c:v>
                 </c:pt>
                 <c:pt idx="356">
                   <c:v>21.8438864</c:v>
@@ -5156,7 +5156,7 @@
                   <c:v>24.4209741</c:v>
                 </c:pt>
                 <c:pt idx="399">
-                  <c:v>24.4823334</c:v>
+                  <c:v>24.48233339999999</c:v>
                 </c:pt>
                 <c:pt idx="400">
                   <c:v>24.5436926</c:v>
@@ -5171,7 +5171,7 @@
                   <c:v>24.7277703</c:v>
                 </c:pt>
                 <c:pt idx="404">
-                  <c:v>24.7891295</c:v>
+                  <c:v>24.78912949999999</c:v>
                 </c:pt>
                 <c:pt idx="405">
                   <c:v>24.8504888</c:v>
@@ -5201,7 +5201,7 @@
                   <c:v>25.3413626</c:v>
                 </c:pt>
                 <c:pt idx="414">
-                  <c:v>25.4027218</c:v>
+                  <c:v>25.40272179999999</c:v>
                 </c:pt>
                 <c:pt idx="415">
                   <c:v>25.4640811</c:v>
@@ -5210,7 +5210,7 @@
                   <c:v>25.5254403</c:v>
                 </c:pt>
                 <c:pt idx="417">
-                  <c:v>25.5867995</c:v>
+                  <c:v>25.58679949999999</c:v>
                 </c:pt>
                 <c:pt idx="418">
                   <c:v>25.6481588</c:v>
@@ -5258,7 +5258,7 @@
                   <c:v>26.507188</c:v>
                 </c:pt>
                 <c:pt idx="433">
-                  <c:v>26.5685472</c:v>
+                  <c:v>26.56854719999999</c:v>
                 </c:pt>
                 <c:pt idx="434">
                   <c:v>26.6299065</c:v>
@@ -5339,7 +5339,7 @@
                   <c:v>28.1638873</c:v>
                 </c:pt>
                 <c:pt idx="460">
-                  <c:v>28.2252465</c:v>
+                  <c:v>28.22524649999999</c:v>
                 </c:pt>
                 <c:pt idx="461">
                   <c:v>28.2866057</c:v>
@@ -5510,7 +5510,7 @@
                   <c:v>31.6613635</c:v>
                 </c:pt>
                 <c:pt idx="517">
-                  <c:v>31.7227227</c:v>
+                  <c:v>31.72272269999999</c:v>
                 </c:pt>
                 <c:pt idx="518">
                   <c:v>31.7840819</c:v>
@@ -5573,7 +5573,7 @@
                   <c:v>32.9499073</c:v>
                 </c:pt>
                 <c:pt idx="538">
-                  <c:v>33.0112666</c:v>
+                  <c:v>33.01126659999999</c:v>
                 </c:pt>
                 <c:pt idx="539">
                   <c:v>33.0726258</c:v>
@@ -5645,7 +5645,7 @@
                   <c:v>34.4225289</c:v>
                 </c:pt>
                 <c:pt idx="562">
-                  <c:v>34.4838881</c:v>
+                  <c:v>34.48388809999999</c:v>
                 </c:pt>
                 <c:pt idx="563">
                   <c:v>34.5452473</c:v>
@@ -5663,7 +5663,7 @@
                   <c:v>34.7906843</c:v>
                 </c:pt>
                 <c:pt idx="568">
-                  <c:v>34.8520435</c:v>
+                  <c:v>34.85204349999999</c:v>
                 </c:pt>
                 <c:pt idx="569">
                   <c:v>34.9134027</c:v>
@@ -5741,7 +5741,7 @@
                   <c:v>36.3860243</c:v>
                 </c:pt>
                 <c:pt idx="594">
-                  <c:v>36.4473835</c:v>
+                  <c:v>36.44738349999999</c:v>
                 </c:pt>
                 <c:pt idx="595">
                   <c:v>36.5087428</c:v>
@@ -5795,7 +5795,7 @@
                   <c:v>37.4904905</c:v>
                 </c:pt>
                 <c:pt idx="612">
-                  <c:v>37.5518497</c:v>
+                  <c:v>37.55184969999999</c:v>
                 </c:pt>
                 <c:pt idx="613">
                   <c:v>37.6132089</c:v>
@@ -5882,7 +5882,7 @@
                   <c:v>39.2699082</c:v>
                 </c:pt>
                 <c:pt idx="641">
-                  <c:v>39.3312674</c:v>
+                  <c:v>39.33126739999999</c:v>
                 </c:pt>
                 <c:pt idx="642">
                   <c:v>39.3926266</c:v>
@@ -5912,7 +5912,7 @@
                   <c:v>39.8835005</c:v>
                 </c:pt>
                 <c:pt idx="651">
-                  <c:v>39.9448597</c:v>
+                  <c:v>39.94485969999999</c:v>
                 </c:pt>
                 <c:pt idx="652">
                   <c:v>40.0062189</c:v>
@@ -5963,7 +5963,7 @@
                   <c:v>40.9266074</c:v>
                 </c:pt>
                 <c:pt idx="668">
-                  <c:v>40.9879667</c:v>
+                  <c:v>40.98796669999999</c:v>
                 </c:pt>
                 <c:pt idx="669">
                   <c:v>41.0493259</c:v>
@@ -5984,7 +5984,7 @@
                   <c:v>41.356122</c:v>
                 </c:pt>
                 <c:pt idx="675">
-                  <c:v>41.4174813</c:v>
+                  <c:v>41.41748129999999</c:v>
                 </c:pt>
                 <c:pt idx="676">
                   <c:v>41.4788405</c:v>
@@ -6029,7 +6029,7 @@
                   <c:v>42.2765105</c:v>
                 </c:pt>
                 <c:pt idx="690">
-                  <c:v>42.3378697</c:v>
+                  <c:v>42.33786969999999</c:v>
                 </c:pt>
                 <c:pt idx="691">
                   <c:v>42.399229</c:v>
@@ -6059,7 +6059,7 @@
                   <c:v>42.8901028</c:v>
                 </c:pt>
                 <c:pt idx="700">
-                  <c:v>42.9514621</c:v>
+                  <c:v>42.95146209999999</c:v>
                 </c:pt>
                 <c:pt idx="701">
                   <c:v>43.0128213</c:v>
@@ -6104,7 +6104,7 @@
                   <c:v>43.8104913</c:v>
                 </c:pt>
                 <c:pt idx="715">
-                  <c:v>43.8718505</c:v>
+                  <c:v>43.87185049999999</c:v>
                 </c:pt>
                 <c:pt idx="716">
                   <c:v>43.9332098</c:v>
@@ -6116,7 +6116,7 @@
                   <c:v>44.0559282</c:v>
                 </c:pt>
                 <c:pt idx="719">
-                  <c:v>44.1172875</c:v>
+                  <c:v>44.11728749999999</c:v>
                 </c:pt>
                 <c:pt idx="720">
                   <c:v>44.1786467</c:v>
@@ -6155,7 +6155,7 @@
                   <c:v>44.8535982</c:v>
                 </c:pt>
                 <c:pt idx="732">
-                  <c:v>44.9149575</c:v>
+                  <c:v>44.91495749999999</c:v>
                 </c:pt>
                 <c:pt idx="733">
                   <c:v>44.9763167</c:v>
@@ -6233,7 +6233,7 @@
                   <c:v>46.4489383</c:v>
                 </c:pt>
                 <c:pt idx="758">
-                  <c:v>46.5102975</c:v>
+                  <c:v>46.51029749999999</c:v>
                 </c:pt>
                 <c:pt idx="759">
                   <c:v>46.5716567</c:v>
@@ -6248,7 +6248,7 @@
                   <c:v>46.7557344</c:v>
                 </c:pt>
                 <c:pt idx="763">
-                  <c:v>46.8170936</c:v>
+                  <c:v>46.81709359999999</c:v>
                 </c:pt>
                 <c:pt idx="764">
                   <c:v>46.8784529</c:v>
@@ -6272,7 +6272,7 @@
                   <c:v>47.2466083</c:v>
                 </c:pt>
                 <c:pt idx="771">
-                  <c:v>47.3079675</c:v>
+                  <c:v>47.30796749999999</c:v>
                 </c:pt>
                 <c:pt idx="772">
                   <c:v>47.3693267</c:v>
@@ -6323,7 +6323,7 @@
                   <c:v>48.2897152</c:v>
                 </c:pt>
                 <c:pt idx="788">
-                  <c:v>48.3510744</c:v>
+                  <c:v>48.35107439999999</c:v>
                 </c:pt>
                 <c:pt idx="789">
                   <c:v>48.4124337</c:v>
@@ -6419,7 +6419,7 @@
                   <c:v>50.2532106</c:v>
                 </c:pt>
                 <c:pt idx="820">
-                  <c:v>50.3145698</c:v>
+                  <c:v>50.31456979999999</c:v>
                 </c:pt>
                 <c:pt idx="821">
                   <c:v>50.3759291</c:v>
@@ -6440,7 +6440,7 @@
                   <c:v>50.6827252</c:v>
                 </c:pt>
                 <c:pt idx="827">
-                  <c:v>50.7440845</c:v>
+                  <c:v>50.74408449999999</c:v>
                 </c:pt>
                 <c:pt idx="828">
                   <c:v>50.8054437</c:v>
@@ -6455,7 +6455,7 @@
                   <c:v>50.9895214</c:v>
                 </c:pt>
                 <c:pt idx="832">
-                  <c:v>51.0508806</c:v>
+                  <c:v>51.05088059999999</c:v>
                 </c:pt>
                 <c:pt idx="833">
                   <c:v>51.1122399</c:v>
@@ -6470,7 +6470,7 @@
                   <c:v>51.2963175</c:v>
                 </c:pt>
                 <c:pt idx="837">
-                  <c:v>51.3576768</c:v>
+                  <c:v>51.35767679999999</c:v>
                 </c:pt>
                 <c:pt idx="838">
                   <c:v>51.419036</c:v>
@@ -6500,7 +6500,7 @@
                   <c:v>51.9099099</c:v>
                 </c:pt>
                 <c:pt idx="847">
-                  <c:v>51.9712691</c:v>
+                  <c:v>51.97126909999999</c:v>
                 </c:pt>
                 <c:pt idx="848">
                   <c:v>52.0326283</c:v>
@@ -6518,7 +6518,7 @@
                   <c:v>52.2780653</c:v>
                 </c:pt>
                 <c:pt idx="853">
-                  <c:v>52.3394245</c:v>
+                  <c:v>52.33942449999999</c:v>
                 </c:pt>
                 <c:pt idx="854">
                   <c:v>52.4007837</c:v>
@@ -6530,7 +6530,7 @@
                   <c:v>52.5235022</c:v>
                 </c:pt>
                 <c:pt idx="857">
-                  <c:v>52.5848614</c:v>
+                  <c:v>52.58486139999999</c:v>
                 </c:pt>
                 <c:pt idx="858">
                   <c:v>52.6462206</c:v>
@@ -6545,7 +6545,7 @@
                   <c:v>52.8302983</c:v>
                 </c:pt>
                 <c:pt idx="862">
-                  <c:v>52.8916576</c:v>
+                  <c:v>52.89165759999999</c:v>
                 </c:pt>
                 <c:pt idx="863">
                   <c:v>52.9530168</c:v>
@@ -6596,7 +6596,7 @@
                   <c:v>53.8734053</c:v>
                 </c:pt>
                 <c:pt idx="879">
-                  <c:v>53.9347645</c:v>
+                  <c:v>53.93476449999999</c:v>
                 </c:pt>
                 <c:pt idx="880">
                   <c:v>53.9961237</c:v>
@@ -6662,7 +6662,7 @@
                   <c:v>55.2233084</c:v>
                 </c:pt>
                 <c:pt idx="901">
-                  <c:v>55.2846676</c:v>
+                  <c:v>55.28466759999999</c:v>
                 </c:pt>
                 <c:pt idx="902">
                   <c:v>55.3460268</c:v>
@@ -6740,7 +6740,7 @@
                   <c:v>56.8186484</c:v>
                 </c:pt>
                 <c:pt idx="927">
-                  <c:v>56.8800076</c:v>
+                  <c:v>56.88000759999999</c:v>
                 </c:pt>
                 <c:pt idx="928">
                   <c:v>56.9413668</c:v>
@@ -6764,7 +6764,7 @@
                   <c:v>57.3095222</c:v>
                 </c:pt>
                 <c:pt idx="935">
-                  <c:v>57.3708815</c:v>
+                  <c:v>57.37088149999999</c:v>
                 </c:pt>
                 <c:pt idx="936">
                   <c:v>57.4322407</c:v>
@@ -6896,7 +6896,7 @@
                   <c:v>60.0093284</c:v>
                 </c:pt>
                 <c:pt idx="979">
-                  <c:v>60.0706877</c:v>
+                  <c:v>60.07068769999999</c:v>
                 </c:pt>
                 <c:pt idx="980">
                   <c:v>60.1320469</c:v>
@@ -6908,10 +6908,10 @@
                   <c:v>60.2547653</c:v>
                 </c:pt>
                 <c:pt idx="983">
-                  <c:v>60.3161246</c:v>
+                  <c:v>60.31612459999999</c:v>
                 </c:pt>
                 <c:pt idx="984">
-                  <c:v>60.3774838</c:v>
+                  <c:v>60.37748379999999</c:v>
                 </c:pt>
                 <c:pt idx="985">
                   <c:v>60.438843</c:v>
@@ -6959,7 +6959,7 @@
                   <c:v>61.2978723</c:v>
                 </c:pt>
                 <c:pt idx="1000">
-                  <c:v>61.3592315</c:v>
+                  <c:v>61.35923149999999</c:v>
                 </c:pt>
                 <c:pt idx="1001">
                   <c:v>61.4205907</c:v>
@@ -6986,7 +6986,7 @@
                   <c:v>61.8501054</c:v>
                 </c:pt>
                 <c:pt idx="1009">
-                  <c:v>61.9114646</c:v>
+                  <c:v>61.91146459999999</c:v>
                 </c:pt>
                 <c:pt idx="1010">
                   <c:v>61.9728238</c:v>
@@ -7046,31 +7046,31 @@
                   <c:v>-562.328242245336</c:v>
                 </c:pt>
                 <c:pt idx="2">
-                  <c:v>-559.3366583174007</c:v>
+                  <c:v>-559.3366583174005</c:v>
                 </c:pt>
                 <c:pt idx="3">
                   <c:v>-554.5586334503578</c:v>
                 </c:pt>
                 <c:pt idx="4">
-                  <c:v>-548.2564664997709</c:v>
+                  <c:v>-548.2564664997708</c:v>
                 </c:pt>
                 <c:pt idx="5">
                   <c:v>-540.711170357826</c:v>
                 </c:pt>
                 <c:pt idx="6">
-                  <c:v>-532.1630133833785</c:v>
+                  <c:v>-532.1630133833784</c:v>
                 </c:pt>
                 <c:pt idx="7">
-                  <c:v>-522.7646420191472</c:v>
+                  <c:v>-522.7646420191473</c:v>
                 </c:pt>
                 <c:pt idx="8">
-                  <c:v>-512.55715572268</c:v>
+                  <c:v>-512.5571557226799</c:v>
                 </c:pt>
                 <c:pt idx="9">
                   <c:v>-501.473037829758</c:v>
                 </c:pt>
                 <c:pt idx="10">
-                  <c:v>-489.3631303426313</c:v>
+                  <c:v>-489.3631303426312</c:v>
                 </c:pt>
                 <c:pt idx="11">
                   <c:v>-476.0394329706618</c:v>
@@ -7082,10 +7082,10 @@
                   <c:v>-445.0845952199086</c:v>
                 </c:pt>
                 <c:pt idx="14">
-                  <c:v>-427.2754192669755</c:v>
+                  <c:v>-427.2754192669754</c:v>
                 </c:pt>
                 <c:pt idx="15">
-                  <c:v>-407.9359859081439</c:v>
+                  <c:v>-407.9359859081438</c:v>
                 </c:pt>
                 <c:pt idx="16">
                   <c:v>-387.1925807948848</c:v>
@@ -7103,10 +7103,10 @@
                   <c:v>-294.6487196640204</c:v>
                 </c:pt>
                 <c:pt idx="21">
-                  <c:v>-270.4261030888853</c:v>
+                  <c:v>-270.4261030888852</c:v>
                 </c:pt>
                 <c:pt idx="22">
-                  <c:v>-246.2775928280582</c:v>
+                  <c:v>-246.2775928280581</c:v>
                 </c:pt>
                 <c:pt idx="23">
                   <c:v>-222.4281478471897</c:v>
@@ -7127,16 +7127,16 @@
                   <c:v>-114.2120623713949</c:v>
                 </c:pt>
                 <c:pt idx="29">
-                  <c:v>-95.84584874342124</c:v>
+                  <c:v>-95.84584874342121</c:v>
                 </c:pt>
                 <c:pt idx="30">
-                  <c:v>-78.85375818138115</c:v>
+                  <c:v>-78.85375818138114</c:v>
                 </c:pt>
                 <c:pt idx="31">
-                  <c:v>-63.32196935247253</c:v>
+                  <c:v>-63.32196935247252</c:v>
                 </c:pt>
                 <c:pt idx="32">
-                  <c:v>-49.3158408392651</c:v>
+                  <c:v>-49.31584083926509</c:v>
                 </c:pt>
                 <c:pt idx="33">
                   <c:v>-36.87737299336898</c:v>
@@ -7160,22 +7160,22 @@
                   <c:v>5.70276841294881</c:v>
                 </c:pt>
                 <c:pt idx="40">
-                  <c:v>8.101210164158974</c:v>
+                  <c:v>8.101210164158971</c:v>
                 </c:pt>
                 <c:pt idx="41">
                   <c:v>9.451866330977558</c:v>
                 </c:pt>
                 <c:pt idx="42">
-                  <c:v>9.890158467590419</c:v>
+                  <c:v>9.890158467590417</c:v>
                 </c:pt>
                 <c:pt idx="43">
                   <c:v>9.554511729144255</c:v>
                 </c:pt>
                 <c:pt idx="44">
-                  <c:v>8.582489538886047</c:v>
+                  <c:v>8.58248953888605</c:v>
                 </c:pt>
                 <c:pt idx="45">
-                  <c:v>7.107344743535202</c:v>
+                  <c:v>7.107344743535201</c:v>
                 </c:pt>
                 <c:pt idx="46">
                   <c:v>5.255191053497647</c:v>
@@ -7193,13 +7193,13 @@
                   <c:v>-3.748770210145367</c:v>
                 </c:pt>
                 <c:pt idx="51">
-                  <c:v>-5.954305560930342</c:v>
+                  <c:v>-5.954305560930341</c:v>
                 </c:pt>
                 <c:pt idx="52">
                   <c:v>-8.006107124698145</c:v>
                 </c:pt>
                 <c:pt idx="53">
-                  <c:v>-9.857883806344917</c:v>
+                  <c:v>-9.85788380634492</c:v>
                 </c:pt>
                 <c:pt idx="54">
                   <c:v>-11.47520779247935</c:v>
@@ -7247,10 +7247,10 @@
                   <c:v>-9.0168245443377</c:v>
                 </c:pt>
                 <c:pt idx="69">
-                  <c:v>-7.633569135886034</c:v>
+                  <c:v>-7.633569135886035</c:v>
                 </c:pt>
                 <c:pt idx="70">
-                  <c:v>-6.194490282551488</c:v>
+                  <c:v>-6.194490282551487</c:v>
                 </c:pt>
                 <c:pt idx="71">
                   <c:v>-4.726248697499707</c:v>
@@ -7271,7 +7271,7 @@
                   <c:v>1.958029177919853</c:v>
                 </c:pt>
                 <c:pt idx="77">
-                  <c:v>2.936869719821294</c:v>
+                  <c:v>2.936869719821293</c:v>
                 </c:pt>
                 <c:pt idx="78">
                   <c:v>3.729675922614766</c:v>
@@ -7280,25 +7280,25 @@
                   <c:v>4.316913255809623</c:v>
                 </c:pt>
                 <c:pt idx="80">
-                  <c:v>4.685834950253609</c:v>
+                  <c:v>4.685834950253608</c:v>
                 </c:pt>
                 <c:pt idx="81">
                   <c:v>4.831254900388216</c:v>
                 </c:pt>
                 <c:pt idx="82">
-                  <c:v>4.755903596275437</c:v>
+                  <c:v>4.755903596275436</c:v>
                 </c:pt>
                 <c:pt idx="83">
                   <c:v>4.470334621879994</c:v>
                 </c:pt>
                 <c:pt idx="84">
-                  <c:v>3.992389119338717</c:v>
+                  <c:v>3.992389119338716</c:v>
                 </c:pt>
                 <c:pt idx="85">
-                  <c:v>3.346264452478229</c:v>
+                  <c:v>3.346264452478228</c:v>
                 </c:pt>
                 <c:pt idx="86">
-                  <c:v>2.561266029264767</c:v>
+                  <c:v>2.561266029264766</c:v>
                 </c:pt>
                 <c:pt idx="87">
                   <c:v>1.670346098519725</c:v>
@@ -7328,16 +7328,16 @@
                   <c:v>-5.258336958256161</c:v>
                 </c:pt>
                 <c:pt idx="96">
-                  <c:v>-5.700453189698236</c:v>
+                  <c:v>-5.700453189698237</c:v>
                 </c:pt>
                 <c:pt idx="97">
-                  <c:v>-5.997176517545596</c:v>
+                  <c:v>-5.997176517545594</c:v>
                 </c:pt>
                 <c:pt idx="98">
                   <c:v>-6.146385782127016</c:v>
                 </c:pt>
                 <c:pt idx="99">
-                  <c:v>-6.150725278405617</c:v>
+                  <c:v>-6.150725278405615</c:v>
                 </c:pt>
                 <c:pt idx="100">
                   <c:v>-6.017210894164998</c:v>
@@ -7352,7 +7352,7 @@
                   <c:v>-4.911619339275844</c:v>
                 </c:pt>
                 <c:pt idx="104">
-                  <c:v>-4.36036735072295</c:v>
+                  <c:v>-4.360367350722949</c:v>
                 </c:pt>
                 <c:pt idx="105">
                   <c:v>-3.746829875599278</c:v>
@@ -7382,7 +7382,7 @@
                   <c:v>1.377057412854292</c:v>
                 </c:pt>
                 <c:pt idx="114">
-                  <c:v>1.822202429540409</c:v>
+                  <c:v>1.82220242954041</c:v>
                 </c:pt>
                 <c:pt idx="115">
                   <c:v>2.185818861383499</c:v>
@@ -7403,7 +7403,7 @@
                   <c:v>2.638864441850867</c:v>
                 </c:pt>
                 <c:pt idx="121">
-                  <c:v>2.45975618045874</c:v>
+                  <c:v>2.459756180458739</c:v>
                 </c:pt>
                 <c:pt idx="122">
                   <c:v>2.202175648003366</c:v>
@@ -7463,7 +7463,7 @@
                   <c:v>-2.563949579503587</c:v>
                 </c:pt>
                 <c:pt idx="141">
-                  <c:v>-2.336054229404148</c:v>
+                  <c:v>-2.336054229404147</c:v>
                 </c:pt>
                 <c:pt idx="142">
                   <c:v>-2.061325905843034</c:v>
@@ -7472,7 +7472,7 @@
                   <c:v>-1.749325494944514</c:v>
                 </c:pt>
                 <c:pt idx="144">
-                  <c:v>-1.409993312157343</c:v>
+                  <c:v>-1.409993312157342</c:v>
                 </c:pt>
                 <c:pt idx="145">
                   <c:v>-1.05323534168037</c:v>
@@ -8982,10 +8982,10 @@
                   <c:v>4.1</c:v>
                 </c:pt>
                 <c:pt idx="411">
-                  <c:v>4.11</c:v>
+                  <c:v>4.109999999999999</c:v>
                 </c:pt>
                 <c:pt idx="412">
-                  <c:v>4.12</c:v>
+                  <c:v>4.119999999999999</c:v>
                 </c:pt>
                 <c:pt idx="413">
                   <c:v>4.13</c:v>
@@ -8994,10 +8994,10 @@
                   <c:v>4.14</c:v>
                 </c:pt>
                 <c:pt idx="415">
-                  <c:v>4.15</c:v>
+                  <c:v>4.149999999999999</c:v>
                 </c:pt>
                 <c:pt idx="416">
-                  <c:v>4.16</c:v>
+                  <c:v>4.159999999999999</c:v>
                 </c:pt>
                 <c:pt idx="417">
                   <c:v>4.17</c:v>
@@ -9006,7 +9006,7 @@
                   <c:v>4.18</c:v>
                 </c:pt>
                 <c:pt idx="419">
-                  <c:v>4.19</c:v>
+                  <c:v>4.189999999999999</c:v>
                 </c:pt>
                 <c:pt idx="420">
                   <c:v>4.2</c:v>
@@ -9045,7 +9045,7 @@
                   <c:v>4.31</c:v>
                 </c:pt>
                 <c:pt idx="432">
-                  <c:v>4.32</c:v>
+                  <c:v>4.319999999999999</c:v>
                 </c:pt>
                 <c:pt idx="433">
                   <c:v>4.33</c:v>
@@ -9057,7 +9057,7 @@
                   <c:v>4.35</c:v>
                 </c:pt>
                 <c:pt idx="436">
-                  <c:v>4.36</c:v>
+                  <c:v>4.359999999999999</c:v>
                 </c:pt>
                 <c:pt idx="437">
                   <c:v>4.37</c:v>
@@ -9132,10 +9132,10 @@
                   <c:v>4.6</c:v>
                 </c:pt>
                 <c:pt idx="461">
-                  <c:v>4.61</c:v>
+                  <c:v>4.609999999999999</c:v>
                 </c:pt>
                 <c:pt idx="462">
-                  <c:v>4.62</c:v>
+                  <c:v>4.619999999999999</c:v>
                 </c:pt>
                 <c:pt idx="463">
                   <c:v>4.63</c:v>
@@ -9144,10 +9144,10 @@
                   <c:v>4.64</c:v>
                 </c:pt>
                 <c:pt idx="465">
-                  <c:v>4.65</c:v>
+                  <c:v>4.649999999999999</c:v>
                 </c:pt>
                 <c:pt idx="466">
-                  <c:v>4.66</c:v>
+                  <c:v>4.659999999999999</c:v>
                 </c:pt>
                 <c:pt idx="467">
                   <c:v>4.67</c:v>
@@ -9156,7 +9156,7 @@
                   <c:v>4.68</c:v>
                 </c:pt>
                 <c:pt idx="469">
-                  <c:v>4.69</c:v>
+                  <c:v>4.689999999999999</c:v>
                 </c:pt>
                 <c:pt idx="470">
                   <c:v>4.7</c:v>
@@ -9195,7 +9195,7 @@
                   <c:v>4.81</c:v>
                 </c:pt>
                 <c:pt idx="482">
-                  <c:v>4.82</c:v>
+                  <c:v>4.819999999999999</c:v>
                 </c:pt>
                 <c:pt idx="483">
                   <c:v>4.83</c:v>
@@ -9207,7 +9207,7 @@
                   <c:v>4.85</c:v>
                 </c:pt>
                 <c:pt idx="486">
-                  <c:v>4.86</c:v>
+                  <c:v>4.859999999999999</c:v>
                 </c:pt>
                 <c:pt idx="487">
                   <c:v>4.87</c:v>
@@ -9282,10 +9282,10 @@
                   <c:v>5.1</c:v>
                 </c:pt>
                 <c:pt idx="511">
-                  <c:v>5.11</c:v>
+                  <c:v>5.109999999999999</c:v>
                 </c:pt>
                 <c:pt idx="512">
-                  <c:v>5.12</c:v>
+                  <c:v>5.119999999999999</c:v>
                 </c:pt>
                 <c:pt idx="513">
                   <c:v>5.13</c:v>
@@ -9294,10 +9294,10 @@
                   <c:v>5.14</c:v>
                 </c:pt>
                 <c:pt idx="515">
-                  <c:v>5.15</c:v>
+                  <c:v>5.149999999999999</c:v>
                 </c:pt>
                 <c:pt idx="516">
-                  <c:v>5.16</c:v>
+                  <c:v>5.159999999999999</c:v>
                 </c:pt>
                 <c:pt idx="517">
                   <c:v>5.17</c:v>
@@ -9306,7 +9306,7 @@
                   <c:v>5.18</c:v>
                 </c:pt>
                 <c:pt idx="519">
-                  <c:v>5.19</c:v>
+                  <c:v>5.189999999999999</c:v>
                 </c:pt>
                 <c:pt idx="520">
                   <c:v>5.2</c:v>
@@ -9345,7 +9345,7 @@
                   <c:v>5.31</c:v>
                 </c:pt>
                 <c:pt idx="532">
-                  <c:v>5.32</c:v>
+                  <c:v>5.319999999999999</c:v>
                 </c:pt>
                 <c:pt idx="533">
                   <c:v>5.33</c:v>
@@ -9357,7 +9357,7 @@
                   <c:v>5.35</c:v>
                 </c:pt>
                 <c:pt idx="536">
-                  <c:v>5.36</c:v>
+                  <c:v>5.359999999999999</c:v>
                 </c:pt>
                 <c:pt idx="537">
                   <c:v>5.37</c:v>
@@ -9432,10 +9432,10 @@
                   <c:v>5.6</c:v>
                 </c:pt>
                 <c:pt idx="561">
-                  <c:v>5.61</c:v>
+                  <c:v>5.609999999999999</c:v>
                 </c:pt>
                 <c:pt idx="562">
-                  <c:v>5.62</c:v>
+                  <c:v>5.619999999999999</c:v>
                 </c:pt>
                 <c:pt idx="563">
                   <c:v>5.63</c:v>
@@ -9444,10 +9444,10 @@
                   <c:v>5.64</c:v>
                 </c:pt>
                 <c:pt idx="565">
-                  <c:v>5.65</c:v>
+                  <c:v>5.649999999999999</c:v>
                 </c:pt>
                 <c:pt idx="566">
-                  <c:v>5.66</c:v>
+                  <c:v>5.659999999999999</c:v>
                 </c:pt>
                 <c:pt idx="567">
                   <c:v>5.67</c:v>
@@ -9456,7 +9456,7 @@
                   <c:v>5.68</c:v>
                 </c:pt>
                 <c:pt idx="569">
-                  <c:v>5.69</c:v>
+                  <c:v>5.689999999999999</c:v>
                 </c:pt>
                 <c:pt idx="570">
                   <c:v>5.7</c:v>
@@ -9495,7 +9495,7 @@
                   <c:v>5.81</c:v>
                 </c:pt>
                 <c:pt idx="582">
-                  <c:v>5.82</c:v>
+                  <c:v>5.819999999999999</c:v>
                 </c:pt>
                 <c:pt idx="583">
                   <c:v>5.83</c:v>
@@ -9507,7 +9507,7 @@
                   <c:v>5.85</c:v>
                 </c:pt>
                 <c:pt idx="586">
-                  <c:v>5.86</c:v>
+                  <c:v>5.859999999999999</c:v>
                 </c:pt>
                 <c:pt idx="587">
                   <c:v>5.87</c:v>
@@ -9582,10 +9582,10 @@
                   <c:v>6.1</c:v>
                 </c:pt>
                 <c:pt idx="611">
-                  <c:v>6.11</c:v>
+                  <c:v>6.109999999999999</c:v>
                 </c:pt>
                 <c:pt idx="612">
-                  <c:v>6.12</c:v>
+                  <c:v>6.119999999999999</c:v>
                 </c:pt>
                 <c:pt idx="613">
                   <c:v>6.13</c:v>
@@ -9594,10 +9594,10 @@
                   <c:v>6.14</c:v>
                 </c:pt>
                 <c:pt idx="615">
-                  <c:v>6.15</c:v>
+                  <c:v>6.149999999999999</c:v>
                 </c:pt>
                 <c:pt idx="616">
-                  <c:v>6.16</c:v>
+                  <c:v>6.159999999999999</c:v>
                 </c:pt>
                 <c:pt idx="617">
                   <c:v>6.17</c:v>
@@ -9606,7 +9606,7 @@
                   <c:v>6.18</c:v>
                 </c:pt>
                 <c:pt idx="619">
-                  <c:v>6.19</c:v>
+                  <c:v>6.189999999999999</c:v>
                 </c:pt>
                 <c:pt idx="620">
                   <c:v>6.2</c:v>
@@ -9645,7 +9645,7 @@
                   <c:v>6.31</c:v>
                 </c:pt>
                 <c:pt idx="632">
-                  <c:v>6.32</c:v>
+                  <c:v>6.319999999999999</c:v>
                 </c:pt>
                 <c:pt idx="633">
                   <c:v>6.33</c:v>
@@ -9657,7 +9657,7 @@
                   <c:v>6.35</c:v>
                 </c:pt>
                 <c:pt idx="636">
-                  <c:v>6.36</c:v>
+                  <c:v>6.359999999999999</c:v>
                 </c:pt>
                 <c:pt idx="637">
                   <c:v>6.37</c:v>
@@ -9732,10 +9732,10 @@
                   <c:v>6.6</c:v>
                 </c:pt>
                 <c:pt idx="661">
-                  <c:v>6.61</c:v>
+                  <c:v>6.609999999999999</c:v>
                 </c:pt>
                 <c:pt idx="662">
-                  <c:v>6.62</c:v>
+                  <c:v>6.619999999999999</c:v>
                 </c:pt>
                 <c:pt idx="663">
                   <c:v>6.63</c:v>
@@ -9744,10 +9744,10 @@
                   <c:v>6.64</c:v>
                 </c:pt>
                 <c:pt idx="665">
-                  <c:v>6.65</c:v>
+                  <c:v>6.649999999999999</c:v>
                 </c:pt>
                 <c:pt idx="666">
-                  <c:v>6.66</c:v>
+                  <c:v>6.659999999999999</c:v>
                 </c:pt>
                 <c:pt idx="667">
                   <c:v>6.67</c:v>
@@ -9756,7 +9756,7 @@
                   <c:v>6.68</c:v>
                 </c:pt>
                 <c:pt idx="669">
-                  <c:v>6.69</c:v>
+                  <c:v>6.689999999999999</c:v>
                 </c:pt>
                 <c:pt idx="670">
                   <c:v>6.7</c:v>
@@ -9795,7 +9795,7 @@
                   <c:v>6.81</c:v>
                 </c:pt>
                 <c:pt idx="682">
-                  <c:v>6.82</c:v>
+                  <c:v>6.819999999999999</c:v>
                 </c:pt>
                 <c:pt idx="683">
                   <c:v>6.83</c:v>
@@ -9807,7 +9807,7 @@
                   <c:v>6.85</c:v>
                 </c:pt>
                 <c:pt idx="686">
-                  <c:v>6.86</c:v>
+                  <c:v>6.859999999999999</c:v>
                 </c:pt>
                 <c:pt idx="687">
                   <c:v>6.87</c:v>
@@ -9882,10 +9882,10 @@
                   <c:v>7.1</c:v>
                 </c:pt>
                 <c:pt idx="711">
-                  <c:v>7.11</c:v>
+                  <c:v>7.109999999999999</c:v>
                 </c:pt>
                 <c:pt idx="712">
-                  <c:v>7.12</c:v>
+                  <c:v>7.119999999999999</c:v>
                 </c:pt>
                 <c:pt idx="713">
                   <c:v>7.13</c:v>
@@ -9894,10 +9894,10 @@
                   <c:v>7.14</c:v>
                 </c:pt>
                 <c:pt idx="715">
-                  <c:v>7.15</c:v>
+                  <c:v>7.149999999999999</c:v>
                 </c:pt>
                 <c:pt idx="716">
-                  <c:v>7.16</c:v>
+                  <c:v>7.159999999999999</c:v>
                 </c:pt>
                 <c:pt idx="717">
                   <c:v>7.17</c:v>
@@ -9906,7 +9906,7 @@
                   <c:v>7.18</c:v>
                 </c:pt>
                 <c:pt idx="719">
-                  <c:v>7.19</c:v>
+                  <c:v>7.189999999999999</c:v>
                 </c:pt>
                 <c:pt idx="720">
                   <c:v>7.2</c:v>
@@ -9945,7 +9945,7 @@
                   <c:v>7.31</c:v>
                 </c:pt>
                 <c:pt idx="732">
-                  <c:v>7.32</c:v>
+                  <c:v>7.319999999999999</c:v>
                 </c:pt>
                 <c:pt idx="733">
                   <c:v>7.33</c:v>
@@ -9957,7 +9957,7 @@
                   <c:v>7.35</c:v>
                 </c:pt>
                 <c:pt idx="736">
-                  <c:v>7.36</c:v>
+                  <c:v>7.359999999999999</c:v>
                 </c:pt>
                 <c:pt idx="737">
                   <c:v>7.37</c:v>
@@ -10032,10 +10032,10 @@
                   <c:v>7.6</c:v>
                 </c:pt>
                 <c:pt idx="761">
-                  <c:v>7.61</c:v>
+                  <c:v>7.609999999999999</c:v>
                 </c:pt>
                 <c:pt idx="762">
-                  <c:v>7.62</c:v>
+                  <c:v>7.619999999999999</c:v>
                 </c:pt>
                 <c:pt idx="763">
                   <c:v>7.63</c:v>
@@ -10044,10 +10044,10 @@
                   <c:v>7.64</c:v>
                 </c:pt>
                 <c:pt idx="765">
-                  <c:v>7.65</c:v>
+                  <c:v>7.649999999999999</c:v>
                 </c:pt>
                 <c:pt idx="766">
-                  <c:v>7.66</c:v>
+                  <c:v>7.659999999999999</c:v>
                 </c:pt>
                 <c:pt idx="767">
                   <c:v>7.67</c:v>
@@ -10056,7 +10056,7 @@
                   <c:v>7.68</c:v>
                 </c:pt>
                 <c:pt idx="769">
-                  <c:v>7.69</c:v>
+                  <c:v>7.689999999999999</c:v>
                 </c:pt>
                 <c:pt idx="770">
                   <c:v>7.7</c:v>
@@ -10095,7 +10095,7 @@
                   <c:v>7.81</c:v>
                 </c:pt>
                 <c:pt idx="782">
-                  <c:v>7.82</c:v>
+                  <c:v>7.819999999999999</c:v>
                 </c:pt>
                 <c:pt idx="783">
                   <c:v>7.83</c:v>
@@ -10107,7 +10107,7 @@
                   <c:v>7.85</c:v>
                 </c:pt>
                 <c:pt idx="786">
-                  <c:v>7.86</c:v>
+                  <c:v>7.859999999999999</c:v>
                 </c:pt>
                 <c:pt idx="787">
                   <c:v>7.87</c:v>
@@ -10218,10 +10218,10 @@
                   <c:v>8.220000000000001</c:v>
                 </c:pt>
                 <c:pt idx="823">
-                  <c:v>8.23</c:v>
+                  <c:v>8.229999999999998</c:v>
                 </c:pt>
                 <c:pt idx="824">
-                  <c:v>8.24</c:v>
+                  <c:v>8.239999999999998</c:v>
                 </c:pt>
                 <c:pt idx="825">
                   <c:v>8.25</c:v>
@@ -10341,7 +10341,7 @@
                   <c:v>8.630000000000001</c:v>
                 </c:pt>
                 <c:pt idx="864">
-                  <c:v>8.64</c:v>
+                  <c:v>8.639999999999998</c:v>
                 </c:pt>
                 <c:pt idx="865">
                   <c:v>8.65</c:v>
@@ -10368,10 +10368,10 @@
                   <c:v>8.720000000000001</c:v>
                 </c:pt>
                 <c:pt idx="873">
-                  <c:v>8.73</c:v>
+                  <c:v>8.729999999999998</c:v>
                 </c:pt>
                 <c:pt idx="874">
-                  <c:v>8.74</c:v>
+                  <c:v>8.739999999999998</c:v>
                 </c:pt>
                 <c:pt idx="875">
                   <c:v>8.75</c:v>
@@ -10518,10 +10518,10 @@
                   <c:v>9.220000000000001</c:v>
                 </c:pt>
                 <c:pt idx="923">
-                  <c:v>9.23</c:v>
+                  <c:v>9.229999999999998</c:v>
                 </c:pt>
                 <c:pt idx="924">
-                  <c:v>9.24</c:v>
+                  <c:v>9.239999999999998</c:v>
                 </c:pt>
                 <c:pt idx="925">
                   <c:v>9.25</c:v>
@@ -10641,7 +10641,7 @@
                   <c:v>9.630000000000001</c:v>
                 </c:pt>
                 <c:pt idx="964">
-                  <c:v>9.64</c:v>
+                  <c:v>9.639999999999998</c:v>
                 </c:pt>
                 <c:pt idx="965">
                   <c:v>9.65</c:v>
@@ -10668,10 +10668,10 @@
                   <c:v>9.720000000000001</c:v>
                 </c:pt>
                 <c:pt idx="973">
-                  <c:v>9.73</c:v>
+                  <c:v>9.729999999999998</c:v>
                 </c:pt>
                 <c:pt idx="974">
-                  <c:v>9.74</c:v>
+                  <c:v>9.739999999999998</c:v>
                 </c:pt>
                 <c:pt idx="975">
                   <c:v>9.75</c:v>
@@ -10764,7 +10764,7 @@
                   <c:v>-558.648272700598</c:v>
                 </c:pt>
                 <c:pt idx="2">
-                  <c:v>-558.371126495737</c:v>
+                  <c:v>-558.3711264957368</c:v>
                 </c:pt>
                 <c:pt idx="3">
                   <c:v>-557.909419948242</c:v>
@@ -10782,19 +10782,19 @@
                   <c:v>-554.224938295575</c:v>
                 </c:pt>
                 <c:pt idx="8">
-                  <c:v>-552.847460925833</c:v>
+                  <c:v>-552.8474609258328</c:v>
                 </c:pt>
                 <c:pt idx="9">
                   <c:v>-551.289091504373</c:v>
                 </c:pt>
                 <c:pt idx="10">
-                  <c:v>-549.55086938029</c:v>
+                  <c:v>-549.5508693802899</c:v>
                 </c:pt>
                 <c:pt idx="11">
                   <c:v>-547.633956179038</c:v>
                 </c:pt>
                 <c:pt idx="12">
-                  <c:v>-545.53963580244</c:v>
+                  <c:v>-545.5396358024399</c:v>
                 </c:pt>
                 <c:pt idx="13">
                   <c:v>-543.269314428679</c:v>
@@ -10803,22 +10803,22 @@
                   <c:v>-540.824520512305</c:v>
                 </c:pt>
                 <c:pt idx="15">
-                  <c:v>-538.206904784229</c:v>
+                  <c:v>-538.2069047842289</c:v>
                 </c:pt>
                 <c:pt idx="16">
                   <c:v>-535.418240251729</c:v>
                 </c:pt>
                 <c:pt idx="17">
-                  <c:v>-532.460422198443</c:v>
+                  <c:v>-532.4604221984428</c:v>
                 </c:pt>
                 <c:pt idx="18">
-                  <c:v>-529.335468184377</c:v>
+                  <c:v>-529.3354681843769</c:v>
                 </c:pt>
                 <c:pt idx="19">
-                  <c:v>-526.045518045899</c:v>
+                  <c:v>-526.0455180458989</c:v>
                 </c:pt>
                 <c:pt idx="20">
-                  <c:v>-522.592833895739</c:v>
+                  <c:v>-522.5928338957389</c:v>
                 </c:pt>
                 <c:pt idx="21">
                   <c:v>-518.979800122994</c:v>
@@ -10833,7 +10833,7 @@
                   <c:v>-507.204279105665</c:v>
                 </c:pt>
                 <c:pt idx="25">
-                  <c:v>-502.976136260814</c:v>
+                  <c:v>-502.9761362608139</c:v>
                 </c:pt>
                 <c:pt idx="26">
                   <c:v>-498.601399884316</c:v>
@@ -10848,7 +10848,7 @@
                   <c:v>-484.629421419539</c:v>
                 </c:pt>
                 <c:pt idx="30">
-                  <c:v>-479.700714152877</c:v>
+                  <c:v>-479.7007141528769</c:v>
                 </c:pt>
                 <c:pt idx="31">
                   <c:v>-474.6422263546</c:v>
@@ -10860,7 +10860,7 @@
                   <c:v>-464.15094915596</c:v>
                 </c:pt>
                 <c:pt idx="34">
-                  <c:v>-458.725985442886</c:v>
+                  <c:v>-458.7259854428859</c:v>
                 </c:pt>
                 <c:pt idx="35">
                   <c:v>-453.186892572775</c:v>
@@ -10869,16 +10869,16 @@
                   <c:v>-447.537889080181</c:v>
                 </c:pt>
                 <c:pt idx="37">
-                  <c:v>-441.783315776021</c:v>
+                  <c:v>-441.7833157760209</c:v>
                 </c:pt>
                 <c:pt idx="38">
-                  <c:v>-435.927635747577</c:v>
+                  <c:v>-435.9276357475769</c:v>
                 </c:pt>
                 <c:pt idx="39">
-                  <c:v>-429.975434358496</c:v>
+                  <c:v>-429.9754343584959</c:v>
                 </c:pt>
                 <c:pt idx="40">
-                  <c:v>-423.931419248786</c:v>
+                  <c:v>-423.9314192487859</c:v>
                 </c:pt>
                 <c:pt idx="41">
                   <c:v>-417.80042033482</c:v>
@@ -10890,7 +10890,7 @@
                   <c:v>-405.297402141437</c:v>
                 </c:pt>
                 <c:pt idx="44">
-                  <c:v>-398.935654076586</c:v>
+                  <c:v>-398.9356540765859</c:v>
                 </c:pt>
                 <c:pt idx="45">
                   <c:v>-392.507464636611</c:v>
@@ -10932,7 +10932,7 @@
                   <c:v>-312.289795279773</c:v>
                 </c:pt>
                 <c:pt idx="58">
-                  <c:v>-305.537534695202</c:v>
+                  <c:v>-305.5375346952019</c:v>
                 </c:pt>
                 <c:pt idx="59">
                   <c:v>-298.806138059321</c:v>
@@ -10953,7 +10953,7 @@
                   <c:v>-265.71675463805</c:v>
                 </c:pt>
                 <c:pt idx="65">
-                  <c:v>-259.265037880075</c:v>
+                  <c:v>-259.2650378800749</c:v>
                 </c:pt>
                 <c:pt idx="66">
                   <c:v>-252.886825045442</c:v>
@@ -11094,22 +11094,22 @@
                   <c:v>-100.595397303635</c:v>
                 </c:pt>
                 <c:pt idx="112">
-                  <c:v>-98.9397584567299</c:v>
+                  <c:v>-98.93975845672988</c:v>
                 </c:pt>
                 <c:pt idx="113">
-                  <c:v>-97.30141414445519</c:v>
+                  <c:v>-97.30141414445518</c:v>
                 </c:pt>
                 <c:pt idx="114">
-                  <c:v>-95.67919286565591</c:v>
+                  <c:v>-95.67919286565589</c:v>
                 </c:pt>
                 <c:pt idx="115">
                   <c:v>-94.0719835519983</c:v>
                 </c:pt>
                 <c:pt idx="116">
-                  <c:v>-92.4787413673149</c:v>
+                  <c:v>-92.47874136731488</c:v>
                 </c:pt>
                 <c:pt idx="117">
-                  <c:v>-90.89847746096309</c:v>
+                  <c:v>-90.89847746096308</c:v>
                 </c:pt>
                 <c:pt idx="118">
                   <c:v>-89.3302646895187</c:v>
@@ -11121,7 +11121,7 @@
                   <c:v>-86.2265467270174</c:v>
                 </c:pt>
                 <c:pt idx="121">
-                  <c:v>-84.6524480942428</c:v>
+                  <c:v>-84.65244809424279</c:v>
                 </c:pt>
                 <c:pt idx="122">
                   <c:v>-83.0872131314615</c:v>
@@ -11136,10 +11136,10 @@
                   <c:v>-78.4381660370928</c:v>
                 </c:pt>
                 <c:pt idx="126">
-                  <c:v>-76.90207002004649</c:v>
+                  <c:v>-76.90207002004648</c:v>
                 </c:pt>
                 <c:pt idx="127">
-                  <c:v>-75.3718813053795</c:v>
+                  <c:v>-75.37188130537949</c:v>
                 </c:pt>
                 <c:pt idx="128">
                   <c:v>-73.8471256716212</c:v>
@@ -11148,10 +11148,10 @@
                   <c:v>-72.32735950499161</c:v>
                 </c:pt>
                 <c:pt idx="130">
-                  <c:v>-70.8121708870088</c:v>
+                  <c:v>-70.81217088700879</c:v>
                 </c:pt>
                 <c:pt idx="131">
-                  <c:v>-69.2211377477537</c:v>
+                  <c:v>-69.22113774775369</c:v>
                 </c:pt>
                 <c:pt idx="132">
                   <c:v>-67.6339490867971</c:v>
@@ -11166,13 +11166,13 @@
                   <c:v>-62.8923045934128</c:v>
                 </c:pt>
                 <c:pt idx="136">
-                  <c:v>-61.317465856453</c:v>
+                  <c:v>-61.31746585645299</c:v>
                 </c:pt>
                 <c:pt idx="137">
                   <c:v>-59.7450712481242</c:v>
                 </c:pt>
                 <c:pt idx="138">
-                  <c:v>-58.1749017354925</c:v>
+                  <c:v>-58.17490173549249</c:v>
                 </c:pt>
                 <c:pt idx="139">
                   <c:v>-56.6067558591019</c:v>
@@ -11181,16 +11181,16 @@
                   <c:v>-55.0404515099719</c:v>
                 </c:pt>
                 <c:pt idx="141">
-                  <c:v>-53.9142817725119</c:v>
+                  <c:v>-53.91428177251189</c:v>
                 </c:pt>
                 <c:pt idx="142">
-                  <c:v>-52.7896298316935</c:v>
+                  <c:v>-52.78962983169349</c:v>
                 </c:pt>
                 <c:pt idx="143">
                   <c:v>-51.6663529426573</c:v>
                 </c:pt>
                 <c:pt idx="144">
-                  <c:v>-50.544320460794</c:v>
+                  <c:v>-50.54432046079399</c:v>
                 </c:pt>
                 <c:pt idx="145">
                   <c:v>-49.4234159302264</c:v>
@@ -11199,13 +11199,13 @@
                   <c:v>-48.3035302285349</c:v>
                 </c:pt>
                 <c:pt idx="147">
-                  <c:v>-47.184564765505</c:v>
+                  <c:v>-47.18456476550499</c:v>
                 </c:pt>
                 <c:pt idx="148">
                   <c:v>-46.0664297336278</c:v>
                 </c:pt>
                 <c:pt idx="149">
-                  <c:v>-44.9490424080656</c:v>
+                  <c:v>-44.94904240806559</c:v>
                 </c:pt>
                 <c:pt idx="150">
                   <c:v>-43.8323304937793</c:v>
@@ -11238,7 +11238,7 @@
                   <c:v>-34.1176486418507</c:v>
                 </c:pt>
                 <c:pt idx="160">
-                  <c:v>-33.0398094957856</c:v>
+                  <c:v>-33.03980949578559</c:v>
                 </c:pt>
                 <c:pt idx="161">
                   <c:v>-32.1550556440041</c:v>
@@ -11265,7 +11265,7 @@
                   <c:v>-25.9658352268002</c:v>
                 </c:pt>
                 <c:pt idx="169">
-                  <c:v>-25.0820675623656</c:v>
+                  <c:v>-25.08206756236559</c:v>
                 </c:pt>
                 <c:pt idx="170">
                   <c:v>-24.1983679792431</c:v>
@@ -11277,7 +11277,7 @@
                   <c:v>-22.6983628974305</c:v>
                 </c:pt>
                 <c:pt idx="173">
-                  <c:v>-21.9484349314216</c:v>
+                  <c:v>-21.94843493142159</c:v>
                 </c:pt>
                 <c:pt idx="174">
                   <c:v>-21.1985489386861</c:v>
@@ -11289,13 +11289,13 @@
                   <c:v>-19.698883451738</c:v>
                 </c:pt>
                 <c:pt idx="177">
-                  <c:v>-18.9490956023292</c:v>
+                  <c:v>-18.94909560232919</c:v>
                 </c:pt>
                 <c:pt idx="178">
                   <c:v>-18.1993339007121</c:v>
                 </c:pt>
                 <c:pt idx="179">
-                  <c:v>-17.4495932757833</c:v>
+                  <c:v>-17.44959327578329</c:v>
                 </c:pt>
                 <c:pt idx="180">
                   <c:v>-16.6998720146161</c:v>
@@ -11334,7 +11334,7 @@
                   <c:v>-9.21718964377779</c:v>
                 </c:pt>
                 <c:pt idx="192">
-                  <c:v>-8.61851804440208</c:v>
+                  <c:v>-8.618518044402078</c:v>
                 </c:pt>
                 <c:pt idx="193">
                   <c:v>-8.01984969932766</c:v>
@@ -11343,19 +11343,19 @@
                   <c:v>-7.42118417429165</c:v>
                 </c:pt>
                 <c:pt idx="195">
-                  <c:v>-6.8225210908814</c:v>
+                  <c:v>-6.822521090881399</c:v>
                 </c:pt>
                 <c:pt idx="196">
                   <c:v>-6.22386011964796</c:v>
                 </c:pt>
                 <c:pt idx="197">
-                  <c:v>-5.62520097402799</c:v>
+                  <c:v>-5.625200974027988</c:v>
                 </c:pt>
                 <c:pt idx="198">
                   <c:v>-5.02654340498452</c:v>
                 </c:pt>
                 <c:pt idx="199">
-                  <c:v>-4.42788719628655</c:v>
+                  <c:v>-4.427887196286549</c:v>
                 </c:pt>
                 <c:pt idx="200">
                   <c:v>-3.82923216035523</c:v>
@@ -11364,7 +11364,7 @@
                   <c:v>-3.39447183461255</c:v>
                 </c:pt>
                 <c:pt idx="202">
-                  <c:v>-2.9597129782748</c:v>
+                  <c:v>-2.959712978274799</c:v>
                 </c:pt>
                 <c:pt idx="203">
                   <c:v>-2.52495476953953</c:v>
@@ -11412,10 +11412,10 @@
                   <c:v>3.51055631391596</c:v>
                 </c:pt>
                 <c:pt idx="218">
-                  <c:v>3.93801549498098</c:v>
+                  <c:v>3.938015494980979</c:v>
                 </c:pt>
                 <c:pt idx="219">
-                  <c:v>4.36547461653605</c:v>
+                  <c:v>4.365474616536048</c:v>
                 </c:pt>
                 <c:pt idx="220">
                   <c:v>4.79293378765203</c:v>
@@ -11433,31 +11433,31 @@
                   <c:v>6.03377230590501</c:v>
                 </c:pt>
                 <c:pt idx="225">
-                  <c:v>6.34398182001118</c:v>
+                  <c:v>6.343981820011179</c:v>
                 </c:pt>
                 <c:pt idx="226">
-                  <c:v>6.65419131574635</c:v>
+                  <c:v>6.654191315746349</c:v>
                 </c:pt>
                 <c:pt idx="227">
-                  <c:v>6.96440069600244</c:v>
+                  <c:v>6.964400696002439</c:v>
                 </c:pt>
                 <c:pt idx="228">
                   <c:v>7.27461016322709</c:v>
                 </c:pt>
                 <c:pt idx="229">
-                  <c:v>7.58481961949015</c:v>
+                  <c:v>7.584819619490149</c:v>
                 </c:pt>
                 <c:pt idx="230">
-                  <c:v>7.89502896654045</c:v>
+                  <c:v>7.895028966540448</c:v>
                 </c:pt>
                 <c:pt idx="231">
-                  <c:v>8.093972105854309</c:v>
+                  <c:v>8.093972105854307</c:v>
                 </c:pt>
                 <c:pt idx="232">
                   <c:v>8.29291493867695</c:v>
                 </c:pt>
                 <c:pt idx="233">
-                  <c:v>8.491857666057729</c:v>
+                  <c:v>8.491857666057728</c:v>
                 </c:pt>
                 <c:pt idx="234">
                   <c:v>8.6908003888802</c:v>
@@ -11469,7 +11469,7 @@
                   <c:v>9.08868582370489</c:v>
                 </c:pt>
                 <c:pt idx="237">
-                  <c:v>9.28762863685656</c:v>
+                  <c:v>9.287628636856558</c:v>
                 </c:pt>
                 <c:pt idx="238">
                   <c:v>9.48657134778296</c:v>
@@ -11580,10 +11580,10 @@
                   <c:v>9.89678269995918</c:v>
                 </c:pt>
                 <c:pt idx="274">
-                  <c:v>9.748575999967199</c:v>
+                  <c:v>9.748575999967198</c:v>
                 </c:pt>
                 <c:pt idx="275">
-                  <c:v>9.600369199973659</c:v>
+                  <c:v>9.600369199973658</c:v>
                 </c:pt>
                 <c:pt idx="276">
                   <c:v>9.45216239997887</c:v>
@@ -11601,13 +11601,13 @@
                   <c:v>8.85933529999132</c:v>
                 </c:pt>
                 <c:pt idx="281">
-                  <c:v>8.63316379999306</c:v>
+                  <c:v>8.633163799993058</c:v>
                 </c:pt>
                 <c:pt idx="282">
                   <c:v>8.40699199999446</c:v>
                 </c:pt>
                 <c:pt idx="283">
-                  <c:v>8.18082019999558</c:v>
+                  <c:v>8.180820199995578</c:v>
                 </c:pt>
                 <c:pt idx="284">
                   <c:v>7.95464839999648</c:v>
@@ -11631,7 +11631,7 @@
                   <c:v>6.59761739999911</c:v>
                 </c:pt>
                 <c:pt idx="291">
-                  <c:v>6.32023689999929</c:v>
+                  <c:v>6.320236899999289</c:v>
                 </c:pt>
                 <c:pt idx="292">
                   <c:v>6.04285619999944</c:v>
@@ -11682,7 +11682,7 @@
                   <c:v>1.67092009999998</c:v>
                 </c:pt>
                 <c:pt idx="308">
-                  <c:v>1.36336429999998</c:v>
+                  <c:v>1.363364299999979</c:v>
                 </c:pt>
                 <c:pt idx="309">
                   <c:v>1.05580849999999</c:v>
@@ -11739,28 +11739,28 @@
                   <c:v>-4.3877423</c:v>
                 </c:pt>
                 <c:pt idx="327">
-                  <c:v>-4.6989871</c:v>
+                  <c:v>-4.698987099999999</c:v>
                 </c:pt>
                 <c:pt idx="328">
                   <c:v>-5.01023179999999</c:v>
                 </c:pt>
                 <c:pt idx="329">
-                  <c:v>-5.3214765</c:v>
+                  <c:v>-5.321476499999999</c:v>
                 </c:pt>
                 <c:pt idx="330">
                   <c:v>-5.6327213</c:v>
                 </c:pt>
                 <c:pt idx="331">
-                  <c:v>-5.88883009999999</c:v>
+                  <c:v>-5.888830099999989</c:v>
                 </c:pt>
                 <c:pt idx="332">
-                  <c:v>-6.14493859999999</c:v>
+                  <c:v>-6.144938599999988</c:v>
                 </c:pt>
                 <c:pt idx="333">
                   <c:v>-6.4010471</c:v>
                 </c:pt>
                 <c:pt idx="334">
-                  <c:v>-6.65715569999999</c:v>
+                  <c:v>-6.657155699999988</c:v>
                 </c:pt>
                 <c:pt idx="335">
                   <c:v>-6.9132642</c:v>
@@ -11769,10 +11769,10 @@
                   <c:v>-7.1693727</c:v>
                 </c:pt>
                 <c:pt idx="337">
-                  <c:v>-7.4254813</c:v>
+                  <c:v>-7.425481299999999</c:v>
                 </c:pt>
                 <c:pt idx="338">
-                  <c:v>-7.6815898</c:v>
+                  <c:v>-7.681589799999999</c:v>
                 </c:pt>
                 <c:pt idx="339">
                   <c:v>-7.9376983</c:v>
@@ -11787,7 +11787,7 @@
                   <c:v>-8.5007312</c:v>
                 </c:pt>
                 <c:pt idx="343">
-                  <c:v>-8.6541931</c:v>
+                  <c:v>-8.654193099999998</c:v>
                 </c:pt>
                 <c:pt idx="344">
                   <c:v>-8.807655</c:v>
@@ -11796,10 +11796,10 @@
                   <c:v>-8.9611169</c:v>
                 </c:pt>
                 <c:pt idx="346">
-                  <c:v>-9.1145788</c:v>
+                  <c:v>-9.114578799999998</c:v>
                 </c:pt>
                 <c:pt idx="347">
-                  <c:v>-9.2680407</c:v>
+                  <c:v>-9.268040699999998</c:v>
                 </c:pt>
                 <c:pt idx="348">
                   <c:v>-9.4215026</c:v>
@@ -11808,7 +11808,7 @@
                   <c:v>-9.5749645</c:v>
                 </c:pt>
                 <c:pt idx="350">
-                  <c:v>-9.7284264</c:v>
+                  <c:v>-9.728426399999998</c:v>
                 </c:pt>
                 <c:pt idx="351">
                   <c:v>-9.82484859999999</c:v>
@@ -11898,7 +11898,7 @@
                   <c:v>-9.7540455</c:v>
                 </c:pt>
                 <c:pt idx="380">
-                  <c:v>-9.6662601</c:v>
+                  <c:v>-9.666260099999998</c:v>
                 </c:pt>
                 <c:pt idx="381">
                   <c:v>-9.52359539999999</c:v>
@@ -11907,7 +11907,7 @@
                   <c:v>-9.38093029999999</c:v>
                 </c:pt>
                 <c:pt idx="383">
-                  <c:v>-9.2382653</c:v>
+                  <c:v>-9.238265299999997</c:v>
                 </c:pt>
                 <c:pt idx="384">
                   <c:v>-9.09560019999999</c:v>
@@ -11922,7 +11922,7 @@
                   <c:v>-8.66760509999999</c:v>
                 </c:pt>
                 <c:pt idx="388">
-                  <c:v>-8.5249401</c:v>
+                  <c:v>-8.524940099999998</c:v>
                 </c:pt>
                 <c:pt idx="389">
                   <c:v>-8.38227499999999</c:v>
@@ -11946,7 +11946,7 @@
                   <c:v>-7.35966849999999</c:v>
                 </c:pt>
                 <c:pt idx="396">
-                  <c:v>-7.1836802</c:v>
+                  <c:v>-7.183680199999999</c:v>
                 </c:pt>
                 <c:pt idx="397">
                   <c:v>-7.0076919</c:v>
@@ -11955,7 +11955,7 @@
                   <c:v>-6.8317036</c:v>
                 </c:pt>
                 <c:pt idx="399">
-                  <c:v>-6.6557152</c:v>
+                  <c:v>-6.655715199999999</c:v>
                 </c:pt>
                 <c:pt idx="400">
                   <c:v>-6.4797269</c:v>
@@ -11964,7 +11964,7 @@
                   <c:v>-6.29930979999999</c:v>
                 </c:pt>
                 <c:pt idx="402">
-                  <c:v>-6.11889259999999</c:v>
+                  <c:v>-6.118892599999989</c:v>
                 </c:pt>
                 <c:pt idx="403">
                   <c:v>-5.93847539999999</c:v>
@@ -11985,10 +11985,10 @@
                   <c:v>-5.0363895</c:v>
                 </c:pt>
                 <c:pt idx="409">
-                  <c:v>-4.85597239999999</c:v>
+                  <c:v>-4.855972399999989</c:v>
                 </c:pt>
                 <c:pt idx="410">
-                  <c:v>-4.67555519999999</c:v>
+                  <c:v>-4.675555199999989</c:v>
                 </c:pt>
                 <c:pt idx="411">
                   <c:v>-4.4883578</c:v>
@@ -11997,7 +11997,7 @@
                   <c:v>-4.3011603</c:v>
                 </c:pt>
                 <c:pt idx="413">
-                  <c:v>-4.1139628</c:v>
+                  <c:v>-4.113962799999999</c:v>
                 </c:pt>
                 <c:pt idx="414">
                   <c:v>-3.9267653</c:v>
@@ -12024,7 +12024,7 @@
                   <c:v>-2.6200111</c:v>
                 </c:pt>
                 <c:pt idx="422">
-                  <c:v>-2.4364419</c:v>
+                  <c:v>-2.436441899999999</c:v>
                 </c:pt>
                 <c:pt idx="423">
                   <c:v>-2.2528727</c:v>
@@ -12174,22 +12174,22 @@
                   <c:v>4.00561919999999</c:v>
                 </c:pt>
                 <c:pt idx="472">
-                  <c:v>4.06507169999999</c:v>
+                  <c:v>4.065071699999989</c:v>
                 </c:pt>
                 <c:pt idx="473">
-                  <c:v>4.12452419999999</c:v>
+                  <c:v>4.124524199999988</c:v>
                 </c:pt>
                 <c:pt idx="474">
-                  <c:v>4.18397669999999</c:v>
+                  <c:v>4.183976699999989</c:v>
                 </c:pt>
                 <c:pt idx="475">
                   <c:v>4.24342919999999</c:v>
                 </c:pt>
                 <c:pt idx="476">
-                  <c:v>4.3028817</c:v>
+                  <c:v>4.302881699999999</c:v>
                 </c:pt>
                 <c:pt idx="477">
-                  <c:v>4.3623342</c:v>
+                  <c:v>4.362334199999998</c:v>
                 </c:pt>
                 <c:pt idx="478">
                   <c:v>4.4217867</c:v>
@@ -12210,22 +12210,22 @@
                   <c:v>4.585422</c:v>
                 </c:pt>
                 <c:pt idx="484">
-                  <c:v>4.60033199999999</c:v>
+                  <c:v>4.600331999999989</c:v>
                 </c:pt>
                 <c:pt idx="485">
                   <c:v>4.615242</c:v>
                 </c:pt>
                 <c:pt idx="486">
-                  <c:v>4.63015199999999</c:v>
+                  <c:v>4.630151999999989</c:v>
                 </c:pt>
                 <c:pt idx="487">
                   <c:v>4.645062</c:v>
                 </c:pt>
                 <c:pt idx="488">
-                  <c:v>4.65997199999999</c:v>
+                  <c:v>4.659971999999989</c:v>
                 </c:pt>
                 <c:pt idx="489">
-                  <c:v>4.674882</c:v>
+                  <c:v>4.674881999999999</c:v>
                 </c:pt>
                 <c:pt idx="490">
                   <c:v>4.68979199999999</c:v>
@@ -12234,31 +12234,31 @@
                   <c:v>4.68346579999999</c:v>
                 </c:pt>
                 <c:pt idx="492">
-                  <c:v>4.6771395</c:v>
+                  <c:v>4.677139499999999</c:v>
                 </c:pt>
                 <c:pt idx="493">
-                  <c:v>4.6708132</c:v>
+                  <c:v>4.670813199999999</c:v>
                 </c:pt>
                 <c:pt idx="494">
-                  <c:v>4.66448679999999</c:v>
+                  <c:v>4.664486799999988</c:v>
                 </c:pt>
                 <c:pt idx="495">
-                  <c:v>4.6581605</c:v>
+                  <c:v>4.658160499999999</c:v>
                 </c:pt>
                 <c:pt idx="496">
-                  <c:v>4.65183419999999</c:v>
+                  <c:v>4.651834199999989</c:v>
                 </c:pt>
                 <c:pt idx="497">
-                  <c:v>4.6455079</c:v>
+                  <c:v>4.645507899999999</c:v>
                 </c:pt>
                 <c:pt idx="498">
-                  <c:v>4.63918159999999</c:v>
+                  <c:v>4.639181599999989</c:v>
                 </c:pt>
                 <c:pt idx="499">
-                  <c:v>4.63285519999999</c:v>
+                  <c:v>4.632855199999989</c:v>
                 </c:pt>
                 <c:pt idx="500">
-                  <c:v>4.6265289</c:v>
+                  <c:v>4.626528899999999</c:v>
                 </c:pt>
                 <c:pt idx="501">
                   <c:v>4.58004269999999</c:v>
@@ -12273,16 +12273,16 @@
                   <c:v>4.44058319999999</c:v>
                 </c:pt>
                 <c:pt idx="505">
-                  <c:v>4.3940967</c:v>
+                  <c:v>4.394096699999999</c:v>
                 </c:pt>
                 <c:pt idx="506">
-                  <c:v>4.3476102</c:v>
+                  <c:v>4.347610199999999</c:v>
                 </c:pt>
                 <c:pt idx="507">
                   <c:v>4.30112369999999</c:v>
                 </c:pt>
                 <c:pt idx="508">
-                  <c:v>4.2546372</c:v>
+                  <c:v>4.254637199999999</c:v>
                 </c:pt>
                 <c:pt idx="509">
                   <c:v>4.2081507</c:v>
@@ -12291,7 +12291,7 @@
                   <c:v>4.16166419999999</c:v>
                 </c:pt>
                 <c:pt idx="511">
-                  <c:v>4.08453079999999</c:v>
+                  <c:v>4.084530799999989</c:v>
                 </c:pt>
                 <c:pt idx="512">
                   <c:v>4.0073971</c:v>
@@ -12492,7 +12492,7 @@
                   <c:v>-3.3701588</c:v>
                 </c:pt>
                 <c:pt idx="578">
-                  <c:v>-3.4724821</c:v>
+                  <c:v>-3.472482099999999</c:v>
                 </c:pt>
                 <c:pt idx="579">
                   <c:v>-3.5748055</c:v>
@@ -12525,7 +12525,7 @@
                   <c:v>-4.1399517</c:v>
                 </c:pt>
                 <c:pt idx="589">
-                  <c:v>-4.1978045</c:v>
+                  <c:v>-4.197804499999998</c:v>
                 </c:pt>
                 <c:pt idx="590">
                   <c:v>-4.2556573</c:v>
@@ -12534,34 +12534,34 @@
                   <c:v>-4.27878169999999</c:v>
                 </c:pt>
                 <c:pt idx="592">
-                  <c:v>-4.3019058</c:v>
+                  <c:v>-4.301905799999999</c:v>
                 </c:pt>
                 <c:pt idx="593">
-                  <c:v>-4.3250298</c:v>
+                  <c:v>-4.325029799999999</c:v>
                 </c:pt>
                 <c:pt idx="594">
-                  <c:v>-4.34815389999999</c:v>
+                  <c:v>-4.348153899999989</c:v>
                 </c:pt>
                 <c:pt idx="595">
                   <c:v>-4.371278</c:v>
                 </c:pt>
                 <c:pt idx="596">
-                  <c:v>-4.39440209999999</c:v>
+                  <c:v>-4.394402099999989</c:v>
                 </c:pt>
                 <c:pt idx="597">
-                  <c:v>-4.4175262</c:v>
+                  <c:v>-4.417526199999999</c:v>
                 </c:pt>
                 <c:pt idx="598">
                   <c:v>-4.4406502</c:v>
                 </c:pt>
                 <c:pt idx="599">
-                  <c:v>-4.46377429999999</c:v>
+                  <c:v>-4.463774299999989</c:v>
                 </c:pt>
                 <c:pt idx="600">
                   <c:v>-4.4868984</c:v>
                 </c:pt>
                 <c:pt idx="601">
-                  <c:v>-4.46793249999999</c:v>
+                  <c:v>-4.467932499999989</c:v>
                 </c:pt>
                 <c:pt idx="602">
                   <c:v>-4.4489663</c:v>
@@ -12579,7 +12579,7 @@
                   <c:v>-4.3731013</c:v>
                 </c:pt>
                 <c:pt idx="607">
-                  <c:v>-4.354135</c:v>
+                  <c:v>-4.354134999999998</c:v>
                 </c:pt>
                 <c:pt idx="608">
                   <c:v>-4.33516879999999</c:v>
@@ -12588,7 +12588,7 @@
                   <c:v>-4.3162025</c:v>
                 </c:pt>
                 <c:pt idx="610">
-                  <c:v>-4.29723629999999</c:v>
+                  <c:v>-4.297236299999989</c:v>
                 </c:pt>
                 <c:pt idx="611">
                   <c:v>-4.2526978</c:v>
@@ -12597,10 +12597,10 @@
                   <c:v>-4.20815909999999</c:v>
                 </c:pt>
                 <c:pt idx="613">
-                  <c:v>-4.16362029999999</c:v>
+                  <c:v>-4.163620299999989</c:v>
                 </c:pt>
                 <c:pt idx="614">
-                  <c:v>-4.1190816</c:v>
+                  <c:v>-4.119081599999999</c:v>
                 </c:pt>
                 <c:pt idx="615">
                   <c:v>-4.0745429</c:v>
@@ -12615,10 +12615,10 @@
                   <c:v>-3.94092669999999</c:v>
                 </c:pt>
                 <c:pt idx="619">
-                  <c:v>-3.896388</c:v>
+                  <c:v>-3.896387999999999</c:v>
                 </c:pt>
                 <c:pt idx="620">
-                  <c:v>-3.8518493</c:v>
+                  <c:v>-3.851849299999999</c:v>
                 </c:pt>
                 <c:pt idx="621">
                   <c:v>-3.7780051</c:v>
@@ -12879,10 +12879,10 @@
                   <c:v>2.32831879999999</c:v>
                 </c:pt>
                 <c:pt idx="707">
-                  <c:v>2.3524495</c:v>
+                  <c:v>2.352449499999999</c:v>
                 </c:pt>
                 <c:pt idx="708">
-                  <c:v>2.3765801</c:v>
+                  <c:v>2.376580099999999</c:v>
                 </c:pt>
                 <c:pt idx="709">
                   <c:v>2.4007108</c:v>
@@ -12939,7 +12939,7 @@
                   <c:v>2.4460299</c:v>
                 </c:pt>
                 <c:pt idx="727">
-                  <c:v>2.43686859999999</c:v>
+                  <c:v>2.436868599999989</c:v>
                 </c:pt>
                 <c:pt idx="728">
                   <c:v>2.42770729999999</c:v>
@@ -12957,7 +12957,7 @@
                   <c:v>2.3578478</c:v>
                 </c:pt>
                 <c:pt idx="733">
-                  <c:v>2.3320793</c:v>
+                  <c:v>2.332079299999999</c:v>
                 </c:pt>
                 <c:pt idx="734">
                   <c:v>2.3063107</c:v>
@@ -13350,7 +13350,7 @@
                   <c:v>-1.556033</c:v>
                 </c:pt>
                 <c:pt idx="864">
-                  <c:v>-1.51796029999999</c:v>
+                  <c:v>-1.517960299999989</c:v>
                 </c:pt>
                 <c:pt idx="865">
                   <c:v>-1.4798876</c:v>
@@ -13689,7 +13689,7 @@
                   <c:v>1.12000579999999</c:v>
                 </c:pt>
                 <c:pt idx="977">
-                  <c:v>1.09772929999999</c:v>
+                  <c:v>1.097729299999989</c:v>
                 </c:pt>
                 <c:pt idx="978">
                   <c:v>1.0754528</c:v>
@@ -13770,11 +13770,11 @@
           <c:showPercent val="0"/>
           <c:showBubbleSize val="0"/>
         </c:dLbls>
-        <c:axId val="-2078556152"/>
-        <c:axId val="-2078549832"/>
+        <c:axId val="-2113334184"/>
+        <c:axId val="-2113328632"/>
       </c:scatterChart>
       <c:valAx>
-        <c:axId val="-2078556152"/>
+        <c:axId val="-2113334184"/>
         <c:scaling>
           <c:orientation val="minMax"/>
           <c:max val="10.0"/>
@@ -13791,18 +13791,26 @@
                   <a:defRPr/>
                 </a:pPr>
                 <a:r>
-                  <a:rPr lang="en-US"/>
-                  <a:t>r [</a:t>
+                  <a:rPr lang="en-US" dirty="0" smtClean="0"/>
+                  <a:t>k </a:t>
                 </a:r>
                 <a:r>
-                  <a:rPr lang="fr-FR"/>
-                  <a:t>Å </a:t>
+                  <a:rPr lang="en-US" dirty="0"/>
+                  <a:t>[</a:t>
                 </a:r>
                 <a:r>
-                  <a:rPr lang="en-US"/>
+                  <a:rPr lang="fr-FR" dirty="0" smtClean="0"/>
+                  <a:t>Å</a:t>
+                </a:r>
+                <a:r>
+                  <a:rPr lang="fr-FR" baseline="30000" dirty="0" smtClean="0"/>
+                  <a:t>-1</a:t>
+                </a:r>
+                <a:r>
+                  <a:rPr lang="en-US" dirty="0" smtClean="0"/>
                   <a:t>]</a:t>
                 </a:r>
-                <a:endParaRPr lang="zh-CN"/>
+                <a:endParaRPr lang="zh-CN" dirty="0"/>
               </a:p>
             </c:rich>
           </c:tx>
@@ -13820,12 +13828,12 @@
             </a:solidFill>
           </a:ln>
         </c:spPr>
-        <c:crossAx val="-2078549832"/>
+        <c:crossAx val="-2113328632"/>
         <c:crosses val="autoZero"/>
         <c:crossBetween val="midCat"/>
       </c:valAx>
       <c:valAx>
-        <c:axId val="-2078549832"/>
+        <c:axId val="-2113328632"/>
         <c:scaling>
           <c:orientation val="minMax"/>
         </c:scaling>
@@ -13842,7 +13850,7 @@
             </a:solidFill>
           </a:ln>
         </c:spPr>
-        <c:crossAx val="-2078556152"/>
+        <c:crossAx val="-2113334184"/>
         <c:crosses val="autoZero"/>
         <c:crossBetween val="midCat"/>
       </c:valAx>
@@ -14084,7 +14092,7 @@
                   <c:v>2.27029157</c:v>
                 </c:pt>
                 <c:pt idx="38">
-                  <c:v>2.3316508</c:v>
+                  <c:v>2.331650799999999</c:v>
                 </c:pt>
                 <c:pt idx="39">
                   <c:v>2.39301003</c:v>
@@ -14093,16 +14101,16 @@
                   <c:v>2.45436926</c:v>
                 </c:pt>
                 <c:pt idx="41">
-                  <c:v>2.51572849</c:v>
+                  <c:v>2.515728489999999</c:v>
                 </c:pt>
                 <c:pt idx="42">
                   <c:v>2.57708772</c:v>
                 </c:pt>
                 <c:pt idx="43">
-                  <c:v>2.63844696</c:v>
+                  <c:v>2.638446959999999</c:v>
                 </c:pt>
                 <c:pt idx="44">
-                  <c:v>2.69980619</c:v>
+                  <c:v>2.699806189999999</c:v>
                 </c:pt>
                 <c:pt idx="45">
                   <c:v>2.76116542</c:v>
@@ -14114,7 +14122,7 @@
                   <c:v>2.88388388</c:v>
                 </c:pt>
                 <c:pt idx="48">
-                  <c:v>2.94524311</c:v>
+                  <c:v>2.945243109999999</c:v>
                 </c:pt>
                 <c:pt idx="49">
                   <c:v>3.00660234</c:v>
@@ -14144,7 +14152,7 @@
                   <c:v>3.4974762</c:v>
                 </c:pt>
                 <c:pt idx="58">
-                  <c:v>3.55883543</c:v>
+                  <c:v>3.558835429999999</c:v>
                 </c:pt>
                 <c:pt idx="59">
                   <c:v>3.62019466</c:v>
@@ -14180,13 +14188,13 @@
                   <c:v>4.23378697</c:v>
                 </c:pt>
                 <c:pt idx="70">
-                  <c:v>4.29514621</c:v>
+                  <c:v>4.295146209999999</c:v>
                 </c:pt>
                 <c:pt idx="71">
-                  <c:v>4.35650544</c:v>
+                  <c:v>4.356505439999999</c:v>
                 </c:pt>
                 <c:pt idx="72">
-                  <c:v>4.41786467</c:v>
+                  <c:v>4.417864669999999</c:v>
                 </c:pt>
                 <c:pt idx="73">
                   <c:v>4.4792239</c:v>
@@ -14201,7 +14209,7 @@
                   <c:v>4.6633016</c:v>
                 </c:pt>
                 <c:pt idx="77">
-                  <c:v>4.72466083</c:v>
+                  <c:v>4.724660829999999</c:v>
                 </c:pt>
                 <c:pt idx="78">
                   <c:v>4.78602006</c:v>
@@ -14219,13 +14227,13 @@
                   <c:v>5.03145698</c:v>
                 </c:pt>
                 <c:pt idx="83">
-                  <c:v>5.09281622</c:v>
+                  <c:v>5.092816219999999</c:v>
                 </c:pt>
                 <c:pt idx="84">
-                  <c:v>5.15417545</c:v>
+                  <c:v>5.154175449999999</c:v>
                 </c:pt>
                 <c:pt idx="85">
-                  <c:v>5.21553468</c:v>
+                  <c:v>5.215534679999999</c:v>
                 </c:pt>
                 <c:pt idx="86">
                   <c:v>5.27689391</c:v>
@@ -14240,7 +14248,7 @@
                   <c:v>5.4609716</c:v>
                 </c:pt>
                 <c:pt idx="90">
-                  <c:v>5.52233084</c:v>
+                  <c:v>5.522330839999999</c:v>
                 </c:pt>
                 <c:pt idx="91">
                   <c:v>5.58369007</c:v>
@@ -14258,7 +14266,7 @@
                   <c:v>5.82912699</c:v>
                 </c:pt>
                 <c:pt idx="96">
-                  <c:v>5.89048623</c:v>
+                  <c:v>5.890486229999999</c:v>
                 </c:pt>
                 <c:pt idx="97">
                   <c:v>5.95184546</c:v>
@@ -14279,7 +14287,7 @@
                   <c:v>6.25864161</c:v>
                 </c:pt>
                 <c:pt idx="103">
-                  <c:v>6.32000085</c:v>
+                  <c:v>6.320000849999999</c:v>
                 </c:pt>
                 <c:pt idx="104">
                   <c:v>6.38136008</c:v>
@@ -14288,22 +14296,22 @@
                   <c:v>6.44271931</c:v>
                 </c:pt>
                 <c:pt idx="106">
-                  <c:v>6.50407854</c:v>
+                  <c:v>6.504078539999999</c:v>
                 </c:pt>
                 <c:pt idx="107">
-                  <c:v>6.56543777</c:v>
+                  <c:v>6.565437769999999</c:v>
                 </c:pt>
                 <c:pt idx="108">
                   <c:v>6.626797</c:v>
                 </c:pt>
                 <c:pt idx="109">
-                  <c:v>6.68815624</c:v>
+                  <c:v>6.688156239999999</c:v>
                 </c:pt>
                 <c:pt idx="110">
-                  <c:v>6.74951547</c:v>
+                  <c:v>6.749515469999999</c:v>
                 </c:pt>
                 <c:pt idx="111">
-                  <c:v>6.8108747</c:v>
+                  <c:v>6.810874699999999</c:v>
                 </c:pt>
                 <c:pt idx="112">
                   <c:v>6.87223393</c:v>
@@ -14318,7 +14326,7 @@
                   <c:v>7.05631162</c:v>
                 </c:pt>
                 <c:pt idx="116">
-                  <c:v>7.11767086</c:v>
+                  <c:v>7.117670859999999</c:v>
                 </c:pt>
                 <c:pt idx="117">
                   <c:v>7.17903009</c:v>
@@ -14342,10 +14350,10 @@
                   <c:v>7.54718548</c:v>
                 </c:pt>
                 <c:pt idx="124">
-                  <c:v>7.60854471</c:v>
+                  <c:v>7.608544709999999</c:v>
                 </c:pt>
                 <c:pt idx="125">
-                  <c:v>7.66990394</c:v>
+                  <c:v>7.669903939999999</c:v>
                 </c:pt>
                 <c:pt idx="126">
                   <c:v>7.73126317</c:v>
@@ -14354,7 +14362,7 @@
                   <c:v>7.7926224</c:v>
                 </c:pt>
                 <c:pt idx="128">
-                  <c:v>7.85398163</c:v>
+                  <c:v>7.853981629999999</c:v>
                 </c:pt>
                 <c:pt idx="129">
                   <c:v>7.91534087</c:v>
@@ -14378,7 +14386,7 @@
                   <c:v>8.28349625</c:v>
                 </c:pt>
                 <c:pt idx="136">
-                  <c:v>8.34485549</c:v>
+                  <c:v>8.344855489999998</c:v>
                 </c:pt>
                 <c:pt idx="137">
                   <c:v>8.40621472</c:v>
@@ -14387,7 +14395,7 @@
                   <c:v>8.46757395</c:v>
                 </c:pt>
                 <c:pt idx="139">
-                  <c:v>8.52893318</c:v>
+                  <c:v>8.528933179999997</c:v>
                 </c:pt>
                 <c:pt idx="140">
                   <c:v>8.59029241</c:v>
@@ -14396,10 +14404,10 @@
                   <c:v>8.651651640000001</c:v>
                 </c:pt>
                 <c:pt idx="142">
-                  <c:v>8.71301088</c:v>
+                  <c:v>8.713010879999998</c:v>
                 </c:pt>
                 <c:pt idx="143">
-                  <c:v>8.774370109999999</c:v>
+                  <c:v>8.774370109999998</c:v>
                 </c:pt>
                 <c:pt idx="144">
                   <c:v>8.83572934</c:v>
@@ -14432,7 +14440,7 @@
                   <c:v>9.38796242</c:v>
                 </c:pt>
                 <c:pt idx="154">
-                  <c:v>9.44932165</c:v>
+                  <c:v>9.449321649999998</c:v>
                 </c:pt>
                 <c:pt idx="155">
                   <c:v>9.51068088</c:v>
@@ -14444,7 +14452,7 @@
                   <c:v>9.63339935</c:v>
                 </c:pt>
                 <c:pt idx="158">
-                  <c:v>9.69475858</c:v>
+                  <c:v>9.694758579999998</c:v>
                 </c:pt>
                 <c:pt idx="159">
                   <c:v>9.75611781</c:v>
@@ -14828,7 +14836,7 @@
                   <c:v>17.487381</c:v>
                 </c:pt>
                 <c:pt idx="286">
-                  <c:v>17.5487402</c:v>
+                  <c:v>17.54874019999999</c:v>
                 </c:pt>
                 <c:pt idx="287">
                   <c:v>17.6100994</c:v>
@@ -14858,7 +14866,7 @@
                   <c:v>18.1009733</c:v>
                 </c:pt>
                 <c:pt idx="296">
-                  <c:v>18.1623325</c:v>
+                  <c:v>18.16233249999999</c:v>
                 </c:pt>
                 <c:pt idx="297">
                   <c:v>18.2236918</c:v>
@@ -14897,7 +14905,7 @@
                   <c:v>18.8986433</c:v>
                 </c:pt>
                 <c:pt idx="309">
-                  <c:v>18.9600025</c:v>
+                  <c:v>18.96000249999999</c:v>
                 </c:pt>
                 <c:pt idx="310">
                   <c:v>19.0213618</c:v>
@@ -14909,7 +14917,7 @@
                   <c:v>19.1440802</c:v>
                 </c:pt>
                 <c:pt idx="313">
-                  <c:v>19.2054395</c:v>
+                  <c:v>19.20543949999999</c:v>
                 </c:pt>
                 <c:pt idx="314">
                   <c:v>19.2667987</c:v>
@@ -15026,7 +15034,7 @@
                   <c:v>21.5370903</c:v>
                 </c:pt>
                 <c:pt idx="352">
-                  <c:v>21.5984495</c:v>
+                  <c:v>21.59844949999999</c:v>
                 </c:pt>
                 <c:pt idx="353">
                   <c:v>21.6598087</c:v>
@@ -15035,7 +15043,7 @@
                   <c:v>21.721168</c:v>
                 </c:pt>
                 <c:pt idx="355">
-                  <c:v>21.7825272</c:v>
+                  <c:v>21.78252719999999</c:v>
                 </c:pt>
                 <c:pt idx="356">
                   <c:v>21.8438864</c:v>
@@ -15167,7 +15175,7 @@
                   <c:v>24.4209741</c:v>
                 </c:pt>
                 <c:pt idx="399">
-                  <c:v>24.4823334</c:v>
+                  <c:v>24.48233339999999</c:v>
                 </c:pt>
                 <c:pt idx="400">
                   <c:v>24.5436926</c:v>
@@ -15182,7 +15190,7 @@
                   <c:v>24.7277703</c:v>
                 </c:pt>
                 <c:pt idx="404">
-                  <c:v>24.7891295</c:v>
+                  <c:v>24.78912949999999</c:v>
                 </c:pt>
                 <c:pt idx="405">
                   <c:v>24.8504888</c:v>
@@ -15212,7 +15220,7 @@
                   <c:v>25.3413626</c:v>
                 </c:pt>
                 <c:pt idx="414">
-                  <c:v>25.4027218</c:v>
+                  <c:v>25.40272179999999</c:v>
                 </c:pt>
                 <c:pt idx="415">
                   <c:v>25.4640811</c:v>
@@ -15221,7 +15229,7 @@
                   <c:v>25.5254403</c:v>
                 </c:pt>
                 <c:pt idx="417">
-                  <c:v>25.5867995</c:v>
+                  <c:v>25.58679949999999</c:v>
                 </c:pt>
                 <c:pt idx="418">
                   <c:v>25.6481588</c:v>
@@ -15269,7 +15277,7 @@
                   <c:v>26.507188</c:v>
                 </c:pt>
                 <c:pt idx="433">
-                  <c:v>26.5685472</c:v>
+                  <c:v>26.56854719999999</c:v>
                 </c:pt>
                 <c:pt idx="434">
                   <c:v>26.6299065</c:v>
@@ -15350,7 +15358,7 @@
                   <c:v>28.1638873</c:v>
                 </c:pt>
                 <c:pt idx="460">
-                  <c:v>28.2252465</c:v>
+                  <c:v>28.22524649999999</c:v>
                 </c:pt>
                 <c:pt idx="461">
                   <c:v>28.2866057</c:v>
@@ -15521,7 +15529,7 @@
                   <c:v>31.6613635</c:v>
                 </c:pt>
                 <c:pt idx="517">
-                  <c:v>31.7227227</c:v>
+                  <c:v>31.72272269999999</c:v>
                 </c:pt>
                 <c:pt idx="518">
                   <c:v>31.7840819</c:v>
@@ -15584,7 +15592,7 @@
                   <c:v>32.9499073</c:v>
                 </c:pt>
                 <c:pt idx="538">
-                  <c:v>33.0112666</c:v>
+                  <c:v>33.01126659999999</c:v>
                 </c:pt>
                 <c:pt idx="539">
                   <c:v>33.0726258</c:v>
@@ -15656,7 +15664,7 @@
                   <c:v>34.4225289</c:v>
                 </c:pt>
                 <c:pt idx="562">
-                  <c:v>34.4838881</c:v>
+                  <c:v>34.48388809999999</c:v>
                 </c:pt>
                 <c:pt idx="563">
                   <c:v>34.5452473</c:v>
@@ -15674,7 +15682,7 @@
                   <c:v>34.7906843</c:v>
                 </c:pt>
                 <c:pt idx="568">
-                  <c:v>34.8520435</c:v>
+                  <c:v>34.85204349999999</c:v>
                 </c:pt>
                 <c:pt idx="569">
                   <c:v>34.9134027</c:v>
@@ -15752,7 +15760,7 @@
                   <c:v>36.3860243</c:v>
                 </c:pt>
                 <c:pt idx="594">
-                  <c:v>36.4473835</c:v>
+                  <c:v>36.44738349999999</c:v>
                 </c:pt>
                 <c:pt idx="595">
                   <c:v>36.5087428</c:v>
@@ -15806,7 +15814,7 @@
                   <c:v>37.4904905</c:v>
                 </c:pt>
                 <c:pt idx="612">
-                  <c:v>37.5518497</c:v>
+                  <c:v>37.55184969999999</c:v>
                 </c:pt>
                 <c:pt idx="613">
                   <c:v>37.6132089</c:v>
@@ -15893,7 +15901,7 @@
                   <c:v>39.2699082</c:v>
                 </c:pt>
                 <c:pt idx="641">
-                  <c:v>39.3312674</c:v>
+                  <c:v>39.33126739999999</c:v>
                 </c:pt>
                 <c:pt idx="642">
                   <c:v>39.3926266</c:v>
@@ -15923,7 +15931,7 @@
                   <c:v>39.8835005</c:v>
                 </c:pt>
                 <c:pt idx="651">
-                  <c:v>39.9448597</c:v>
+                  <c:v>39.94485969999999</c:v>
                 </c:pt>
                 <c:pt idx="652">
                   <c:v>40.0062189</c:v>
@@ -15974,7 +15982,7 @@
                   <c:v>40.9266074</c:v>
                 </c:pt>
                 <c:pt idx="668">
-                  <c:v>40.9879667</c:v>
+                  <c:v>40.98796669999999</c:v>
                 </c:pt>
                 <c:pt idx="669">
                   <c:v>41.0493259</c:v>
@@ -15995,7 +16003,7 @@
                   <c:v>41.356122</c:v>
                 </c:pt>
                 <c:pt idx="675">
-                  <c:v>41.4174813</c:v>
+                  <c:v>41.41748129999999</c:v>
                 </c:pt>
                 <c:pt idx="676">
                   <c:v>41.4788405</c:v>
@@ -16040,7 +16048,7 @@
                   <c:v>42.2765105</c:v>
                 </c:pt>
                 <c:pt idx="690">
-                  <c:v>42.3378697</c:v>
+                  <c:v>42.33786969999999</c:v>
                 </c:pt>
                 <c:pt idx="691">
                   <c:v>42.399229</c:v>
@@ -16070,7 +16078,7 @@
                   <c:v>42.8901028</c:v>
                 </c:pt>
                 <c:pt idx="700">
-                  <c:v>42.9514621</c:v>
+                  <c:v>42.95146209999999</c:v>
                 </c:pt>
                 <c:pt idx="701">
                   <c:v>43.0128213</c:v>
@@ -16115,7 +16123,7 @@
                   <c:v>43.8104913</c:v>
                 </c:pt>
                 <c:pt idx="715">
-                  <c:v>43.8718505</c:v>
+                  <c:v>43.87185049999999</c:v>
                 </c:pt>
                 <c:pt idx="716">
                   <c:v>43.9332098</c:v>
@@ -16127,7 +16135,7 @@
                   <c:v>44.0559282</c:v>
                 </c:pt>
                 <c:pt idx="719">
-                  <c:v>44.1172875</c:v>
+                  <c:v>44.11728749999999</c:v>
                 </c:pt>
                 <c:pt idx="720">
                   <c:v>44.1786467</c:v>
@@ -16166,7 +16174,7 @@
                   <c:v>44.8535982</c:v>
                 </c:pt>
                 <c:pt idx="732">
-                  <c:v>44.9149575</c:v>
+                  <c:v>44.91495749999999</c:v>
                 </c:pt>
                 <c:pt idx="733">
                   <c:v>44.9763167</c:v>
@@ -16244,7 +16252,7 @@
                   <c:v>46.4489383</c:v>
                 </c:pt>
                 <c:pt idx="758">
-                  <c:v>46.5102975</c:v>
+                  <c:v>46.51029749999999</c:v>
                 </c:pt>
                 <c:pt idx="759">
                   <c:v>46.5716567</c:v>
@@ -16259,7 +16267,7 @@
                   <c:v>46.7557344</c:v>
                 </c:pt>
                 <c:pt idx="763">
-                  <c:v>46.8170936</c:v>
+                  <c:v>46.81709359999999</c:v>
                 </c:pt>
                 <c:pt idx="764">
                   <c:v>46.8784529</c:v>
@@ -16283,7 +16291,7 @@
                   <c:v>47.2466083</c:v>
                 </c:pt>
                 <c:pt idx="771">
-                  <c:v>47.3079675</c:v>
+                  <c:v>47.30796749999999</c:v>
                 </c:pt>
                 <c:pt idx="772">
                   <c:v>47.3693267</c:v>
@@ -16334,7 +16342,7 @@
                   <c:v>48.2897152</c:v>
                 </c:pt>
                 <c:pt idx="788">
-                  <c:v>48.3510744</c:v>
+                  <c:v>48.35107439999999</c:v>
                 </c:pt>
                 <c:pt idx="789">
                   <c:v>48.4124337</c:v>
@@ -16430,7 +16438,7 @@
                   <c:v>50.2532106</c:v>
                 </c:pt>
                 <c:pt idx="820">
-                  <c:v>50.3145698</c:v>
+                  <c:v>50.31456979999999</c:v>
                 </c:pt>
                 <c:pt idx="821">
                   <c:v>50.3759291</c:v>
@@ -16451,7 +16459,7 @@
                   <c:v>50.6827252</c:v>
                 </c:pt>
                 <c:pt idx="827">
-                  <c:v>50.7440845</c:v>
+                  <c:v>50.74408449999999</c:v>
                 </c:pt>
                 <c:pt idx="828">
                   <c:v>50.8054437</c:v>
@@ -16466,7 +16474,7 @@
                   <c:v>50.9895214</c:v>
                 </c:pt>
                 <c:pt idx="832">
-                  <c:v>51.0508806</c:v>
+                  <c:v>51.05088059999999</c:v>
                 </c:pt>
                 <c:pt idx="833">
                   <c:v>51.1122399</c:v>
@@ -16481,7 +16489,7 @@
                   <c:v>51.2963175</c:v>
                 </c:pt>
                 <c:pt idx="837">
-                  <c:v>51.3576768</c:v>
+                  <c:v>51.35767679999999</c:v>
                 </c:pt>
                 <c:pt idx="838">
                   <c:v>51.419036</c:v>
@@ -16511,7 +16519,7 @@
                   <c:v>51.9099099</c:v>
                 </c:pt>
                 <c:pt idx="847">
-                  <c:v>51.9712691</c:v>
+                  <c:v>51.97126909999999</c:v>
                 </c:pt>
                 <c:pt idx="848">
                   <c:v>52.0326283</c:v>
@@ -16529,7 +16537,7 @@
                   <c:v>52.2780653</c:v>
                 </c:pt>
                 <c:pt idx="853">
-                  <c:v>52.3394245</c:v>
+                  <c:v>52.33942449999999</c:v>
                 </c:pt>
                 <c:pt idx="854">
                   <c:v>52.4007837</c:v>
@@ -16541,7 +16549,7 @@
                   <c:v>52.5235022</c:v>
                 </c:pt>
                 <c:pt idx="857">
-                  <c:v>52.5848614</c:v>
+                  <c:v>52.58486139999999</c:v>
                 </c:pt>
                 <c:pt idx="858">
                   <c:v>52.6462206</c:v>
@@ -16556,7 +16564,7 @@
                   <c:v>52.8302983</c:v>
                 </c:pt>
                 <c:pt idx="862">
-                  <c:v>52.8916576</c:v>
+                  <c:v>52.89165759999999</c:v>
                 </c:pt>
                 <c:pt idx="863">
                   <c:v>52.9530168</c:v>
@@ -16607,7 +16615,7 @@
                   <c:v>53.8734053</c:v>
                 </c:pt>
                 <c:pt idx="879">
-                  <c:v>53.9347645</c:v>
+                  <c:v>53.93476449999999</c:v>
                 </c:pt>
                 <c:pt idx="880">
                   <c:v>53.9961237</c:v>
@@ -16673,7 +16681,7 @@
                   <c:v>55.2233084</c:v>
                 </c:pt>
                 <c:pt idx="901">
-                  <c:v>55.2846676</c:v>
+                  <c:v>55.28466759999999</c:v>
                 </c:pt>
                 <c:pt idx="902">
                   <c:v>55.3460268</c:v>
@@ -16751,7 +16759,7 @@
                   <c:v>56.8186484</c:v>
                 </c:pt>
                 <c:pt idx="927">
-                  <c:v>56.8800076</c:v>
+                  <c:v>56.88000759999999</c:v>
                 </c:pt>
                 <c:pt idx="928">
                   <c:v>56.9413668</c:v>
@@ -16775,7 +16783,7 @@
                   <c:v>57.3095222</c:v>
                 </c:pt>
                 <c:pt idx="935">
-                  <c:v>57.3708815</c:v>
+                  <c:v>57.37088149999999</c:v>
                 </c:pt>
                 <c:pt idx="936">
                   <c:v>57.4322407</c:v>
@@ -16907,7 +16915,7 @@
                   <c:v>60.0093284</c:v>
                 </c:pt>
                 <c:pt idx="979">
-                  <c:v>60.0706877</c:v>
+                  <c:v>60.07068769999999</c:v>
                 </c:pt>
                 <c:pt idx="980">
                   <c:v>60.1320469</c:v>
@@ -16919,10 +16927,10 @@
                   <c:v>60.2547653</c:v>
                 </c:pt>
                 <c:pt idx="983">
-                  <c:v>60.3161246</c:v>
+                  <c:v>60.31612459999999</c:v>
                 </c:pt>
                 <c:pt idx="984">
-                  <c:v>60.3774838</c:v>
+                  <c:v>60.37748379999999</c:v>
                 </c:pt>
                 <c:pt idx="985">
                   <c:v>60.438843</c:v>
@@ -16970,7 +16978,7 @@
                   <c:v>61.2978723</c:v>
                 </c:pt>
                 <c:pt idx="1000">
-                  <c:v>61.3592315</c:v>
+                  <c:v>61.35923149999999</c:v>
                 </c:pt>
                 <c:pt idx="1001">
                   <c:v>61.4205907</c:v>
@@ -16997,7 +17005,7 @@
                   <c:v>61.8501054</c:v>
                 </c:pt>
                 <c:pt idx="1009">
-                  <c:v>61.9114646</c:v>
+                  <c:v>61.91146459999999</c:v>
                 </c:pt>
                 <c:pt idx="1010">
                   <c:v>61.9728238</c:v>
@@ -17057,7 +17065,7 @@
                   <c:v>-607.294801</c:v>
                 </c:pt>
                 <c:pt idx="2">
-                  <c:v>-584.814159</c:v>
+                  <c:v>-584.8141589999999</c:v>
                 </c:pt>
                 <c:pt idx="3">
                   <c:v>-551.434874</c:v>
@@ -17081,10 +17089,10 @@
                   <c:v>-394.442769</c:v>
                 </c:pt>
                 <c:pt idx="10">
-                  <c:v>-386.499129</c:v>
+                  <c:v>-386.4991289999999</c:v>
                 </c:pt>
                 <c:pt idx="11">
-                  <c:v>-376.511734</c:v>
+                  <c:v>-376.5117339999999</c:v>
                 </c:pt>
                 <c:pt idx="12">
                   <c:v>-361.541494</c:v>
@@ -17159,7 +17167,7 @@
                   <c:v>2.3807752</c:v>
                 </c:pt>
                 <c:pt idx="36">
-                  <c:v>2.49015248</c:v>
+                  <c:v>2.490152479999999</c:v>
                 </c:pt>
                 <c:pt idx="37">
                   <c:v>2.5086863</c:v>
@@ -17177,7 +17185,7 @@
                   <c:v>3.77909249</c:v>
                 </c:pt>
                 <c:pt idx="42">
-                  <c:v>4.56058984</c:v>
+                  <c:v>4.560589839999999</c:v>
                 </c:pt>
                 <c:pt idx="43">
                   <c:v>5.42692296</c:v>
@@ -17186,7 +17194,7 @@
                   <c:v>6.28035082</c:v>
                 </c:pt>
                 <c:pt idx="45">
-                  <c:v>7.02525505</c:v>
+                  <c:v>7.025255049999999</c:v>
                 </c:pt>
                 <c:pt idx="46">
                   <c:v>7.57762627</c:v>
@@ -17195,16 +17203,16 @@
                   <c:v>7.86636718</c:v>
                 </c:pt>
                 <c:pt idx="48">
-                  <c:v>7.83108483</c:v>
+                  <c:v>7.831084829999999</c:v>
                 </c:pt>
                 <c:pt idx="49">
                   <c:v>7.42227107</c:v>
                 </c:pt>
                 <c:pt idx="50">
-                  <c:v>6.6073462</c:v>
+                  <c:v>6.607346199999999</c:v>
                 </c:pt>
                 <c:pt idx="51">
-                  <c:v>5.381557059999999</c:v>
+                  <c:v>5.381557059999998</c:v>
                 </c:pt>
                 <c:pt idx="52">
                   <c:v>3.77880808</c:v>
@@ -17219,7 +17227,7 @@
                   <c:v>-2.34396482</c:v>
                 </c:pt>
                 <c:pt idx="56">
-                  <c:v>-4.38321457</c:v>
+                  <c:v>-4.383214569999999</c:v>
                 </c:pt>
                 <c:pt idx="57">
                   <c:v>-6.20495389</c:v>
@@ -17246,7 +17254,7 @@
                   <c:v>-8.95440926</c:v>
                 </c:pt>
                 <c:pt idx="65">
-                  <c:v>-8.07834199</c:v>
+                  <c:v>-8.078341989999998</c:v>
                 </c:pt>
                 <c:pt idx="66">
                   <c:v>-7.03378216</c:v>
@@ -17291,19 +17299,19 @@
                   <c:v>3.93143186</c:v>
                 </c:pt>
                 <c:pt idx="80">
-                  <c:v>4.10099394</c:v>
+                  <c:v>4.100993939999999</c:v>
                 </c:pt>
                 <c:pt idx="81">
                   <c:v>4.17144362</c:v>
                 </c:pt>
                 <c:pt idx="82">
-                  <c:v>4.14839426</c:v>
+                  <c:v>4.148394259999999</c:v>
                 </c:pt>
                 <c:pt idx="83">
                   <c:v>4.03338001</c:v>
                 </c:pt>
                 <c:pt idx="84">
-                  <c:v>3.82466648</c:v>
+                  <c:v>3.824666479999999</c:v>
                 </c:pt>
                 <c:pt idx="85">
                   <c:v>3.52004356</c:v>
@@ -17312,7 +17320,7 @@
                   <c:v>3.12022336</c:v>
                 </c:pt>
                 <c:pt idx="87">
-                  <c:v>2.63127348</c:v>
+                  <c:v>2.631273479999999</c:v>
                 </c:pt>
                 <c:pt idx="88">
                   <c:v>2.06509498</c:v>
@@ -17333,10 +17341,10 @@
                   <c:v>-1.31308476</c:v>
                 </c:pt>
                 <c:pt idx="94">
-                  <c:v>-1.96762931</c:v>
+                  <c:v>-1.967629309999999</c:v>
                 </c:pt>
                 <c:pt idx="95">
-                  <c:v>-2.56601813</c:v>
+                  <c:v>-2.566018129999999</c:v>
                 </c:pt>
                 <c:pt idx="96">
                   <c:v>-3.08357586</c:v>
@@ -17462,7 +17470,7 @@
                   <c:v>-2.02097105</c:v>
                 </c:pt>
                 <c:pt idx="137">
-                  <c:v>-2.07634967</c:v>
+                  <c:v>-2.076349669999999</c:v>
                 </c:pt>
                 <c:pt idx="138">
                   <c:v>-2.07256732</c:v>
@@ -17874,7 +17882,7 @@
                   <c:v>2.27029157</c:v>
                 </c:pt>
                 <c:pt idx="38">
-                  <c:v>2.3316508</c:v>
+                  <c:v>2.331650799999999</c:v>
                 </c:pt>
                 <c:pt idx="39">
                   <c:v>2.39301003</c:v>
@@ -17883,16 +17891,16 @@
                   <c:v>2.45436926</c:v>
                 </c:pt>
                 <c:pt idx="41">
-                  <c:v>2.51572849</c:v>
+                  <c:v>2.515728489999999</c:v>
                 </c:pt>
                 <c:pt idx="42">
                   <c:v>2.57708772</c:v>
                 </c:pt>
                 <c:pt idx="43">
-                  <c:v>2.63844696</c:v>
+                  <c:v>2.638446959999999</c:v>
                 </c:pt>
                 <c:pt idx="44">
-                  <c:v>2.69980619</c:v>
+                  <c:v>2.699806189999999</c:v>
                 </c:pt>
                 <c:pt idx="45">
                   <c:v>2.76116542</c:v>
@@ -17904,7 +17912,7 @@
                   <c:v>2.88388388</c:v>
                 </c:pt>
                 <c:pt idx="48">
-                  <c:v>2.94524311</c:v>
+                  <c:v>2.945243109999999</c:v>
                 </c:pt>
                 <c:pt idx="49">
                   <c:v>3.00660234</c:v>
@@ -17934,7 +17942,7 @@
                   <c:v>3.4974762</c:v>
                 </c:pt>
                 <c:pt idx="58">
-                  <c:v>3.55883543</c:v>
+                  <c:v>3.558835429999999</c:v>
                 </c:pt>
                 <c:pt idx="59">
                   <c:v>3.62019466</c:v>
@@ -17970,13 +17978,13 @@
                   <c:v>4.23378697</c:v>
                 </c:pt>
                 <c:pt idx="70">
-                  <c:v>4.29514621</c:v>
+                  <c:v>4.295146209999999</c:v>
                 </c:pt>
                 <c:pt idx="71">
-                  <c:v>4.35650544</c:v>
+                  <c:v>4.356505439999999</c:v>
                 </c:pt>
                 <c:pt idx="72">
-                  <c:v>4.41786467</c:v>
+                  <c:v>4.417864669999999</c:v>
                 </c:pt>
                 <c:pt idx="73">
                   <c:v>4.4792239</c:v>
@@ -17991,7 +17999,7 @@
                   <c:v>4.6633016</c:v>
                 </c:pt>
                 <c:pt idx="77">
-                  <c:v>4.72466083</c:v>
+                  <c:v>4.724660829999999</c:v>
                 </c:pt>
                 <c:pt idx="78">
                   <c:v>4.78602006</c:v>
@@ -18009,13 +18017,13 @@
                   <c:v>5.03145698</c:v>
                 </c:pt>
                 <c:pt idx="83">
-                  <c:v>5.09281622</c:v>
+                  <c:v>5.092816219999999</c:v>
                 </c:pt>
                 <c:pt idx="84">
-                  <c:v>5.15417545</c:v>
+                  <c:v>5.154175449999999</c:v>
                 </c:pt>
                 <c:pt idx="85">
-                  <c:v>5.21553468</c:v>
+                  <c:v>5.215534679999999</c:v>
                 </c:pt>
                 <c:pt idx="86">
                   <c:v>5.27689391</c:v>
@@ -18030,7 +18038,7 @@
                   <c:v>5.4609716</c:v>
                 </c:pt>
                 <c:pt idx="90">
-                  <c:v>5.52233084</c:v>
+                  <c:v>5.522330839999999</c:v>
                 </c:pt>
                 <c:pt idx="91">
                   <c:v>5.58369007</c:v>
@@ -18048,7 +18056,7 @@
                   <c:v>5.82912699</c:v>
                 </c:pt>
                 <c:pt idx="96">
-                  <c:v>5.89048623</c:v>
+                  <c:v>5.890486229999999</c:v>
                 </c:pt>
                 <c:pt idx="97">
                   <c:v>5.95184546</c:v>
@@ -18069,7 +18077,7 @@
                   <c:v>6.25864161</c:v>
                 </c:pt>
                 <c:pt idx="103">
-                  <c:v>6.32000085</c:v>
+                  <c:v>6.320000849999999</c:v>
                 </c:pt>
                 <c:pt idx="104">
                   <c:v>6.38136008</c:v>
@@ -18078,22 +18086,22 @@
                   <c:v>6.44271931</c:v>
                 </c:pt>
                 <c:pt idx="106">
-                  <c:v>6.50407854</c:v>
+                  <c:v>6.504078539999999</c:v>
                 </c:pt>
                 <c:pt idx="107">
-                  <c:v>6.56543777</c:v>
+                  <c:v>6.565437769999999</c:v>
                 </c:pt>
                 <c:pt idx="108">
                   <c:v>6.626797</c:v>
                 </c:pt>
                 <c:pt idx="109">
-                  <c:v>6.68815624</c:v>
+                  <c:v>6.688156239999999</c:v>
                 </c:pt>
                 <c:pt idx="110">
-                  <c:v>6.74951547</c:v>
+                  <c:v>6.749515469999999</c:v>
                 </c:pt>
                 <c:pt idx="111">
-                  <c:v>6.8108747</c:v>
+                  <c:v>6.810874699999999</c:v>
                 </c:pt>
                 <c:pt idx="112">
                   <c:v>6.87223393</c:v>
@@ -18108,7 +18116,7 @@
                   <c:v>7.05631162</c:v>
                 </c:pt>
                 <c:pt idx="116">
-                  <c:v>7.11767086</c:v>
+                  <c:v>7.117670859999999</c:v>
                 </c:pt>
                 <c:pt idx="117">
                   <c:v>7.17903009</c:v>
@@ -18132,10 +18140,10 @@
                   <c:v>7.54718548</c:v>
                 </c:pt>
                 <c:pt idx="124">
-                  <c:v>7.60854471</c:v>
+                  <c:v>7.608544709999999</c:v>
                 </c:pt>
                 <c:pt idx="125">
-                  <c:v>7.66990394</c:v>
+                  <c:v>7.669903939999999</c:v>
                 </c:pt>
                 <c:pt idx="126">
                   <c:v>7.73126317</c:v>
@@ -18144,7 +18152,7 @@
                   <c:v>7.7926224</c:v>
                 </c:pt>
                 <c:pt idx="128">
-                  <c:v>7.85398163</c:v>
+                  <c:v>7.853981629999999</c:v>
                 </c:pt>
                 <c:pt idx="129">
                   <c:v>7.91534087</c:v>
@@ -18168,7 +18176,7 @@
                   <c:v>8.28349625</c:v>
                 </c:pt>
                 <c:pt idx="136">
-                  <c:v>8.34485549</c:v>
+                  <c:v>8.344855489999998</c:v>
                 </c:pt>
                 <c:pt idx="137">
                   <c:v>8.40621472</c:v>
@@ -18177,7 +18185,7 @@
                   <c:v>8.46757395</c:v>
                 </c:pt>
                 <c:pt idx="139">
-                  <c:v>8.52893318</c:v>
+                  <c:v>8.528933179999997</c:v>
                 </c:pt>
                 <c:pt idx="140">
                   <c:v>8.59029241</c:v>
@@ -18186,10 +18194,10 @@
                   <c:v>8.651651640000001</c:v>
                 </c:pt>
                 <c:pt idx="142">
-                  <c:v>8.71301088</c:v>
+                  <c:v>8.713010879999998</c:v>
                 </c:pt>
                 <c:pt idx="143">
-                  <c:v>8.774370109999999</c:v>
+                  <c:v>8.774370109999998</c:v>
                 </c:pt>
                 <c:pt idx="144">
                   <c:v>8.83572934</c:v>
@@ -18222,7 +18230,7 @@
                   <c:v>9.38796242</c:v>
                 </c:pt>
                 <c:pt idx="154">
-                  <c:v>9.44932165</c:v>
+                  <c:v>9.449321649999998</c:v>
                 </c:pt>
                 <c:pt idx="155">
                   <c:v>9.51068088</c:v>
@@ -18234,7 +18242,7 @@
                   <c:v>9.63339935</c:v>
                 </c:pt>
                 <c:pt idx="158">
-                  <c:v>9.69475858</c:v>
+                  <c:v>9.694758579999998</c:v>
                 </c:pt>
                 <c:pt idx="159">
                   <c:v>9.75611781</c:v>
@@ -18618,7 +18626,7 @@
                   <c:v>17.487381</c:v>
                 </c:pt>
                 <c:pt idx="286">
-                  <c:v>17.5487402</c:v>
+                  <c:v>17.54874019999999</c:v>
                 </c:pt>
                 <c:pt idx="287">
                   <c:v>17.6100994</c:v>
@@ -18648,7 +18656,7 @@
                   <c:v>18.1009733</c:v>
                 </c:pt>
                 <c:pt idx="296">
-                  <c:v>18.1623325</c:v>
+                  <c:v>18.16233249999999</c:v>
                 </c:pt>
                 <c:pt idx="297">
                   <c:v>18.2236918</c:v>
@@ -18687,7 +18695,7 @@
                   <c:v>18.8986433</c:v>
                 </c:pt>
                 <c:pt idx="309">
-                  <c:v>18.9600025</c:v>
+                  <c:v>18.96000249999999</c:v>
                 </c:pt>
                 <c:pt idx="310">
                   <c:v>19.0213618</c:v>
@@ -18699,7 +18707,7 @@
                   <c:v>19.1440802</c:v>
                 </c:pt>
                 <c:pt idx="313">
-                  <c:v>19.2054395</c:v>
+                  <c:v>19.20543949999999</c:v>
                 </c:pt>
                 <c:pt idx="314">
                   <c:v>19.2667987</c:v>
@@ -18816,7 +18824,7 @@
                   <c:v>21.5370903</c:v>
                 </c:pt>
                 <c:pt idx="352">
-                  <c:v>21.5984495</c:v>
+                  <c:v>21.59844949999999</c:v>
                 </c:pt>
                 <c:pt idx="353">
                   <c:v>21.6598087</c:v>
@@ -18825,7 +18833,7 @@
                   <c:v>21.721168</c:v>
                 </c:pt>
                 <c:pt idx="355">
-                  <c:v>21.7825272</c:v>
+                  <c:v>21.78252719999999</c:v>
                 </c:pt>
                 <c:pt idx="356">
                   <c:v>21.8438864</c:v>
@@ -18957,7 +18965,7 @@
                   <c:v>24.4209741</c:v>
                 </c:pt>
                 <c:pt idx="399">
-                  <c:v>24.4823334</c:v>
+                  <c:v>24.48233339999999</c:v>
                 </c:pt>
                 <c:pt idx="400">
                   <c:v>24.5436926</c:v>
@@ -18972,7 +18980,7 @@
                   <c:v>24.7277703</c:v>
                 </c:pt>
                 <c:pt idx="404">
-                  <c:v>24.7891295</c:v>
+                  <c:v>24.78912949999999</c:v>
                 </c:pt>
                 <c:pt idx="405">
                   <c:v>24.8504888</c:v>
@@ -19002,7 +19010,7 @@
                   <c:v>25.3413626</c:v>
                 </c:pt>
                 <c:pt idx="414">
-                  <c:v>25.4027218</c:v>
+                  <c:v>25.40272179999999</c:v>
                 </c:pt>
                 <c:pt idx="415">
                   <c:v>25.4640811</c:v>
@@ -19011,7 +19019,7 @@
                   <c:v>25.5254403</c:v>
                 </c:pt>
                 <c:pt idx="417">
-                  <c:v>25.5867995</c:v>
+                  <c:v>25.58679949999999</c:v>
                 </c:pt>
                 <c:pt idx="418">
                   <c:v>25.6481588</c:v>
@@ -19059,7 +19067,7 @@
                   <c:v>26.507188</c:v>
                 </c:pt>
                 <c:pt idx="433">
-                  <c:v>26.5685472</c:v>
+                  <c:v>26.56854719999999</c:v>
                 </c:pt>
                 <c:pt idx="434">
                   <c:v>26.6299065</c:v>
@@ -19140,7 +19148,7 @@
                   <c:v>28.1638873</c:v>
                 </c:pt>
                 <c:pt idx="460">
-                  <c:v>28.2252465</c:v>
+                  <c:v>28.22524649999999</c:v>
                 </c:pt>
                 <c:pt idx="461">
                   <c:v>28.2866057</c:v>
@@ -19311,7 +19319,7 @@
                   <c:v>31.6613635</c:v>
                 </c:pt>
                 <c:pt idx="517">
-                  <c:v>31.7227227</c:v>
+                  <c:v>31.72272269999999</c:v>
                 </c:pt>
                 <c:pt idx="518">
                   <c:v>31.7840819</c:v>
@@ -19374,7 +19382,7 @@
                   <c:v>32.9499073</c:v>
                 </c:pt>
                 <c:pt idx="538">
-                  <c:v>33.0112666</c:v>
+                  <c:v>33.01126659999999</c:v>
                 </c:pt>
                 <c:pt idx="539">
                   <c:v>33.0726258</c:v>
@@ -19446,7 +19454,7 @@
                   <c:v>34.4225289</c:v>
                 </c:pt>
                 <c:pt idx="562">
-                  <c:v>34.4838881</c:v>
+                  <c:v>34.48388809999999</c:v>
                 </c:pt>
                 <c:pt idx="563">
                   <c:v>34.5452473</c:v>
@@ -19464,7 +19472,7 @@
                   <c:v>34.7906843</c:v>
                 </c:pt>
                 <c:pt idx="568">
-                  <c:v>34.8520435</c:v>
+                  <c:v>34.85204349999999</c:v>
                 </c:pt>
                 <c:pt idx="569">
                   <c:v>34.9134027</c:v>
@@ -19542,7 +19550,7 @@
                   <c:v>36.3860243</c:v>
                 </c:pt>
                 <c:pt idx="594">
-                  <c:v>36.4473835</c:v>
+                  <c:v>36.44738349999999</c:v>
                 </c:pt>
                 <c:pt idx="595">
                   <c:v>36.5087428</c:v>
@@ -19596,7 +19604,7 @@
                   <c:v>37.4904905</c:v>
                 </c:pt>
                 <c:pt idx="612">
-                  <c:v>37.5518497</c:v>
+                  <c:v>37.55184969999999</c:v>
                 </c:pt>
                 <c:pt idx="613">
                   <c:v>37.6132089</c:v>
@@ -19683,7 +19691,7 @@
                   <c:v>39.2699082</c:v>
                 </c:pt>
                 <c:pt idx="641">
-                  <c:v>39.3312674</c:v>
+                  <c:v>39.33126739999999</c:v>
                 </c:pt>
                 <c:pt idx="642">
                   <c:v>39.3926266</c:v>
@@ -19713,7 +19721,7 @@
                   <c:v>39.8835005</c:v>
                 </c:pt>
                 <c:pt idx="651">
-                  <c:v>39.9448597</c:v>
+                  <c:v>39.94485969999999</c:v>
                 </c:pt>
                 <c:pt idx="652">
                   <c:v>40.0062189</c:v>
@@ -19764,7 +19772,7 @@
                   <c:v>40.9266074</c:v>
                 </c:pt>
                 <c:pt idx="668">
-                  <c:v>40.9879667</c:v>
+                  <c:v>40.98796669999999</c:v>
                 </c:pt>
                 <c:pt idx="669">
                   <c:v>41.0493259</c:v>
@@ -19785,7 +19793,7 @@
                   <c:v>41.356122</c:v>
                 </c:pt>
                 <c:pt idx="675">
-                  <c:v>41.4174813</c:v>
+                  <c:v>41.41748129999999</c:v>
                 </c:pt>
                 <c:pt idx="676">
                   <c:v>41.4788405</c:v>
@@ -19830,7 +19838,7 @@
                   <c:v>42.2765105</c:v>
                 </c:pt>
                 <c:pt idx="690">
-                  <c:v>42.3378697</c:v>
+                  <c:v>42.33786969999999</c:v>
                 </c:pt>
                 <c:pt idx="691">
                   <c:v>42.399229</c:v>
@@ -19860,7 +19868,7 @@
                   <c:v>42.8901028</c:v>
                 </c:pt>
                 <c:pt idx="700">
-                  <c:v>42.9514621</c:v>
+                  <c:v>42.95146209999999</c:v>
                 </c:pt>
                 <c:pt idx="701">
                   <c:v>43.0128213</c:v>
@@ -19905,7 +19913,7 @@
                   <c:v>43.8104913</c:v>
                 </c:pt>
                 <c:pt idx="715">
-                  <c:v>43.8718505</c:v>
+                  <c:v>43.87185049999999</c:v>
                 </c:pt>
                 <c:pt idx="716">
                   <c:v>43.9332098</c:v>
@@ -19917,7 +19925,7 @@
                   <c:v>44.0559282</c:v>
                 </c:pt>
                 <c:pt idx="719">
-                  <c:v>44.1172875</c:v>
+                  <c:v>44.11728749999999</c:v>
                 </c:pt>
                 <c:pt idx="720">
                   <c:v>44.1786467</c:v>
@@ -19956,7 +19964,7 @@
                   <c:v>44.8535982</c:v>
                 </c:pt>
                 <c:pt idx="732">
-                  <c:v>44.9149575</c:v>
+                  <c:v>44.91495749999999</c:v>
                 </c:pt>
                 <c:pt idx="733">
                   <c:v>44.9763167</c:v>
@@ -20034,7 +20042,7 @@
                   <c:v>46.4489383</c:v>
                 </c:pt>
                 <c:pt idx="758">
-                  <c:v>46.5102975</c:v>
+                  <c:v>46.51029749999999</c:v>
                 </c:pt>
                 <c:pt idx="759">
                   <c:v>46.5716567</c:v>
@@ -20049,7 +20057,7 @@
                   <c:v>46.7557344</c:v>
                 </c:pt>
                 <c:pt idx="763">
-                  <c:v>46.8170936</c:v>
+                  <c:v>46.81709359999999</c:v>
                 </c:pt>
                 <c:pt idx="764">
                   <c:v>46.8784529</c:v>
@@ -20073,7 +20081,7 @@
                   <c:v>47.2466083</c:v>
                 </c:pt>
                 <c:pt idx="771">
-                  <c:v>47.3079675</c:v>
+                  <c:v>47.30796749999999</c:v>
                 </c:pt>
                 <c:pt idx="772">
                   <c:v>47.3693267</c:v>
@@ -20124,7 +20132,7 @@
                   <c:v>48.2897152</c:v>
                 </c:pt>
                 <c:pt idx="788">
-                  <c:v>48.3510744</c:v>
+                  <c:v>48.35107439999999</c:v>
                 </c:pt>
                 <c:pt idx="789">
                   <c:v>48.4124337</c:v>
@@ -20220,7 +20228,7 @@
                   <c:v>50.2532106</c:v>
                 </c:pt>
                 <c:pt idx="820">
-                  <c:v>50.3145698</c:v>
+                  <c:v>50.31456979999999</c:v>
                 </c:pt>
                 <c:pt idx="821">
                   <c:v>50.3759291</c:v>
@@ -20241,7 +20249,7 @@
                   <c:v>50.6827252</c:v>
                 </c:pt>
                 <c:pt idx="827">
-                  <c:v>50.7440845</c:v>
+                  <c:v>50.74408449999999</c:v>
                 </c:pt>
                 <c:pt idx="828">
                   <c:v>50.8054437</c:v>
@@ -20256,7 +20264,7 @@
                   <c:v>50.9895214</c:v>
                 </c:pt>
                 <c:pt idx="832">
-                  <c:v>51.0508806</c:v>
+                  <c:v>51.05088059999999</c:v>
                 </c:pt>
                 <c:pt idx="833">
                   <c:v>51.1122399</c:v>
@@ -20271,7 +20279,7 @@
                   <c:v>51.2963175</c:v>
                 </c:pt>
                 <c:pt idx="837">
-                  <c:v>51.3576768</c:v>
+                  <c:v>51.35767679999999</c:v>
                 </c:pt>
                 <c:pt idx="838">
                   <c:v>51.419036</c:v>
@@ -20301,7 +20309,7 @@
                   <c:v>51.9099099</c:v>
                 </c:pt>
                 <c:pt idx="847">
-                  <c:v>51.9712691</c:v>
+                  <c:v>51.97126909999999</c:v>
                 </c:pt>
                 <c:pt idx="848">
                   <c:v>52.0326283</c:v>
@@ -20319,7 +20327,7 @@
                   <c:v>52.2780653</c:v>
                 </c:pt>
                 <c:pt idx="853">
-                  <c:v>52.3394245</c:v>
+                  <c:v>52.33942449999999</c:v>
                 </c:pt>
                 <c:pt idx="854">
                   <c:v>52.4007837</c:v>
@@ -20331,7 +20339,7 @@
                   <c:v>52.5235022</c:v>
                 </c:pt>
                 <c:pt idx="857">
-                  <c:v>52.5848614</c:v>
+                  <c:v>52.58486139999999</c:v>
                 </c:pt>
                 <c:pt idx="858">
                   <c:v>52.6462206</c:v>
@@ -20346,7 +20354,7 @@
                   <c:v>52.8302983</c:v>
                 </c:pt>
                 <c:pt idx="862">
-                  <c:v>52.8916576</c:v>
+                  <c:v>52.89165759999999</c:v>
                 </c:pt>
                 <c:pt idx="863">
                   <c:v>52.9530168</c:v>
@@ -20397,7 +20405,7 @@
                   <c:v>53.8734053</c:v>
                 </c:pt>
                 <c:pt idx="879">
-                  <c:v>53.9347645</c:v>
+                  <c:v>53.93476449999999</c:v>
                 </c:pt>
                 <c:pt idx="880">
                   <c:v>53.9961237</c:v>
@@ -20463,7 +20471,7 @@
                   <c:v>55.2233084</c:v>
                 </c:pt>
                 <c:pt idx="901">
-                  <c:v>55.2846676</c:v>
+                  <c:v>55.28466759999999</c:v>
                 </c:pt>
                 <c:pt idx="902">
                   <c:v>55.3460268</c:v>
@@ -20541,7 +20549,7 @@
                   <c:v>56.8186484</c:v>
                 </c:pt>
                 <c:pt idx="927">
-                  <c:v>56.8800076</c:v>
+                  <c:v>56.88000759999999</c:v>
                 </c:pt>
                 <c:pt idx="928">
                   <c:v>56.9413668</c:v>
@@ -20565,7 +20573,7 @@
                   <c:v>57.3095222</c:v>
                 </c:pt>
                 <c:pt idx="935">
-                  <c:v>57.3708815</c:v>
+                  <c:v>57.37088149999999</c:v>
                 </c:pt>
                 <c:pt idx="936">
                   <c:v>57.4322407</c:v>
@@ -20697,7 +20705,7 @@
                   <c:v>60.0093284</c:v>
                 </c:pt>
                 <c:pt idx="979">
-                  <c:v>60.0706877</c:v>
+                  <c:v>60.07068769999999</c:v>
                 </c:pt>
                 <c:pt idx="980">
                   <c:v>60.1320469</c:v>
@@ -20709,10 +20717,10 @@
                   <c:v>60.2547653</c:v>
                 </c:pt>
                 <c:pt idx="983">
-                  <c:v>60.3161246</c:v>
+                  <c:v>60.31612459999999</c:v>
                 </c:pt>
                 <c:pt idx="984">
-                  <c:v>60.3774838</c:v>
+                  <c:v>60.37748379999999</c:v>
                 </c:pt>
                 <c:pt idx="985">
                   <c:v>60.438843</c:v>
@@ -20760,7 +20768,7 @@
                   <c:v>61.2978723</c:v>
                 </c:pt>
                 <c:pt idx="1000">
-                  <c:v>61.3592315</c:v>
+                  <c:v>61.35923149999999</c:v>
                 </c:pt>
                 <c:pt idx="1001">
                   <c:v>61.4205907</c:v>
@@ -20787,7 +20795,7 @@
                   <c:v>61.8501054</c:v>
                 </c:pt>
                 <c:pt idx="1009">
-                  <c:v>61.9114646</c:v>
+                  <c:v>61.91146459999999</c:v>
                 </c:pt>
                 <c:pt idx="1010">
                   <c:v>61.9728238</c:v>
@@ -20847,7 +20855,7 @@
                   <c:v>-413.141467</c:v>
                 </c:pt>
                 <c:pt idx="2">
-                  <c:v>-419.766328</c:v>
+                  <c:v>-419.7663279999999</c:v>
                 </c:pt>
                 <c:pt idx="3">
                   <c:v>-428.74033</c:v>
@@ -20859,13 +20867,13 @@
                   <c:v>-446.199679</c:v>
                 </c:pt>
                 <c:pt idx="6">
-                  <c:v>-451.286367</c:v>
+                  <c:v>-451.2863669999999</c:v>
                 </c:pt>
                 <c:pt idx="7">
                   <c:v>-452.316065</c:v>
                 </c:pt>
                 <c:pt idx="8">
-                  <c:v>-448.720177</c:v>
+                  <c:v>-448.7201769999999</c:v>
                 </c:pt>
                 <c:pt idx="9">
                   <c:v>-440.474278</c:v>
@@ -20937,7 +20945,7 @@
                   <c:v>-79.789413</c:v>
                 </c:pt>
                 <c:pt idx="32">
-                  <c:v>-68.70294579999999</c:v>
+                  <c:v>-68.70294579999998</c:v>
                 </c:pt>
                 <c:pt idx="33">
                   <c:v>-58.3736489</c:v>
@@ -20964,7 +20972,7 @@
                   <c:v>-9.80752765</c:v>
                 </c:pt>
                 <c:pt idx="41">
-                  <c:v>-6.19802791</c:v>
+                  <c:v>-6.198027909999999</c:v>
                 </c:pt>
                 <c:pt idx="42">
                   <c:v>-3.32372665</c:v>
@@ -20994,7 +21002,7 @@
                   <c:v>-1.00410139</c:v>
                 </c:pt>
                 <c:pt idx="51">
-                  <c:v>-2.41621932</c:v>
+                  <c:v>-2.416219319999999</c:v>
                 </c:pt>
                 <c:pt idx="52">
                   <c:v>-3.98260401</c:v>
@@ -21054,7 +21062,7 @@
                   <c:v>-6.43254993</c:v>
                 </c:pt>
                 <c:pt idx="71">
-                  <c:v>-4.98355455</c:v>
+                  <c:v>-4.983554549999999</c:v>
                 </c:pt>
                 <c:pt idx="72">
                   <c:v>-3.57087381</c:v>
@@ -21084,7 +21092,7 @@
                   <c:v>3.25192929</c:v>
                 </c:pt>
                 <c:pt idx="81">
-                  <c:v>3.36529849</c:v>
+                  <c:v>3.365298489999999</c:v>
                 </c:pt>
                 <c:pt idx="82">
                   <c:v>3.32252345</c:v>
@@ -21135,13 +21143,13 @@
                   <c:v>-4.17606932</c:v>
                 </c:pt>
                 <c:pt idx="98">
-                  <c:v>-4.40443267</c:v>
+                  <c:v>-4.404432669999999</c:v>
                 </c:pt>
                 <c:pt idx="99">
-                  <c:v>-4.53801464</c:v>
+                  <c:v>-4.538014639999999</c:v>
                 </c:pt>
                 <c:pt idx="100">
-                  <c:v>-4.57428227</c:v>
+                  <c:v>-4.574282269999999</c:v>
                 </c:pt>
                 <c:pt idx="101">
                   <c:v>-4.51309765</c:v>
@@ -21162,7 +21170,7 @@
                   <c:v>-2.90524797</c:v>
                 </c:pt>
                 <c:pt idx="107">
-                  <c:v>-2.38684862</c:v>
+                  <c:v>-2.386848619999999</c:v>
                 </c:pt>
                 <c:pt idx="108">
                   <c:v>-1.83390495</c:v>
@@ -22783,10 +22791,10 @@
                   <c:v>4.1</c:v>
                 </c:pt>
                 <c:pt idx="411">
-                  <c:v>4.11</c:v>
+                  <c:v>4.109999999999999</c:v>
                 </c:pt>
                 <c:pt idx="412">
-                  <c:v>4.12</c:v>
+                  <c:v>4.119999999999999</c:v>
                 </c:pt>
                 <c:pt idx="413">
                   <c:v>4.13</c:v>
@@ -22795,10 +22803,10 @@
                   <c:v>4.14</c:v>
                 </c:pt>
                 <c:pt idx="415">
-                  <c:v>4.15</c:v>
+                  <c:v>4.149999999999999</c:v>
                 </c:pt>
                 <c:pt idx="416">
-                  <c:v>4.16</c:v>
+                  <c:v>4.159999999999999</c:v>
                 </c:pt>
                 <c:pt idx="417">
                   <c:v>4.17</c:v>
@@ -22807,7 +22815,7 @@
                   <c:v>4.18</c:v>
                 </c:pt>
                 <c:pt idx="419">
-                  <c:v>4.19</c:v>
+                  <c:v>4.189999999999999</c:v>
                 </c:pt>
                 <c:pt idx="420">
                   <c:v>4.2</c:v>
@@ -22846,7 +22854,7 @@
                   <c:v>4.31</c:v>
                 </c:pt>
                 <c:pt idx="432">
-                  <c:v>4.32</c:v>
+                  <c:v>4.319999999999999</c:v>
                 </c:pt>
                 <c:pt idx="433">
                   <c:v>4.33</c:v>
@@ -22858,7 +22866,7 @@
                   <c:v>4.35</c:v>
                 </c:pt>
                 <c:pt idx="436">
-                  <c:v>4.36</c:v>
+                  <c:v>4.359999999999999</c:v>
                 </c:pt>
                 <c:pt idx="437">
                   <c:v>4.37</c:v>
@@ -22933,10 +22941,10 @@
                   <c:v>4.6</c:v>
                 </c:pt>
                 <c:pt idx="461">
-                  <c:v>4.61</c:v>
+                  <c:v>4.609999999999999</c:v>
                 </c:pt>
                 <c:pt idx="462">
-                  <c:v>4.62</c:v>
+                  <c:v>4.619999999999999</c:v>
                 </c:pt>
                 <c:pt idx="463">
                   <c:v>4.63</c:v>
@@ -22945,10 +22953,10 @@
                   <c:v>4.64</c:v>
                 </c:pt>
                 <c:pt idx="465">
-                  <c:v>4.65</c:v>
+                  <c:v>4.649999999999999</c:v>
                 </c:pt>
                 <c:pt idx="466">
-                  <c:v>4.66</c:v>
+                  <c:v>4.659999999999999</c:v>
                 </c:pt>
                 <c:pt idx="467">
                   <c:v>4.67</c:v>
@@ -22957,7 +22965,7 @@
                   <c:v>4.68</c:v>
                 </c:pt>
                 <c:pt idx="469">
-                  <c:v>4.69</c:v>
+                  <c:v>4.689999999999999</c:v>
                 </c:pt>
                 <c:pt idx="470">
                   <c:v>4.7</c:v>
@@ -22996,7 +23004,7 @@
                   <c:v>4.81</c:v>
                 </c:pt>
                 <c:pt idx="482">
-                  <c:v>4.82</c:v>
+                  <c:v>4.819999999999999</c:v>
                 </c:pt>
                 <c:pt idx="483">
                   <c:v>4.83</c:v>
@@ -23008,7 +23016,7 @@
                   <c:v>4.85</c:v>
                 </c:pt>
                 <c:pt idx="486">
-                  <c:v>4.86</c:v>
+                  <c:v>4.859999999999999</c:v>
                 </c:pt>
                 <c:pt idx="487">
                   <c:v>4.87</c:v>
@@ -23083,10 +23091,10 @@
                   <c:v>5.1</c:v>
                 </c:pt>
                 <c:pt idx="511">
-                  <c:v>5.11</c:v>
+                  <c:v>5.109999999999999</c:v>
                 </c:pt>
                 <c:pt idx="512">
-                  <c:v>5.12</c:v>
+                  <c:v>5.119999999999999</c:v>
                 </c:pt>
                 <c:pt idx="513">
                   <c:v>5.13</c:v>
@@ -23095,10 +23103,10 @@
                   <c:v>5.14</c:v>
                 </c:pt>
                 <c:pt idx="515">
-                  <c:v>5.15</c:v>
+                  <c:v>5.149999999999999</c:v>
                 </c:pt>
                 <c:pt idx="516">
-                  <c:v>5.16</c:v>
+                  <c:v>5.159999999999999</c:v>
                 </c:pt>
                 <c:pt idx="517">
                   <c:v>5.17</c:v>
@@ -23107,7 +23115,7 @@
                   <c:v>5.18</c:v>
                 </c:pt>
                 <c:pt idx="519">
-                  <c:v>5.19</c:v>
+                  <c:v>5.189999999999999</c:v>
                 </c:pt>
                 <c:pt idx="520">
                   <c:v>5.2</c:v>
@@ -23146,7 +23154,7 @@
                   <c:v>5.31</c:v>
                 </c:pt>
                 <c:pt idx="532">
-                  <c:v>5.32</c:v>
+                  <c:v>5.319999999999999</c:v>
                 </c:pt>
                 <c:pt idx="533">
                   <c:v>5.33</c:v>
@@ -23158,7 +23166,7 @@
                   <c:v>5.35</c:v>
                 </c:pt>
                 <c:pt idx="536">
-                  <c:v>5.36</c:v>
+                  <c:v>5.359999999999999</c:v>
                 </c:pt>
                 <c:pt idx="537">
                   <c:v>5.37</c:v>
@@ -23233,10 +23241,10 @@
                   <c:v>5.6</c:v>
                 </c:pt>
                 <c:pt idx="561">
-                  <c:v>5.61</c:v>
+                  <c:v>5.609999999999999</c:v>
                 </c:pt>
                 <c:pt idx="562">
-                  <c:v>5.62</c:v>
+                  <c:v>5.619999999999999</c:v>
                 </c:pt>
                 <c:pt idx="563">
                   <c:v>5.63</c:v>
@@ -23245,10 +23253,10 @@
                   <c:v>5.64</c:v>
                 </c:pt>
                 <c:pt idx="565">
-                  <c:v>5.65</c:v>
+                  <c:v>5.649999999999999</c:v>
                 </c:pt>
                 <c:pt idx="566">
-                  <c:v>5.66</c:v>
+                  <c:v>5.659999999999999</c:v>
                 </c:pt>
                 <c:pt idx="567">
                   <c:v>5.67</c:v>
@@ -23257,7 +23265,7 @@
                   <c:v>5.68</c:v>
                 </c:pt>
                 <c:pt idx="569">
-                  <c:v>5.69</c:v>
+                  <c:v>5.689999999999999</c:v>
                 </c:pt>
                 <c:pt idx="570">
                   <c:v>5.7</c:v>
@@ -23296,7 +23304,7 @@
                   <c:v>5.81</c:v>
                 </c:pt>
                 <c:pt idx="582">
-                  <c:v>5.82</c:v>
+                  <c:v>5.819999999999999</c:v>
                 </c:pt>
                 <c:pt idx="583">
                   <c:v>5.83</c:v>
@@ -23308,7 +23316,7 @@
                   <c:v>5.85</c:v>
                 </c:pt>
                 <c:pt idx="586">
-                  <c:v>5.86</c:v>
+                  <c:v>5.859999999999999</c:v>
                 </c:pt>
                 <c:pt idx="587">
                   <c:v>5.87</c:v>
@@ -23383,10 +23391,10 @@
                   <c:v>6.1</c:v>
                 </c:pt>
                 <c:pt idx="611">
-                  <c:v>6.11</c:v>
+                  <c:v>6.109999999999999</c:v>
                 </c:pt>
                 <c:pt idx="612">
-                  <c:v>6.12</c:v>
+                  <c:v>6.119999999999999</c:v>
                 </c:pt>
                 <c:pt idx="613">
                   <c:v>6.13</c:v>
@@ -23395,10 +23403,10 @@
                   <c:v>6.14</c:v>
                 </c:pt>
                 <c:pt idx="615">
-                  <c:v>6.15</c:v>
+                  <c:v>6.149999999999999</c:v>
                 </c:pt>
                 <c:pt idx="616">
-                  <c:v>6.16</c:v>
+                  <c:v>6.159999999999999</c:v>
                 </c:pt>
                 <c:pt idx="617">
                   <c:v>6.17</c:v>
@@ -23407,7 +23415,7 @@
                   <c:v>6.18</c:v>
                 </c:pt>
                 <c:pt idx="619">
-                  <c:v>6.19</c:v>
+                  <c:v>6.189999999999999</c:v>
                 </c:pt>
                 <c:pt idx="620">
                   <c:v>6.2</c:v>
@@ -23446,7 +23454,7 @@
                   <c:v>6.31</c:v>
                 </c:pt>
                 <c:pt idx="632">
-                  <c:v>6.32</c:v>
+                  <c:v>6.319999999999999</c:v>
                 </c:pt>
                 <c:pt idx="633">
                   <c:v>6.33</c:v>
@@ -23458,7 +23466,7 @@
                   <c:v>6.35</c:v>
                 </c:pt>
                 <c:pt idx="636">
-                  <c:v>6.36</c:v>
+                  <c:v>6.359999999999999</c:v>
                 </c:pt>
                 <c:pt idx="637">
                   <c:v>6.37</c:v>
@@ -23533,10 +23541,10 @@
                   <c:v>6.6</c:v>
                 </c:pt>
                 <c:pt idx="661">
-                  <c:v>6.61</c:v>
+                  <c:v>6.609999999999999</c:v>
                 </c:pt>
                 <c:pt idx="662">
-                  <c:v>6.62</c:v>
+                  <c:v>6.619999999999999</c:v>
                 </c:pt>
                 <c:pt idx="663">
                   <c:v>6.63</c:v>
@@ -23545,10 +23553,10 @@
                   <c:v>6.64</c:v>
                 </c:pt>
                 <c:pt idx="665">
-                  <c:v>6.65</c:v>
+                  <c:v>6.649999999999999</c:v>
                 </c:pt>
                 <c:pt idx="666">
-                  <c:v>6.66</c:v>
+                  <c:v>6.659999999999999</c:v>
                 </c:pt>
                 <c:pt idx="667">
                   <c:v>6.67</c:v>
@@ -23557,7 +23565,7 @@
                   <c:v>6.68</c:v>
                 </c:pt>
                 <c:pt idx="669">
-                  <c:v>6.69</c:v>
+                  <c:v>6.689999999999999</c:v>
                 </c:pt>
                 <c:pt idx="670">
                   <c:v>6.7</c:v>
@@ -23596,7 +23604,7 @@
                   <c:v>6.81</c:v>
                 </c:pt>
                 <c:pt idx="682">
-                  <c:v>6.82</c:v>
+                  <c:v>6.819999999999999</c:v>
                 </c:pt>
                 <c:pt idx="683">
                   <c:v>6.83</c:v>
@@ -23608,7 +23616,7 @@
                   <c:v>6.85</c:v>
                 </c:pt>
                 <c:pt idx="686">
-                  <c:v>6.86</c:v>
+                  <c:v>6.859999999999999</c:v>
                 </c:pt>
                 <c:pt idx="687">
                   <c:v>6.87</c:v>
@@ -23683,10 +23691,10 @@
                   <c:v>7.1</c:v>
                 </c:pt>
                 <c:pt idx="711">
-                  <c:v>7.11</c:v>
+                  <c:v>7.109999999999999</c:v>
                 </c:pt>
                 <c:pt idx="712">
-                  <c:v>7.12</c:v>
+                  <c:v>7.119999999999999</c:v>
                 </c:pt>
                 <c:pt idx="713">
                   <c:v>7.13</c:v>
@@ -23695,10 +23703,10 @@
                   <c:v>7.14</c:v>
                 </c:pt>
                 <c:pt idx="715">
-                  <c:v>7.15</c:v>
+                  <c:v>7.149999999999999</c:v>
                 </c:pt>
                 <c:pt idx="716">
-                  <c:v>7.16</c:v>
+                  <c:v>7.159999999999999</c:v>
                 </c:pt>
                 <c:pt idx="717">
                   <c:v>7.17</c:v>
@@ -23707,7 +23715,7 @@
                   <c:v>7.18</c:v>
                 </c:pt>
                 <c:pt idx="719">
-                  <c:v>7.19</c:v>
+                  <c:v>7.189999999999999</c:v>
                 </c:pt>
                 <c:pt idx="720">
                   <c:v>7.2</c:v>
@@ -23746,7 +23754,7 @@
                   <c:v>7.31</c:v>
                 </c:pt>
                 <c:pt idx="732">
-                  <c:v>7.32</c:v>
+                  <c:v>7.319999999999999</c:v>
                 </c:pt>
                 <c:pt idx="733">
                   <c:v>7.33</c:v>
@@ -23758,7 +23766,7 @@
                   <c:v>7.35</c:v>
                 </c:pt>
                 <c:pt idx="736">
-                  <c:v>7.36</c:v>
+                  <c:v>7.359999999999999</c:v>
                 </c:pt>
                 <c:pt idx="737">
                   <c:v>7.37</c:v>
@@ -23833,10 +23841,10 @@
                   <c:v>7.6</c:v>
                 </c:pt>
                 <c:pt idx="761">
-                  <c:v>7.61</c:v>
+                  <c:v>7.609999999999999</c:v>
                 </c:pt>
                 <c:pt idx="762">
-                  <c:v>7.62</c:v>
+                  <c:v>7.619999999999999</c:v>
                 </c:pt>
                 <c:pt idx="763">
                   <c:v>7.63</c:v>
@@ -23845,10 +23853,10 @@
                   <c:v>7.64</c:v>
                 </c:pt>
                 <c:pt idx="765">
-                  <c:v>7.65</c:v>
+                  <c:v>7.649999999999999</c:v>
                 </c:pt>
                 <c:pt idx="766">
-                  <c:v>7.66</c:v>
+                  <c:v>7.659999999999999</c:v>
                 </c:pt>
                 <c:pt idx="767">
                   <c:v>7.67</c:v>
@@ -23857,7 +23865,7 @@
                   <c:v>7.68</c:v>
                 </c:pt>
                 <c:pt idx="769">
-                  <c:v>7.69</c:v>
+                  <c:v>7.689999999999999</c:v>
                 </c:pt>
                 <c:pt idx="770">
                   <c:v>7.7</c:v>
@@ -23896,7 +23904,7 @@
                   <c:v>7.81</c:v>
                 </c:pt>
                 <c:pt idx="782">
-                  <c:v>7.82</c:v>
+                  <c:v>7.819999999999999</c:v>
                 </c:pt>
                 <c:pt idx="783">
                   <c:v>7.83</c:v>
@@ -23908,7 +23916,7 @@
                   <c:v>7.85</c:v>
                 </c:pt>
                 <c:pt idx="786">
-                  <c:v>7.86</c:v>
+                  <c:v>7.859999999999999</c:v>
                 </c:pt>
                 <c:pt idx="787">
                   <c:v>7.87</c:v>
@@ -24019,10 +24027,10 @@
                   <c:v>8.220000000000001</c:v>
                 </c:pt>
                 <c:pt idx="823">
-                  <c:v>8.23</c:v>
+                  <c:v>8.229999999999998</c:v>
                 </c:pt>
                 <c:pt idx="824">
-                  <c:v>8.24</c:v>
+                  <c:v>8.239999999999998</c:v>
                 </c:pt>
                 <c:pt idx="825">
                   <c:v>8.25</c:v>
@@ -24142,7 +24150,7 @@
                   <c:v>8.630000000000001</c:v>
                 </c:pt>
                 <c:pt idx="864">
-                  <c:v>8.64</c:v>
+                  <c:v>8.639999999999998</c:v>
                 </c:pt>
                 <c:pt idx="865">
                   <c:v>8.65</c:v>
@@ -24169,10 +24177,10 @@
                   <c:v>8.720000000000001</c:v>
                 </c:pt>
                 <c:pt idx="873">
-                  <c:v>8.73</c:v>
+                  <c:v>8.729999999999998</c:v>
                 </c:pt>
                 <c:pt idx="874">
-                  <c:v>8.74</c:v>
+                  <c:v>8.739999999999998</c:v>
                 </c:pt>
                 <c:pt idx="875">
                   <c:v>8.75</c:v>
@@ -24319,10 +24327,10 @@
                   <c:v>9.220000000000001</c:v>
                 </c:pt>
                 <c:pt idx="923">
-                  <c:v>9.23</c:v>
+                  <c:v>9.229999999999998</c:v>
                 </c:pt>
                 <c:pt idx="924">
-                  <c:v>9.24</c:v>
+                  <c:v>9.239999999999998</c:v>
                 </c:pt>
                 <c:pt idx="925">
                   <c:v>9.25</c:v>
@@ -24442,7 +24450,7 @@
                   <c:v>9.630000000000001</c:v>
                 </c:pt>
                 <c:pt idx="964">
-                  <c:v>9.64</c:v>
+                  <c:v>9.639999999999998</c:v>
                 </c:pt>
                 <c:pt idx="965">
                   <c:v>9.65</c:v>
@@ -24469,10 +24477,10 @@
                   <c:v>9.720000000000001</c:v>
                 </c:pt>
                 <c:pt idx="973">
-                  <c:v>9.73</c:v>
+                  <c:v>9.729999999999998</c:v>
                 </c:pt>
                 <c:pt idx="974">
-                  <c:v>9.74</c:v>
+                  <c:v>9.739999999999998</c:v>
                 </c:pt>
                 <c:pt idx="975">
                   <c:v>9.75</c:v>
@@ -24574,10 +24582,10 @@
                   <c:v>-440.716879488368</c:v>
                 </c:pt>
                 <c:pt idx="5">
-                  <c:v>-440.995755683194</c:v>
+                  <c:v>-440.9957556831939</c:v>
                 </c:pt>
                 <c:pt idx="6">
-                  <c:v>-441.305329177219</c:v>
+                  <c:v>-441.3053291772189</c:v>
                 </c:pt>
                 <c:pt idx="7">
                   <c:v>-441.640314536138</c:v>
@@ -24640,10 +24648,10 @@
                   <c:v>-445.834056673186</c:v>
                 </c:pt>
                 <c:pt idx="27">
-                  <c:v>-445.596634707218</c:v>
+                  <c:v>-445.5966347072179</c:v>
                 </c:pt>
                 <c:pt idx="28">
-                  <c:v>-445.286634202436</c:v>
+                  <c:v>-445.2866342024359</c:v>
                 </c:pt>
                 <c:pt idx="29">
                   <c:v>-444.900931554811</c:v>
@@ -24667,10 +24675,10 @@
                   <c:v>-440.810837112865</c:v>
                 </c:pt>
                 <c:pt idx="36">
-                  <c:v>-439.82056914287</c:v>
+                  <c:v>-439.8205691428699</c:v>
                 </c:pt>
                 <c:pt idx="37">
-                  <c:v>-438.731141264903</c:v>
+                  <c:v>-438.7311412649029</c:v>
                 </c:pt>
                 <c:pt idx="38">
                   <c:v>-437.549523672704</c:v>
@@ -24679,7 +24687,7 @@
                   <c:v>-436.275396367791</c:v>
                 </c:pt>
                 <c:pt idx="40">
-                  <c:v>-434.908439351682</c:v>
+                  <c:v>-434.9084393516819</c:v>
                 </c:pt>
                 <c:pt idx="41">
                   <c:v>-433.448332625893</c:v>
@@ -24688,7 +24696,7 @@
                   <c:v>-431.894458162529</c:v>
                 </c:pt>
                 <c:pt idx="43">
-                  <c:v>-430.241134842334</c:v>
+                  <c:v>-430.2411348423339</c:v>
                 </c:pt>
                 <c:pt idx="44">
                   <c:v>-428.494728684607</c:v>
@@ -24697,7 +24705,7 @@
                   <c:v>-426.655899027964</c:v>
                 </c:pt>
                 <c:pt idx="46">
-                  <c:v>-424.725305211023</c:v>
+                  <c:v>-424.7253052110229</c:v>
                 </c:pt>
                 <c:pt idx="47">
                   <c:v>-422.703606572401</c:v>
@@ -24727,7 +24735,7 @@
                   <c:v>-403.335165806088</c:v>
                 </c:pt>
                 <c:pt idx="56">
-                  <c:v>-400.535379145562</c:v>
+                  <c:v>-400.5353791455619</c:v>
                 </c:pt>
                 <c:pt idx="57">
                   <c:v>-397.657494337961</c:v>
@@ -24739,10 +24747,10 @@
                   <c:v>-391.674841303344</c:v>
                 </c:pt>
                 <c:pt idx="60">
-                  <c:v>-388.573778587232</c:v>
+                  <c:v>-388.5737785872319</c:v>
                 </c:pt>
                 <c:pt idx="61">
-                  <c:v>-385.401911851913</c:v>
+                  <c:v>-385.4019118519129</c:v>
                 </c:pt>
                 <c:pt idx="62">
                   <c:v>-382.161163559619</c:v>
@@ -24751,7 +24759,7 @@
                   <c:v>-378.853481877251</c:v>
                 </c:pt>
                 <c:pt idx="64">
-                  <c:v>-375.480748951574</c:v>
+                  <c:v>-375.4807489515738</c:v>
                 </c:pt>
                 <c:pt idx="65">
                   <c:v>-372.044846929354</c:v>
@@ -24763,13 +24771,13 @@
                   <c:v>-364.990923508318</c:v>
                 </c:pt>
                 <c:pt idx="68">
-                  <c:v>-361.376550940997</c:v>
+                  <c:v>-361.3765509409969</c:v>
                 </c:pt>
                 <c:pt idx="69">
                   <c:v>-357.706605149555</c:v>
                 </c:pt>
                 <c:pt idx="70">
-                  <c:v>-353.983012993591</c:v>
+                  <c:v>-353.9830129935909</c:v>
                 </c:pt>
                 <c:pt idx="71">
                   <c:v>-350.207701332704</c:v>
@@ -24799,7 +24807,7 @@
                   <c:v>-318.374595760658</c:v>
                 </c:pt>
                 <c:pt idx="80">
-                  <c:v>-314.22072897988</c:v>
+                  <c:v>-314.2207289798799</c:v>
                 </c:pt>
                 <c:pt idx="81">
                   <c:v>-310.034226152412</c:v>
@@ -24811,10 +24819,10 @@
                   <c:v>-301.57067600463</c:v>
                 </c:pt>
                 <c:pt idx="84">
-                  <c:v>-297.297310507925</c:v>
+                  <c:v>-297.2973105079249</c:v>
                 </c:pt>
                 <c:pt idx="85">
-                  <c:v>-292.998624588069</c:v>
+                  <c:v>-292.9986245880689</c:v>
                 </c:pt>
                 <c:pt idx="86">
                   <c:v>-288.676077839772</c:v>
@@ -24823,7 +24831,7 @@
                   <c:v>-284.332027009609</c:v>
                 </c:pt>
                 <c:pt idx="88">
-                  <c:v>-279.968391848133</c:v>
+                  <c:v>-279.9683918481329</c:v>
                 </c:pt>
                 <c:pt idx="89">
                   <c:v>-275.587092105897</c:v>
@@ -24868,7 +24876,7 @@
                   <c:v>-217.903416904224</c:v>
                 </c:pt>
                 <c:pt idx="103">
-                  <c:v>-213.479895124986</c:v>
+                  <c:v>-213.4798951249859</c:v>
                 </c:pt>
                 <c:pt idx="104">
                   <c:v>-209.06860432688</c:v>
@@ -24889,7 +24897,7 @@
                   <c:v>-187.263129712409</c:v>
                 </c:pt>
                 <c:pt idx="110">
-                  <c:v>-182.966543229748</c:v>
+                  <c:v>-182.9665432297479</c:v>
                 </c:pt>
                 <c:pt idx="111">
                   <c:v>-178.696247183221</c:v>
@@ -24928,7 +24936,7 @@
                   <c:v>-133.958224816284</c:v>
                 </c:pt>
                 <c:pt idx="123">
-                  <c:v>-130.139704282167</c:v>
+                  <c:v>-130.1397042821669</c:v>
                 </c:pt>
                 <c:pt idx="124">
                   <c:v>-126.368598292069</c:v>
@@ -24955,10 +24963,10 @@
                   <c:v>-101.406846917811</c:v>
                 </c:pt>
                 <c:pt idx="132">
-                  <c:v>-98.0588873649932</c:v>
+                  <c:v>-98.05888736499318</c:v>
                 </c:pt>
                 <c:pt idx="133">
-                  <c:v>-94.7677067328091</c:v>
+                  <c:v>-94.76770673280909</c:v>
                 </c:pt>
                 <c:pt idx="134">
                   <c:v>-91.5341573129153</c:v>
@@ -24979,31 +24987,31 @@
                   <c:v>-76.2635398953237</c:v>
                 </c:pt>
                 <c:pt idx="140">
-                  <c:v>-73.3894123093885</c:v>
+                  <c:v>-73.38941230938849</c:v>
                 </c:pt>
                 <c:pt idx="141">
                   <c:v>-70.57823856881311</c:v>
                 </c:pt>
                 <c:pt idx="142">
-                  <c:v>-67.8284587324641</c:v>
+                  <c:v>-67.82845873246406</c:v>
                 </c:pt>
                 <c:pt idx="143">
-                  <c:v>-65.13984750891839</c:v>
+                  <c:v>-65.13984750891838</c:v>
                 </c:pt>
                 <c:pt idx="144">
                   <c:v>-62.5124680591789</c:v>
                 </c:pt>
                 <c:pt idx="145">
-                  <c:v>-59.9463835442486</c:v>
+                  <c:v>-59.94638354424859</c:v>
                 </c:pt>
                 <c:pt idx="146">
-                  <c:v>-57.4416571251303</c:v>
+                  <c:v>-57.44165712513029</c:v>
                 </c:pt>
                 <c:pt idx="147">
                   <c:v>-54.9997118612808</c:v>
                 </c:pt>
                 <c:pt idx="148">
-                  <c:v>-52.6195205856691</c:v>
+                  <c:v>-52.61952058566909</c:v>
                 </c:pt>
                 <c:pt idx="149">
                   <c:v>-50.3003589370323</c:v>
@@ -25012,7 +25020,7 @@
                   <c:v>-48.0419920317704</c:v>
                 </c:pt>
                 <c:pt idx="151">
-                  <c:v>-45.8441849862832</c:v>
+                  <c:v>-45.84418498628319</c:v>
                 </c:pt>
                 <c:pt idx="152">
                   <c:v>-43.7067029169707</c:v>
@@ -25036,7 +25044,7 @@
                   <c:v>-32.136995836531</c:v>
                 </c:pt>
                 <c:pt idx="159">
-                  <c:v>-30.4126168363778</c:v>
+                  <c:v>-30.41261683637779</c:v>
                 </c:pt>
                 <c:pt idx="160">
                   <c:v>-28.7455747393096</c:v>
@@ -25045,7 +25053,7 @@
                   <c:v>-27.1344692888101</c:v>
                 </c:pt>
                 <c:pt idx="162">
-                  <c:v>-25.578597235947</c:v>
+                  <c:v>-25.57859723594699</c:v>
                 </c:pt>
                 <c:pt idx="163">
                   <c:v>-24.0772553317881</c:v>
@@ -25054,13 +25062,13 @@
                   <c:v>-22.6297403274012</c:v>
                 </c:pt>
                 <c:pt idx="165">
-                  <c:v>-21.2356966838223</c:v>
+                  <c:v>-21.23569668382229</c:v>
                 </c:pt>
                 <c:pt idx="166">
                   <c:v>-19.8947171185383</c:v>
                 </c:pt>
                 <c:pt idx="167">
-                  <c:v>-18.6052307777202</c:v>
+                  <c:v>-18.60523077772019</c:v>
                 </c:pt>
                 <c:pt idx="168">
                   <c:v>-17.3663660577937</c:v>
@@ -25093,16 +25101,16 @@
                   <c:v>-8.35067619347452</c:v>
                 </c:pt>
                 <c:pt idx="178">
-                  <c:v>-7.56849962946644</c:v>
+                  <c:v>-7.568499629466439</c:v>
                 </c:pt>
                 <c:pt idx="179">
-                  <c:v>-6.82634232019891</c:v>
+                  <c:v>-6.826342320198909</c:v>
                 </c:pt>
                 <c:pt idx="180">
                   <c:v>-6.12312189315962</c:v>
                 </c:pt>
                 <c:pt idx="181">
-                  <c:v>-5.45775597583622</c:v>
+                  <c:v>-5.457755975836219</c:v>
                 </c:pt>
                 <c:pt idx="182">
                   <c:v>-4.82916219571641</c:v>
@@ -25174,7 +25182,7 @@
                   <c:v>1.92618239297529</c:v>
                 </c:pt>
                 <c:pt idx="205">
-                  <c:v>2.01148763990824</c:v>
+                  <c:v>2.011487639908239</c:v>
                 </c:pt>
                 <c:pt idx="206">
                   <c:v>2.0854770409481</c:v>
@@ -25234,16 +25242,16 @@
                   <c:v>2.43330885318836</c:v>
                 </c:pt>
                 <c:pt idx="225">
-                  <c:v>2.44004817252326</c:v>
+                  <c:v>2.440048172523259</c:v>
                 </c:pt>
                 <c:pt idx="226">
                   <c:v>2.44886199689062</c:v>
                 </c:pt>
                 <c:pt idx="227">
-                  <c:v>2.46124260247887</c:v>
+                  <c:v>2.461242602478869</c:v>
                 </c:pt>
                 <c:pt idx="228">
-                  <c:v>2.47646523738885</c:v>
+                  <c:v>2.476465237388849</c:v>
                 </c:pt>
                 <c:pt idx="229">
                   <c:v>2.49477548634606</c:v>
@@ -25261,7 +25269,7 @@
                   <c:v>2.60533160086011</c:v>
                 </c:pt>
                 <c:pt idx="234">
-                  <c:v>2.64416513306028</c:v>
+                  <c:v>2.644165133060279</c:v>
                 </c:pt>
                 <c:pt idx="235">
                   <c:v>2.68743609210748</c:v>
@@ -25279,7 +25287,7 @@
                   <c:v>2.90769229453479</c:v>
                 </c:pt>
                 <c:pt idx="240">
-                  <c:v>2.97561069575572</c:v>
+                  <c:v>2.975610695755719</c:v>
                 </c:pt>
                 <c:pt idx="241">
                   <c:v>3.04832771870104</c:v>
@@ -25315,7 +25323,7 @@
                   <c:v>4.02697007504913</c:v>
                 </c:pt>
                 <c:pt idx="252">
-                  <c:v>4.14694807943747</c:v>
+                  <c:v>4.146948079437469</c:v>
                 </c:pt>
                 <c:pt idx="253">
                   <c:v>4.2699178955985</c:v>
@@ -25333,7 +25341,7 @@
                   <c:v>4.78608876892058</c:v>
                 </c:pt>
                 <c:pt idx="258">
-                  <c:v>4.92005382028669</c:v>
+                  <c:v>4.920053820286689</c:v>
                 </c:pt>
                 <c:pt idx="259">
                   <c:v>5.05521935068052</c:v>
@@ -25342,10 +25350,10 @@
                   <c:v>5.19124266748207</c:v>
                 </c:pt>
                 <c:pt idx="261">
-                  <c:v>5.3277810780714</c:v>
+                  <c:v>5.327781078071398</c:v>
                 </c:pt>
                 <c:pt idx="262">
-                  <c:v>5.46449188982851</c:v>
+                  <c:v>5.464491889828509</c:v>
                 </c:pt>
                 <c:pt idx="263">
                   <c:v>5.60105097290952</c:v>
@@ -25360,22 +25368,22 @@
                   <c:v>6.0064828896944</c:v>
                 </c:pt>
                 <c:pt idx="267">
-                  <c:v>6.13890679016941</c:v>
+                  <c:v>6.138906790169409</c:v>
                 </c:pt>
                 <c:pt idx="268">
                   <c:v>6.26936773213959</c:v>
                 </c:pt>
                 <c:pt idx="269">
-                  <c:v>6.39750302269819</c:v>
+                  <c:v>6.397503022698189</c:v>
                 </c:pt>
                 <c:pt idx="270">
-                  <c:v>6.5229057292774</c:v>
+                  <c:v>6.522905729277398</c:v>
                 </c:pt>
                 <c:pt idx="271">
                   <c:v>6.64526808284602</c:v>
                 </c:pt>
                 <c:pt idx="272">
-                  <c:v>6.76423604633205</c:v>
+                  <c:v>6.764236046332049</c:v>
                 </c:pt>
                 <c:pt idx="273">
                   <c:v>6.87945558266352</c:v>
@@ -25387,7 +25395,7 @@
                   <c:v>7.09723322557479</c:v>
                 </c:pt>
                 <c:pt idx="276">
-                  <c:v>7.1989345141094</c:v>
+                  <c:v>7.198934514109398</c:v>
                 </c:pt>
                 <c:pt idx="277">
                   <c:v>7.2954754107346</c:v>
@@ -25417,13 +25425,13 @@
                   <c:v>7.8428824431148</c:v>
                 </c:pt>
                 <c:pt idx="286">
-                  <c:v>7.87858793776853</c:v>
+                  <c:v>7.878587937768529</c:v>
                 </c:pt>
                 <c:pt idx="287">
                   <c:v>7.90610244939229</c:v>
                 </c:pt>
                 <c:pt idx="288">
-                  <c:v>7.92488111103989</c:v>
+                  <c:v>7.924881111039889</c:v>
                 </c:pt>
                 <c:pt idx="289">
                   <c:v>7.93478040254538</c:v>
@@ -25432,7 +25440,7 @@
                   <c:v>7.93575698525153</c:v>
                 </c:pt>
                 <c:pt idx="291">
-                  <c:v>7.92759906732516</c:v>
+                  <c:v>7.927599067325159</c:v>
                 </c:pt>
                 <c:pt idx="292">
                   <c:v>7.91009485693306</c:v>
@@ -25441,7 +25449,7 @@
                   <c:v>7.88303256224206</c:v>
                 </c:pt>
                 <c:pt idx="294">
-                  <c:v>7.84590794828645</c:v>
+                  <c:v>7.845907948286448</c:v>
                 </c:pt>
                 <c:pt idx="295">
                   <c:v>7.79852665150376</c:v>
@@ -25450,7 +25458,7 @@
                   <c:v>7.74109734677461</c:v>
                 </c:pt>
                 <c:pt idx="297">
-                  <c:v>7.67350680691447</c:v>
+                  <c:v>7.673506806914469</c:v>
                 </c:pt>
                 <c:pt idx="298">
                   <c:v>7.59564180473881</c:v>
@@ -25459,13 +25467,13 @@
                   <c:v>7.50738911306309</c:v>
                 </c:pt>
                 <c:pt idx="300">
-                  <c:v>7.40836405631589</c:v>
+                  <c:v>7.408364056315889</c:v>
                 </c:pt>
                 <c:pt idx="301">
                   <c:v>7.29824534755478</c:v>
                 </c:pt>
                 <c:pt idx="302">
-                  <c:v>7.17757035364281</c:v>
+                  <c:v>7.177570353642809</c:v>
                 </c:pt>
                 <c:pt idx="303">
                   <c:v>7.04635354567833</c:v>
@@ -25474,7 +25482,7 @@
                   <c:v>6.9046093947597</c:v>
                 </c:pt>
                 <c:pt idx="305">
-                  <c:v>6.75235237198527</c:v>
+                  <c:v>6.752352371985269</c:v>
                 </c:pt>
                 <c:pt idx="306">
                   <c:v>6.58940901186371</c:v>
@@ -25492,7 +25500,7 @@
                   <c:v>5.83182142890706</c:v>
                 </c:pt>
                 <c:pt idx="311">
-                  <c:v>5.61750161941657</c:v>
+                  <c:v>5.617501619416568</c:v>
                 </c:pt>
                 <c:pt idx="312">
                   <c:v>5.3934724883794</c:v>
@@ -25510,13 +25518,13 @@
                   <c:v>4.4023175890178</c:v>
                 </c:pt>
                 <c:pt idx="317">
-                  <c:v>4.13317017943321</c:v>
+                  <c:v>4.133170179433209</c:v>
                 </c:pt>
                 <c:pt idx="318">
                   <c:v>3.85609984270028</c:v>
                 </c:pt>
                 <c:pt idx="319">
-                  <c:v>3.57068942734323</c:v>
+                  <c:v>3.570689427343229</c:v>
                 </c:pt>
                 <c:pt idx="320">
                   <c:v>3.27804097522208</c:v>
@@ -25525,7 +25533,7 @@
                   <c:v>2.97864640256613</c:v>
                 </c:pt>
                 <c:pt idx="322">
-                  <c:v>2.67294330494968</c:v>
+                  <c:v>2.672943304949679</c:v>
                 </c:pt>
                 <c:pt idx="323">
                   <c:v>2.36136927794694</c:v>
@@ -25588,7 +25596,7 @@
                   <c:v>-4.01476819764375</c:v>
                 </c:pt>
                 <c:pt idx="343">
-                  <c:v>-4.33596601849675</c:v>
+                  <c:v>-4.335966018496749</c:v>
                 </c:pt>
                 <c:pt idx="344">
                   <c:v>-4.65171511162706</c:v>
@@ -25621,10 +25629,10 @@
                   <c:v>-7.18556917887032</c:v>
                 </c:pt>
                 <c:pt idx="354">
-                  <c:v>-7.42559890868565</c:v>
+                  <c:v>-7.425598908685649</c:v>
                 </c:pt>
                 <c:pt idx="355">
-                  <c:v>-7.65603686663813</c:v>
+                  <c:v>-7.656036866638129</c:v>
                 </c:pt>
                 <c:pt idx="356">
                   <c:v>-7.87587287497522</c:v>
@@ -25648,7 +25656,7 @@
                   <c:v>-8.97801295039503</c:v>
                 </c:pt>
                 <c:pt idx="363">
-                  <c:v>-9.1233794200985</c:v>
+                  <c:v>-9.123379420098496</c:v>
                 </c:pt>
                 <c:pt idx="364">
                   <c:v>-9.25778443742494</c:v>
@@ -25666,7 +25674,7 @@
                   <c:v>-9.6844388859945</c:v>
                 </c:pt>
                 <c:pt idx="369">
-                  <c:v>-9.76283010047757</c:v>
+                  <c:v>-9.762830100477568</c:v>
                 </c:pt>
                 <c:pt idx="370">
                   <c:v>-9.83031461631189</c:v>
@@ -25678,7 +25686,7 @@
                   <c:v>-9.93297443785888</c:v>
                 </c:pt>
                 <c:pt idx="373">
-                  <c:v>-9.968355186483871</c:v>
+                  <c:v>-9.968355186483869</c:v>
                 </c:pt>
                 <c:pt idx="374">
                   <c:v>-9.99279232612734</c:v>
@@ -25720,7 +25728,7 @@
                   <c:v>-9.53765933367667</c:v>
                 </c:pt>
                 <c:pt idx="387">
-                  <c:v>-9.44472368797082</c:v>
+                  <c:v>-9.444723687970816</c:v>
                 </c:pt>
                 <c:pt idx="388">
                   <c:v>-9.34462405253953</c:v>
@@ -25738,7 +25746,7 @@
                   <c:v>-8.87837504082866</c:v>
                 </c:pt>
                 <c:pt idx="393">
-                  <c:v>-8.74682908576076</c:v>
+                  <c:v>-8.746829085760758</c:v>
                 </c:pt>
                 <c:pt idx="394">
                   <c:v>-8.60984288253412</c:v>
@@ -25762,13 +25770,13 @@
                   <c:v>-7.68978242072651</c:v>
                 </c:pt>
                 <c:pt idx="401">
-                  <c:v>-7.5226772677394</c:v>
+                  <c:v>-7.522677267739398</c:v>
                 </c:pt>
                 <c:pt idx="402">
-                  <c:v>-7.35230074612923</c:v>
+                  <c:v>-7.352300746129229</c:v>
                 </c:pt>
                 <c:pt idx="403">
-                  <c:v>-7.17890763893677</c:v>
+                  <c:v>-7.178907638936769</c:v>
                 </c:pt>
                 <c:pt idx="404">
                   <c:v>-7.00275938203273</c:v>
@@ -25777,10 +25785,10 @@
                   <c:v>-6.82431946021468</c:v>
                 </c:pt>
                 <c:pt idx="406">
-                  <c:v>-6.64358980858195</c:v>
+                  <c:v>-6.643589808581948</c:v>
                 </c:pt>
                 <c:pt idx="407">
-                  <c:v>-6.46078877584505</c:v>
+                  <c:v>-6.460788775845049</c:v>
                 </c:pt>
                 <c:pt idx="408">
                   <c:v>-6.27613471071449</c:v>
@@ -25789,13 +25797,13 @@
                   <c:v>-6.08984596190081</c:v>
                 </c:pt>
                 <c:pt idx="410">
-                  <c:v>-5.90214087811449</c:v>
+                  <c:v>-5.902140878114489</c:v>
                 </c:pt>
                 <c:pt idx="411">
                   <c:v>-5.7134466329262</c:v>
                 </c:pt>
                 <c:pt idx="412">
-                  <c:v>-5.52376427828195</c:v>
+                  <c:v>-5.523764278281948</c:v>
                 </c:pt>
                 <c:pt idx="413">
                   <c:v>-5.33324856528988</c:v>
@@ -25807,7 +25815,7 @@
                   <c:v>-4.95043818349752</c:v>
                 </c:pt>
                 <c:pt idx="416">
-                  <c:v>-4.7585040743149</c:v>
+                  <c:v>-4.758504074314899</c:v>
                 </c:pt>
                 <c:pt idx="417">
                   <c:v>-4.56662608654618</c:v>
@@ -25837,10 +25845,10 @@
                   <c:v>-3.04605888889964</c:v>
                 </c:pt>
                 <c:pt idx="426">
-                  <c:v>-2.85984097458549</c:v>
+                  <c:v>-2.859840974585489</c:v>
                 </c:pt>
                 <c:pt idx="427">
-                  <c:v>-2.67484693772373</c:v>
+                  <c:v>-2.674846937723729</c:v>
                 </c:pt>
                 <c:pt idx="428">
                   <c:v>-2.49118915497282</c:v>
@@ -25933,13 +25941,13 @@
                   <c:v>1.90432869800132</c:v>
                 </c:pt>
                 <c:pt idx="458">
-                  <c:v>2.0167358368286</c:v>
+                  <c:v>2.016735836828599</c:v>
                 </c:pt>
                 <c:pt idx="459">
                   <c:v>2.12630265936713</c:v>
                 </c:pt>
                 <c:pt idx="460">
-                  <c:v>2.23297510405862</c:v>
+                  <c:v>2.232975104058619</c:v>
                 </c:pt>
                 <c:pt idx="461">
                   <c:v>2.33678374128693</c:v>
@@ -25978,7 +25986,7 @@
                   <c:v>3.29010923095502</c:v>
                 </c:pt>
                 <c:pt idx="473">
-                  <c:v>3.35966586249516</c:v>
+                  <c:v>3.359665862495159</c:v>
                 </c:pt>
                 <c:pt idx="474">
                   <c:v>3.42638683291689</c:v>
@@ -26002,7 +26010,7 @@
                   <c:v>3.76738096711016</c:v>
                 </c:pt>
                 <c:pt idx="481">
-                  <c:v>3.81436532395678</c:v>
+                  <c:v>3.814365323956779</c:v>
                 </c:pt>
                 <c:pt idx="482">
                   <c:v>3.85855035850378</c:v>
@@ -26017,13 +26025,13 @@
                   <c:v>3.97434963222567</c:v>
                 </c:pt>
                 <c:pt idx="486">
-                  <c:v>4.00738175905943</c:v>
+                  <c:v>4.007381759059429</c:v>
                 </c:pt>
                 <c:pt idx="487">
                   <c:v>4.03764353445619</c:v>
                 </c:pt>
                 <c:pt idx="488">
-                  <c:v>4.06514155925882</c:v>
+                  <c:v>4.065141559258819</c:v>
                 </c:pt>
                 <c:pt idx="489">
                   <c:v>4.08988243431017</c:v>
@@ -26032,10 +26040,10 @@
                   <c:v>4.11187118699948</c:v>
                 </c:pt>
                 <c:pt idx="491">
-                  <c:v>4.13110555481993</c:v>
+                  <c:v>4.131105554819929</c:v>
                 </c:pt>
                 <c:pt idx="492">
-                  <c:v>4.14760481568538</c:v>
+                  <c:v>4.147604815685379</c:v>
                 </c:pt>
                 <c:pt idx="493">
                   <c:v>4.16137755978367</c:v>
@@ -26044,7 +26052,7 @@
                   <c:v>4.17243237730263</c:v>
                 </c:pt>
                 <c:pt idx="495">
-                  <c:v>4.18077785843009</c:v>
+                  <c:v>4.180777858430089</c:v>
                 </c:pt>
                 <c:pt idx="496">
                   <c:v>4.18642259335389</c:v>
@@ -26053,28 +26061,28 @@
                   <c:v>4.18936132187175</c:v>
                 </c:pt>
                 <c:pt idx="498">
-                  <c:v>4.18961861011675</c:v>
+                  <c:v>4.189618610116749</c:v>
                 </c:pt>
                 <c:pt idx="499">
-                  <c:v>4.18720547774569</c:v>
+                  <c:v>4.187205477745689</c:v>
                 </c:pt>
                 <c:pt idx="500">
-                  <c:v>4.18213280367321</c:v>
+                  <c:v>4.182132803673209</c:v>
                 </c:pt>
                 <c:pt idx="501">
-                  <c:v>4.17441146681398</c:v>
+                  <c:v>4.174411466813979</c:v>
                 </c:pt>
                 <c:pt idx="502">
-                  <c:v>4.16405234608263</c:v>
+                  <c:v>4.164052346082629</c:v>
                 </c:pt>
                 <c:pt idx="503">
-                  <c:v>4.15105637965087</c:v>
+                  <c:v>4.151056379650869</c:v>
                 </c:pt>
                 <c:pt idx="504">
                   <c:v>4.13544427478276</c:v>
                 </c:pt>
                 <c:pt idx="505">
-                  <c:v>4.11723052937315</c:v>
+                  <c:v>4.117230529373149</c:v>
                 </c:pt>
                 <c:pt idx="506">
                   <c:v>4.09642791339353</c:v>
@@ -26098,7 +26106,7 @@
                   <c:v>3.91792961842453</c:v>
                 </c:pt>
                 <c:pt idx="513">
-                  <c:v>3.87936814044423</c:v>
+                  <c:v>3.879368140444229</c:v>
                 </c:pt>
                 <c:pt idx="514">
                   <c:v>3.83832999824769</c:v>
@@ -26116,7 +26124,7 @@
                   <c:v>3.64965952555</c:v>
                 </c:pt>
                 <c:pt idx="519">
-                  <c:v>3.59646852970134</c:v>
+                  <c:v>3.596468529701339</c:v>
                 </c:pt>
                 <c:pt idx="520">
                   <c:v>3.54090549500475</c:v>
@@ -26125,7 +26133,7 @@
                   <c:v>3.48297052433748</c:v>
                 </c:pt>
                 <c:pt idx="522">
-                  <c:v>3.4226804655408</c:v>
+                  <c:v>3.422680465540799</c:v>
                 </c:pt>
                 <c:pt idx="523">
                   <c:v>3.36008244116487</c:v>
@@ -26143,7 +26151,7 @@
                   <c:v>3.08708579572342</c:v>
                 </c:pt>
                 <c:pt idx="528">
-                  <c:v>3.01325993985815</c:v>
+                  <c:v>3.013259939858149</c:v>
                 </c:pt>
                 <c:pt idx="529">
                   <c:v>2.93728753233361</c:v>
@@ -26173,7 +26181,7 @@
                   <c:v>2.25621090024336</c:v>
                 </c:pt>
                 <c:pt idx="538">
-                  <c:v>2.16254246011322</c:v>
+                  <c:v>2.162542460113219</c:v>
                 </c:pt>
                 <c:pt idx="539">
                   <c:v>2.06713875787583</c:v>
@@ -26308,7 +26316,7 @@
                   <c:v>-2.57886925944708</c:v>
                 </c:pt>
                 <c:pt idx="583">
-                  <c:v>-2.66764693796366</c:v>
+                  <c:v>-2.667646937963659</c:v>
                 </c:pt>
                 <c:pt idx="584">
                   <c:v>-2.75407117684614</c:v>
@@ -26335,7 +26343,7 @@
                   <c:v>-3.28620357099278</c:v>
                 </c:pt>
                 <c:pt idx="592">
-                  <c:v>-3.35095267785186</c:v>
+                  <c:v>-3.350952677851859</c:v>
                 </c:pt>
                 <c:pt idx="593">
                   <c:v>-3.41272418404602</c:v>
@@ -26410,10 +26418,10 @@
                   <c:v>-3.9357142695272</c:v>
                 </c:pt>
                 <c:pt idx="617">
-                  <c:v>-3.91924376054464</c:v>
+                  <c:v>-3.919243760544639</c:v>
                 </c:pt>
                 <c:pt idx="618">
-                  <c:v>-3.89971853532928</c:v>
+                  <c:v>-3.899718535329279</c:v>
                 </c:pt>
                 <c:pt idx="619">
                   <c:v>-3.87714857866343</c:v>
@@ -26425,7 +26433,7 @@
                   <c:v>-3.82299754006654</c:v>
                 </c:pt>
                 <c:pt idx="622">
-                  <c:v>-3.79161093698827</c:v>
+                  <c:v>-3.791610936988269</c:v>
                 </c:pt>
                 <c:pt idx="623">
                   <c:v>-3.75742703994938</c:v>
@@ -26452,7 +26460,7 @@
                   <c:v>-3.4445326798867</c:v>
                 </c:pt>
                 <c:pt idx="631">
-                  <c:v>-3.39016183593322</c:v>
+                  <c:v>-3.390161835933219</c:v>
                 </c:pt>
                 <c:pt idx="632">
                   <c:v>-3.33353719458713</c:v>
@@ -26482,7 +26490,7 @@
                   <c:v>-2.81056273728571</c:v>
                 </c:pt>
                 <c:pt idx="641">
-                  <c:v>-2.73761999604876</c:v>
+                  <c:v>-2.737619996048759</c:v>
                 </c:pt>
                 <c:pt idx="642">
                   <c:v>-2.66326078483533</c:v>
@@ -26497,7 +26505,7 @@
                   <c:v>-2.43249435227714</c:v>
                 </c:pt>
                 <c:pt idx="646">
-                  <c:v>-2.35327092347575</c:v>
+                  <c:v>-2.353270923475749</c:v>
                 </c:pt>
                 <c:pt idx="647">
                   <c:v>-2.27302568179392</c:v>
@@ -26692,7 +26700,7 @@
                   <c:v>2.14801804105038</c:v>
                 </c:pt>
                 <c:pt idx="711">
-                  <c:v>2.17925763004422</c:v>
+                  <c:v>2.179257630044219</c:v>
                 </c:pt>
                 <c:pt idx="712">
                   <c:v>2.20874514380156</c:v>
@@ -26719,10 +26727,10 @@
                   <c:v>2.36629501696041</c:v>
                 </c:pt>
                 <c:pt idx="720">
-                  <c:v>2.38175507487818</c:v>
+                  <c:v>2.381755074878179</c:v>
                 </c:pt>
                 <c:pt idx="721">
-                  <c:v>2.39545387111408</c:v>
+                  <c:v>2.395453871114079</c:v>
                 </c:pt>
                 <c:pt idx="722">
                   <c:v>2.40739088124585</c:v>
@@ -26734,13 +26742,13 @@
                   <c:v>2.42595216052214</c:v>
                 </c:pt>
                 <c:pt idx="725">
-                  <c:v>2.43257846241682</c:v>
+                  <c:v>2.432578462416819</c:v>
                 </c:pt>
                 <c:pt idx="726">
-                  <c:v>2.43744930922566</c:v>
+                  <c:v>2.437449309225659</c:v>
                 </c:pt>
                 <c:pt idx="727">
-                  <c:v>2.44056847454824</c:v>
+                  <c:v>2.440568474548239</c:v>
                 </c:pt>
                 <c:pt idx="728">
                   <c:v>2.44193973198415</c:v>
@@ -26770,7 +26778,7 @@
                   <c:v>2.39047070601859</c:v>
                 </c:pt>
                 <c:pt idx="737">
-                  <c:v>2.37636221414061</c:v>
+                  <c:v>2.376362214140609</c:v>
                 </c:pt>
                 <c:pt idx="738">
                   <c:v>2.36059295906217</c:v>
@@ -26812,7 +26820,7 @@
                   <c:v>2.04713117631528</c:v>
                 </c:pt>
                 <c:pt idx="751">
-                  <c:v>2.01124841388347</c:v>
+                  <c:v>2.011248413883469</c:v>
                 </c:pt>
                 <c:pt idx="752">
                   <c:v>1.97398081939485</c:v>
@@ -27073,7 +27081,7 @@
                   <c:v>-2.06664350852924</c:v>
                 </c:pt>
                 <c:pt idx="838">
-                  <c:v>-2.07407538440326</c:v>
+                  <c:v>-2.074075384403259</c:v>
                 </c:pt>
                 <c:pt idx="839">
                   <c:v>-2.07985154418844</c:v>
@@ -27082,7 +27090,7 @@
                   <c:v>-2.08394821745587</c:v>
                 </c:pt>
                 <c:pt idx="841">
-                  <c:v>-2.08635499392868</c:v>
+                  <c:v>-2.086354993928679</c:v>
                 </c:pt>
                 <c:pt idx="842">
                   <c:v>-2.08712529057016</c:v>
@@ -27121,7 +27129,7 @@
                   <c:v>-1.99117810150064</c:v>
                 </c:pt>
                 <c:pt idx="854">
-                  <c:v>-1.97342445772796</c:v>
+                  <c:v>-1.973424457727959</c:v>
                 </c:pt>
                 <c:pt idx="855">
                   <c:v>-1.95427601498103</c:v>
@@ -27430,7 +27438,7 @@
                   <c:v>1.40108266779602</c:v>
                 </c:pt>
                 <c:pt idx="957">
-                  <c:v>1.40334130267243</c:v>
+                  <c:v>1.403341302672429</c:v>
                 </c:pt>
                 <c:pt idx="958">
                   <c:v>1.40458445740113</c:v>
@@ -27571,11 +27579,11 @@
           <c:showPercent val="0"/>
           <c:showBubbleSize val="0"/>
         </c:dLbls>
-        <c:axId val="2073897176"/>
-        <c:axId val="2073987720"/>
+        <c:axId val="-2113262664"/>
+        <c:axId val="-2113256648"/>
       </c:scatterChart>
       <c:valAx>
-        <c:axId val="2073897176"/>
+        <c:axId val="-2113262664"/>
         <c:scaling>
           <c:orientation val="minMax"/>
           <c:max val="10.0"/>
@@ -27592,18 +27600,26 @@
                   <a:defRPr/>
                 </a:pPr>
                 <a:r>
-                  <a:rPr lang="en-US"/>
-                  <a:t>r [</a:t>
+                  <a:rPr lang="en-US" dirty="0" smtClean="0"/>
+                  <a:t>k </a:t>
                 </a:r>
                 <a:r>
-                  <a:rPr lang="fr-FR"/>
-                  <a:t>Å </a:t>
+                  <a:rPr lang="en-US" dirty="0"/>
+                  <a:t>[</a:t>
                 </a:r>
                 <a:r>
-                  <a:rPr lang="en-US"/>
+                  <a:rPr lang="fr-FR" dirty="0" smtClean="0"/>
+                  <a:t>Å</a:t>
+                </a:r>
+                <a:r>
+                  <a:rPr lang="fr-FR" baseline="30000" dirty="0" smtClean="0"/>
+                  <a:t>-1</a:t>
+                </a:r>
+                <a:r>
+                  <a:rPr lang="en-US" dirty="0" smtClean="0"/>
                   <a:t>]</a:t>
                 </a:r>
-                <a:endParaRPr lang="zh-CN"/>
+                <a:endParaRPr lang="zh-CN" dirty="0"/>
               </a:p>
             </c:rich>
           </c:tx>
@@ -27621,12 +27637,12 @@
             </a:solidFill>
           </a:ln>
         </c:spPr>
-        <c:crossAx val="2073987720"/>
+        <c:crossAx val="-2113256648"/>
         <c:crosses val="autoZero"/>
         <c:crossBetween val="midCat"/>
       </c:valAx>
       <c:valAx>
-        <c:axId val="2073987720"/>
+        <c:axId val="-2113256648"/>
         <c:scaling>
           <c:orientation val="minMax"/>
         </c:scaling>
@@ -27643,7 +27659,7 @@
             </a:solidFill>
           </a:ln>
         </c:spPr>
-        <c:crossAx val="2073897176"/>
+        <c:crossAx val="-2113262664"/>
         <c:crosses val="autoZero"/>
         <c:crossBetween val="midCat"/>
       </c:valAx>
@@ -27885,7 +27901,7 @@
                   <c:v>2.27029157</c:v>
                 </c:pt>
                 <c:pt idx="38">
-                  <c:v>2.3316508</c:v>
+                  <c:v>2.331650799999999</c:v>
                 </c:pt>
                 <c:pt idx="39">
                   <c:v>2.39301003</c:v>
@@ -27894,16 +27910,16 @@
                   <c:v>2.45436926</c:v>
                 </c:pt>
                 <c:pt idx="41">
-                  <c:v>2.51572849</c:v>
+                  <c:v>2.515728489999999</c:v>
                 </c:pt>
                 <c:pt idx="42">
                   <c:v>2.57708772</c:v>
                 </c:pt>
                 <c:pt idx="43">
-                  <c:v>2.63844696</c:v>
+                  <c:v>2.638446959999999</c:v>
                 </c:pt>
                 <c:pt idx="44">
-                  <c:v>2.69980619</c:v>
+                  <c:v>2.699806189999999</c:v>
                 </c:pt>
                 <c:pt idx="45">
                   <c:v>2.76116542</c:v>
@@ -27915,7 +27931,7 @@
                   <c:v>2.88388388</c:v>
                 </c:pt>
                 <c:pt idx="48">
-                  <c:v>2.94524311</c:v>
+                  <c:v>2.945243109999999</c:v>
                 </c:pt>
                 <c:pt idx="49">
                   <c:v>3.00660234</c:v>
@@ -27945,7 +27961,7 @@
                   <c:v>3.4974762</c:v>
                 </c:pt>
                 <c:pt idx="58">
-                  <c:v>3.55883543</c:v>
+                  <c:v>3.558835429999999</c:v>
                 </c:pt>
                 <c:pt idx="59">
                   <c:v>3.62019466</c:v>
@@ -27981,13 +27997,13 @@
                   <c:v>4.23378697</c:v>
                 </c:pt>
                 <c:pt idx="70">
-                  <c:v>4.29514621</c:v>
+                  <c:v>4.295146209999999</c:v>
                 </c:pt>
                 <c:pt idx="71">
-                  <c:v>4.35650544</c:v>
+                  <c:v>4.356505439999999</c:v>
                 </c:pt>
                 <c:pt idx="72">
-                  <c:v>4.41786467</c:v>
+                  <c:v>4.417864669999999</c:v>
                 </c:pt>
                 <c:pt idx="73">
                   <c:v>4.4792239</c:v>
@@ -28002,7 +28018,7 @@
                   <c:v>4.6633016</c:v>
                 </c:pt>
                 <c:pt idx="77">
-                  <c:v>4.72466083</c:v>
+                  <c:v>4.724660829999999</c:v>
                 </c:pt>
                 <c:pt idx="78">
                   <c:v>4.78602006</c:v>
@@ -28020,13 +28036,13 @@
                   <c:v>5.03145698</c:v>
                 </c:pt>
                 <c:pt idx="83">
-                  <c:v>5.09281622</c:v>
+                  <c:v>5.092816219999999</c:v>
                 </c:pt>
                 <c:pt idx="84">
-                  <c:v>5.15417545</c:v>
+                  <c:v>5.154175449999999</c:v>
                 </c:pt>
                 <c:pt idx="85">
-                  <c:v>5.21553468</c:v>
+                  <c:v>5.215534679999999</c:v>
                 </c:pt>
                 <c:pt idx="86">
                   <c:v>5.27689391</c:v>
@@ -28041,7 +28057,7 @@
                   <c:v>5.4609716</c:v>
                 </c:pt>
                 <c:pt idx="90">
-                  <c:v>5.52233084</c:v>
+                  <c:v>5.522330839999999</c:v>
                 </c:pt>
                 <c:pt idx="91">
                   <c:v>5.58369007</c:v>
@@ -28059,7 +28075,7 @@
                   <c:v>5.82912699</c:v>
                 </c:pt>
                 <c:pt idx="96">
-                  <c:v>5.89048623</c:v>
+                  <c:v>5.890486229999999</c:v>
                 </c:pt>
                 <c:pt idx="97">
                   <c:v>5.95184546</c:v>
@@ -28080,7 +28096,7 @@
                   <c:v>6.25864161</c:v>
                 </c:pt>
                 <c:pt idx="103">
-                  <c:v>6.32000085</c:v>
+                  <c:v>6.320000849999999</c:v>
                 </c:pt>
                 <c:pt idx="104">
                   <c:v>6.38136008</c:v>
@@ -28089,22 +28105,22 @@
                   <c:v>6.44271931</c:v>
                 </c:pt>
                 <c:pt idx="106">
-                  <c:v>6.50407854</c:v>
+                  <c:v>6.504078539999999</c:v>
                 </c:pt>
                 <c:pt idx="107">
-                  <c:v>6.56543777</c:v>
+                  <c:v>6.565437769999999</c:v>
                 </c:pt>
                 <c:pt idx="108">
                   <c:v>6.626797</c:v>
                 </c:pt>
                 <c:pt idx="109">
-                  <c:v>6.68815624</c:v>
+                  <c:v>6.688156239999999</c:v>
                 </c:pt>
                 <c:pt idx="110">
-                  <c:v>6.74951547</c:v>
+                  <c:v>6.749515469999999</c:v>
                 </c:pt>
                 <c:pt idx="111">
-                  <c:v>6.8108747</c:v>
+                  <c:v>6.810874699999999</c:v>
                 </c:pt>
                 <c:pt idx="112">
                   <c:v>6.87223393</c:v>
@@ -28119,7 +28135,7 @@
                   <c:v>7.05631162</c:v>
                 </c:pt>
                 <c:pt idx="116">
-                  <c:v>7.11767086</c:v>
+                  <c:v>7.117670859999999</c:v>
                 </c:pt>
                 <c:pt idx="117">
                   <c:v>7.17903009</c:v>
@@ -28143,10 +28159,10 @@
                   <c:v>7.54718548</c:v>
                 </c:pt>
                 <c:pt idx="124">
-                  <c:v>7.60854471</c:v>
+                  <c:v>7.608544709999999</c:v>
                 </c:pt>
                 <c:pt idx="125">
-                  <c:v>7.66990394</c:v>
+                  <c:v>7.669903939999999</c:v>
                 </c:pt>
                 <c:pt idx="126">
                   <c:v>7.73126317</c:v>
@@ -28155,7 +28171,7 @@
                   <c:v>7.7926224</c:v>
                 </c:pt>
                 <c:pt idx="128">
-                  <c:v>7.85398163</c:v>
+                  <c:v>7.853981629999999</c:v>
                 </c:pt>
                 <c:pt idx="129">
                   <c:v>7.91534087</c:v>
@@ -28179,7 +28195,7 @@
                   <c:v>8.28349625</c:v>
                 </c:pt>
                 <c:pt idx="136">
-                  <c:v>8.34485549</c:v>
+                  <c:v>8.344855489999998</c:v>
                 </c:pt>
                 <c:pt idx="137">
                   <c:v>8.40621472</c:v>
@@ -28188,7 +28204,7 @@
                   <c:v>8.46757395</c:v>
                 </c:pt>
                 <c:pt idx="139">
-                  <c:v>8.52893318</c:v>
+                  <c:v>8.528933179999997</c:v>
                 </c:pt>
                 <c:pt idx="140">
                   <c:v>8.59029241</c:v>
@@ -28197,10 +28213,10 @@
                   <c:v>8.651651640000001</c:v>
                 </c:pt>
                 <c:pt idx="142">
-                  <c:v>8.71301088</c:v>
+                  <c:v>8.713010879999998</c:v>
                 </c:pt>
                 <c:pt idx="143">
-                  <c:v>8.774370109999999</c:v>
+                  <c:v>8.774370109999998</c:v>
                 </c:pt>
                 <c:pt idx="144">
                   <c:v>8.83572934</c:v>
@@ -28233,7 +28249,7 @@
                   <c:v>9.38796242</c:v>
                 </c:pt>
                 <c:pt idx="154">
-                  <c:v>9.44932165</c:v>
+                  <c:v>9.449321649999998</c:v>
                 </c:pt>
                 <c:pt idx="155">
                   <c:v>9.51068088</c:v>
@@ -28245,7 +28261,7 @@
                   <c:v>9.63339935</c:v>
                 </c:pt>
                 <c:pt idx="158">
-                  <c:v>9.69475858</c:v>
+                  <c:v>9.694758579999998</c:v>
                 </c:pt>
                 <c:pt idx="159">
                   <c:v>9.75611781</c:v>
@@ -28629,7 +28645,7 @@
                   <c:v>17.487381</c:v>
                 </c:pt>
                 <c:pt idx="286">
-                  <c:v>17.5487402</c:v>
+                  <c:v>17.54874019999999</c:v>
                 </c:pt>
                 <c:pt idx="287">
                   <c:v>17.6100994</c:v>
@@ -28659,7 +28675,7 @@
                   <c:v>18.1009733</c:v>
                 </c:pt>
                 <c:pt idx="296">
-                  <c:v>18.1623325</c:v>
+                  <c:v>18.16233249999999</c:v>
                 </c:pt>
                 <c:pt idx="297">
                   <c:v>18.2236918</c:v>
@@ -28698,7 +28714,7 @@
                   <c:v>18.8986433</c:v>
                 </c:pt>
                 <c:pt idx="309">
-                  <c:v>18.9600025</c:v>
+                  <c:v>18.96000249999999</c:v>
                 </c:pt>
                 <c:pt idx="310">
                   <c:v>19.0213618</c:v>
@@ -28710,7 +28726,7 @@
                   <c:v>19.1440802</c:v>
                 </c:pt>
                 <c:pt idx="313">
-                  <c:v>19.2054395</c:v>
+                  <c:v>19.20543949999999</c:v>
                 </c:pt>
                 <c:pt idx="314">
                   <c:v>19.2667987</c:v>
@@ -28827,7 +28843,7 @@
                   <c:v>21.5370903</c:v>
                 </c:pt>
                 <c:pt idx="352">
-                  <c:v>21.5984495</c:v>
+                  <c:v>21.59844949999999</c:v>
                 </c:pt>
                 <c:pt idx="353">
                   <c:v>21.6598087</c:v>
@@ -28836,7 +28852,7 @@
                   <c:v>21.721168</c:v>
                 </c:pt>
                 <c:pt idx="355">
-                  <c:v>21.7825272</c:v>
+                  <c:v>21.78252719999999</c:v>
                 </c:pt>
                 <c:pt idx="356">
                   <c:v>21.8438864</c:v>
@@ -28968,7 +28984,7 @@
                   <c:v>24.4209741</c:v>
                 </c:pt>
                 <c:pt idx="399">
-                  <c:v>24.4823334</c:v>
+                  <c:v>24.48233339999999</c:v>
                 </c:pt>
                 <c:pt idx="400">
                   <c:v>24.5436926</c:v>
@@ -28983,7 +28999,7 @@
                   <c:v>24.7277703</c:v>
                 </c:pt>
                 <c:pt idx="404">
-                  <c:v>24.7891295</c:v>
+                  <c:v>24.78912949999999</c:v>
                 </c:pt>
                 <c:pt idx="405">
                   <c:v>24.8504888</c:v>
@@ -29013,7 +29029,7 @@
                   <c:v>25.3413626</c:v>
                 </c:pt>
                 <c:pt idx="414">
-                  <c:v>25.4027218</c:v>
+                  <c:v>25.40272179999999</c:v>
                 </c:pt>
                 <c:pt idx="415">
                   <c:v>25.4640811</c:v>
@@ -29022,7 +29038,7 @@
                   <c:v>25.5254403</c:v>
                 </c:pt>
                 <c:pt idx="417">
-                  <c:v>25.5867995</c:v>
+                  <c:v>25.58679949999999</c:v>
                 </c:pt>
                 <c:pt idx="418">
                   <c:v>25.6481588</c:v>
@@ -29070,7 +29086,7 @@
                   <c:v>26.507188</c:v>
                 </c:pt>
                 <c:pt idx="433">
-                  <c:v>26.5685472</c:v>
+                  <c:v>26.56854719999999</c:v>
                 </c:pt>
                 <c:pt idx="434">
                   <c:v>26.6299065</c:v>
@@ -29151,7 +29167,7 @@
                   <c:v>28.1638873</c:v>
                 </c:pt>
                 <c:pt idx="460">
-                  <c:v>28.2252465</c:v>
+                  <c:v>28.22524649999999</c:v>
                 </c:pt>
                 <c:pt idx="461">
                   <c:v>28.2866057</c:v>
@@ -29322,7 +29338,7 @@
                   <c:v>31.6613635</c:v>
                 </c:pt>
                 <c:pt idx="517">
-                  <c:v>31.7227227</c:v>
+                  <c:v>31.72272269999999</c:v>
                 </c:pt>
                 <c:pt idx="518">
                   <c:v>31.7840819</c:v>
@@ -29385,7 +29401,7 @@
                   <c:v>32.9499073</c:v>
                 </c:pt>
                 <c:pt idx="538">
-                  <c:v>33.0112666</c:v>
+                  <c:v>33.01126659999999</c:v>
                 </c:pt>
                 <c:pt idx="539">
                   <c:v>33.0726258</c:v>
@@ -29457,7 +29473,7 @@
                   <c:v>34.4225289</c:v>
                 </c:pt>
                 <c:pt idx="562">
-                  <c:v>34.4838881</c:v>
+                  <c:v>34.48388809999999</c:v>
                 </c:pt>
                 <c:pt idx="563">
                   <c:v>34.5452473</c:v>
@@ -29475,7 +29491,7 @@
                   <c:v>34.7906843</c:v>
                 </c:pt>
                 <c:pt idx="568">
-                  <c:v>34.8520435</c:v>
+                  <c:v>34.85204349999999</c:v>
                 </c:pt>
                 <c:pt idx="569">
                   <c:v>34.9134027</c:v>
@@ -29553,7 +29569,7 @@
                   <c:v>36.3860243</c:v>
                 </c:pt>
                 <c:pt idx="594">
-                  <c:v>36.4473835</c:v>
+                  <c:v>36.44738349999999</c:v>
                 </c:pt>
                 <c:pt idx="595">
                   <c:v>36.5087428</c:v>
@@ -29607,7 +29623,7 @@
                   <c:v>37.4904905</c:v>
                 </c:pt>
                 <c:pt idx="612">
-                  <c:v>37.5518497</c:v>
+                  <c:v>37.55184969999999</c:v>
                 </c:pt>
                 <c:pt idx="613">
                   <c:v>37.6132089</c:v>
@@ -29694,7 +29710,7 @@
                   <c:v>39.2699082</c:v>
                 </c:pt>
                 <c:pt idx="641">
-                  <c:v>39.3312674</c:v>
+                  <c:v>39.33126739999999</c:v>
                 </c:pt>
                 <c:pt idx="642">
                   <c:v>39.3926266</c:v>
@@ -29724,7 +29740,7 @@
                   <c:v>39.8835005</c:v>
                 </c:pt>
                 <c:pt idx="651">
-                  <c:v>39.9448597</c:v>
+                  <c:v>39.94485969999999</c:v>
                 </c:pt>
                 <c:pt idx="652">
                   <c:v>40.0062189</c:v>
@@ -29775,7 +29791,7 @@
                   <c:v>40.9266074</c:v>
                 </c:pt>
                 <c:pt idx="668">
-                  <c:v>40.9879667</c:v>
+                  <c:v>40.98796669999999</c:v>
                 </c:pt>
                 <c:pt idx="669">
                   <c:v>41.0493259</c:v>
@@ -29796,7 +29812,7 @@
                   <c:v>41.356122</c:v>
                 </c:pt>
                 <c:pt idx="675">
-                  <c:v>41.4174813</c:v>
+                  <c:v>41.41748129999999</c:v>
                 </c:pt>
                 <c:pt idx="676">
                   <c:v>41.4788405</c:v>
@@ -29841,7 +29857,7 @@
                   <c:v>42.2765105</c:v>
                 </c:pt>
                 <c:pt idx="690">
-                  <c:v>42.3378697</c:v>
+                  <c:v>42.33786969999999</c:v>
                 </c:pt>
                 <c:pt idx="691">
                   <c:v>42.399229</c:v>
@@ -29871,7 +29887,7 @@
                   <c:v>42.8901028</c:v>
                 </c:pt>
                 <c:pt idx="700">
-                  <c:v>42.9514621</c:v>
+                  <c:v>42.95146209999999</c:v>
                 </c:pt>
                 <c:pt idx="701">
                   <c:v>43.0128213</c:v>
@@ -29916,7 +29932,7 @@
                   <c:v>43.8104913</c:v>
                 </c:pt>
                 <c:pt idx="715">
-                  <c:v>43.8718505</c:v>
+                  <c:v>43.87185049999999</c:v>
                 </c:pt>
                 <c:pt idx="716">
                   <c:v>43.9332098</c:v>
@@ -29928,7 +29944,7 @@
                   <c:v>44.0559282</c:v>
                 </c:pt>
                 <c:pt idx="719">
-                  <c:v>44.1172875</c:v>
+                  <c:v>44.11728749999999</c:v>
                 </c:pt>
                 <c:pt idx="720">
                   <c:v>44.1786467</c:v>
@@ -29967,7 +29983,7 @@
                   <c:v>44.8535982</c:v>
                 </c:pt>
                 <c:pt idx="732">
-                  <c:v>44.9149575</c:v>
+                  <c:v>44.91495749999999</c:v>
                 </c:pt>
                 <c:pt idx="733">
                   <c:v>44.9763167</c:v>
@@ -30045,7 +30061,7 @@
                   <c:v>46.4489383</c:v>
                 </c:pt>
                 <c:pt idx="758">
-                  <c:v>46.5102975</c:v>
+                  <c:v>46.51029749999999</c:v>
                 </c:pt>
                 <c:pt idx="759">
                   <c:v>46.5716567</c:v>
@@ -30060,7 +30076,7 @@
                   <c:v>46.7557344</c:v>
                 </c:pt>
                 <c:pt idx="763">
-                  <c:v>46.8170936</c:v>
+                  <c:v>46.81709359999999</c:v>
                 </c:pt>
                 <c:pt idx="764">
                   <c:v>46.8784529</c:v>
@@ -30084,7 +30100,7 @@
                   <c:v>47.2466083</c:v>
                 </c:pt>
                 <c:pt idx="771">
-                  <c:v>47.3079675</c:v>
+                  <c:v>47.30796749999999</c:v>
                 </c:pt>
                 <c:pt idx="772">
                   <c:v>47.3693267</c:v>
@@ -30135,7 +30151,7 @@
                   <c:v>48.2897152</c:v>
                 </c:pt>
                 <c:pt idx="788">
-                  <c:v>48.3510744</c:v>
+                  <c:v>48.35107439999999</c:v>
                 </c:pt>
                 <c:pt idx="789">
                   <c:v>48.4124337</c:v>
@@ -30231,7 +30247,7 @@
                   <c:v>50.2532106</c:v>
                 </c:pt>
                 <c:pt idx="820">
-                  <c:v>50.3145698</c:v>
+                  <c:v>50.31456979999999</c:v>
                 </c:pt>
                 <c:pt idx="821">
                   <c:v>50.3759291</c:v>
@@ -30252,7 +30268,7 @@
                   <c:v>50.6827252</c:v>
                 </c:pt>
                 <c:pt idx="827">
-                  <c:v>50.7440845</c:v>
+                  <c:v>50.74408449999999</c:v>
                 </c:pt>
                 <c:pt idx="828">
                   <c:v>50.8054437</c:v>
@@ -30267,7 +30283,7 @@
                   <c:v>50.9895214</c:v>
                 </c:pt>
                 <c:pt idx="832">
-                  <c:v>51.0508806</c:v>
+                  <c:v>51.05088059999999</c:v>
                 </c:pt>
                 <c:pt idx="833">
                   <c:v>51.1122399</c:v>
@@ -30282,7 +30298,7 @@
                   <c:v>51.2963175</c:v>
                 </c:pt>
                 <c:pt idx="837">
-                  <c:v>51.3576768</c:v>
+                  <c:v>51.35767679999999</c:v>
                 </c:pt>
                 <c:pt idx="838">
                   <c:v>51.419036</c:v>
@@ -30312,7 +30328,7 @@
                   <c:v>51.9099099</c:v>
                 </c:pt>
                 <c:pt idx="847">
-                  <c:v>51.9712691</c:v>
+                  <c:v>51.97126909999999</c:v>
                 </c:pt>
                 <c:pt idx="848">
                   <c:v>52.0326283</c:v>
@@ -30330,7 +30346,7 @@
                   <c:v>52.2780653</c:v>
                 </c:pt>
                 <c:pt idx="853">
-                  <c:v>52.3394245</c:v>
+                  <c:v>52.33942449999999</c:v>
                 </c:pt>
                 <c:pt idx="854">
                   <c:v>52.4007837</c:v>
@@ -30342,7 +30358,7 @@
                   <c:v>52.5235022</c:v>
                 </c:pt>
                 <c:pt idx="857">
-                  <c:v>52.5848614</c:v>
+                  <c:v>52.58486139999999</c:v>
                 </c:pt>
                 <c:pt idx="858">
                   <c:v>52.6462206</c:v>
@@ -30357,7 +30373,7 @@
                   <c:v>52.8302983</c:v>
                 </c:pt>
                 <c:pt idx="862">
-                  <c:v>52.8916576</c:v>
+                  <c:v>52.89165759999999</c:v>
                 </c:pt>
                 <c:pt idx="863">
                   <c:v>52.9530168</c:v>
@@ -30408,7 +30424,7 @@
                   <c:v>53.8734053</c:v>
                 </c:pt>
                 <c:pt idx="879">
-                  <c:v>53.9347645</c:v>
+                  <c:v>53.93476449999999</c:v>
                 </c:pt>
                 <c:pt idx="880">
                   <c:v>53.9961237</c:v>
@@ -30474,7 +30490,7 @@
                   <c:v>55.2233084</c:v>
                 </c:pt>
                 <c:pt idx="901">
-                  <c:v>55.2846676</c:v>
+                  <c:v>55.28466759999999</c:v>
                 </c:pt>
                 <c:pt idx="902">
                   <c:v>55.3460268</c:v>
@@ -30552,7 +30568,7 @@
                   <c:v>56.8186484</c:v>
                 </c:pt>
                 <c:pt idx="927">
-                  <c:v>56.8800076</c:v>
+                  <c:v>56.88000759999999</c:v>
                 </c:pt>
                 <c:pt idx="928">
                   <c:v>56.9413668</c:v>
@@ -30576,7 +30592,7 @@
                   <c:v>57.3095222</c:v>
                 </c:pt>
                 <c:pt idx="935">
-                  <c:v>57.3708815</c:v>
+                  <c:v>57.37088149999999</c:v>
                 </c:pt>
                 <c:pt idx="936">
                   <c:v>57.4322407</c:v>
@@ -30708,7 +30724,7 @@
                   <c:v>60.0093284</c:v>
                 </c:pt>
                 <c:pt idx="979">
-                  <c:v>60.0706877</c:v>
+                  <c:v>60.07068769999999</c:v>
                 </c:pt>
                 <c:pt idx="980">
                   <c:v>60.1320469</c:v>
@@ -30720,10 +30736,10 @@
                   <c:v>60.2547653</c:v>
                 </c:pt>
                 <c:pt idx="983">
-                  <c:v>60.3161246</c:v>
+                  <c:v>60.31612459999999</c:v>
                 </c:pt>
                 <c:pt idx="984">
-                  <c:v>60.3774838</c:v>
+                  <c:v>60.37748379999999</c:v>
                 </c:pt>
                 <c:pt idx="985">
                   <c:v>60.438843</c:v>
@@ -30771,7 +30787,7 @@
                   <c:v>61.2978723</c:v>
                 </c:pt>
                 <c:pt idx="1000">
-                  <c:v>61.3592315</c:v>
+                  <c:v>61.35923149999999</c:v>
                 </c:pt>
                 <c:pt idx="1001">
                   <c:v>61.4205907</c:v>
@@ -30798,7 +30814,7 @@
                   <c:v>61.8501054</c:v>
                 </c:pt>
                 <c:pt idx="1009">
-                  <c:v>61.9114646</c:v>
+                  <c:v>61.91146459999999</c:v>
                 </c:pt>
                 <c:pt idx="1010">
                   <c:v>61.9728238</c:v>
@@ -30870,7 +30886,7 @@
                   <c:v>-461.1253535460962</c:v>
                 </c:pt>
                 <c:pt idx="6">
-                  <c:v>-447.7800874032144</c:v>
+                  <c:v>-447.7800874032143</c:v>
                 </c:pt>
                 <c:pt idx="7">
                   <c:v>-433.203019634955</c:v>
@@ -30882,7 +30898,7 @@
                   <c:v>-400.2178371274101</c:v>
                 </c:pt>
                 <c:pt idx="10">
-                  <c:v>-381.4711705411247</c:v>
+                  <c:v>-381.4711705411245</c:v>
                 </c:pt>
                 <c:pt idx="11">
                   <c:v>-361.026086109852</c:v>
@@ -30891,7 +30907,7 @@
                   <c:v>-338.9048441505704</c:v>
                 </c:pt>
                 <c:pt idx="13">
-                  <c:v>-315.3283850642938</c:v>
+                  <c:v>-315.3283850642937</c:v>
                 </c:pt>
                 <c:pt idx="14">
                   <c:v>-290.7074213987668</c:v>
@@ -30912,7 +30928,7 @@
                   <c:v>-171.2306602693039</c:v>
                 </c:pt>
                 <c:pt idx="20">
-                  <c:v>-151.1498553945215</c:v>
+                  <c:v>-151.1498553945214</c:v>
                 </c:pt>
                 <c:pt idx="21">
                   <c:v>-132.8240986319054</c:v>
@@ -30936,7 +30952,7 @@
                   <c:v>-56.33845610855127</c:v>
                 </c:pt>
                 <c:pt idx="28">
-                  <c:v>-48.01021404026751</c:v>
+                  <c:v>-48.0102140402675</c:v>
                 </c:pt>
                 <c:pt idx="29">
                   <c:v>-40.5569503463925</c:v>
@@ -30948,7 +30964,7 @@
                   <c:v>-27.77927188379354</c:v>
                 </c:pt>
                 <c:pt idx="32">
-                  <c:v>-22.26914264376517</c:v>
+                  <c:v>-22.26914264376516</c:v>
                 </c:pt>
                 <c:pt idx="33">
                   <c:v>-17.26421708262209</c:v>
@@ -30960,7 +30976,7 @@
                   <c:v>-8.644131398786703</c:v>
                 </c:pt>
                 <c:pt idx="36">
-                  <c:v>-4.990621731317924</c:v>
+                  <c:v>-4.990621731317925</c:v>
                 </c:pt>
                 <c:pt idx="37">
                   <c:v>-1.755535372699558</c:v>
@@ -30987,10 +31003,10 @@
                   <c:v>9.919518766378203</c:v>
                 </c:pt>
                 <c:pt idx="45">
-                  <c:v>10.07823226300239</c:v>
+                  <c:v>10.0782322630024</c:v>
                 </c:pt>
                 <c:pt idx="46">
-                  <c:v>9.884318713508174</c:v>
+                  <c:v>9.884318713508172</c:v>
                 </c:pt>
                 <c:pt idx="47">
                   <c:v>9.355164184094316</c:v>
@@ -30999,10 +31015,10 @@
                   <c:v>8.511571592228678</c:v>
                 </c:pt>
                 <c:pt idx="49">
-                  <c:v>7.378004371555839</c:v>
+                  <c:v>7.378004371555838</c:v>
                 </c:pt>
                 <c:pt idx="50">
-                  <c:v>5.984009507520083</c:v>
+                  <c:v>5.984009507520082</c:v>
                 </c:pt>
                 <c:pt idx="51">
                   <c:v>4.366554732084118</c:v>
@@ -31020,7 +31036,7 @@
                   <c:v>-3.24080134686048</c:v>
                 </c:pt>
                 <c:pt idx="56">
-                  <c:v>-5.073818020578203</c:v>
+                  <c:v>-5.073818020578202</c:v>
                 </c:pt>
                 <c:pt idx="57">
                   <c:v>-6.727895642020074</c:v>
@@ -31029,7 +31045,7 @@
                   <c:v>-8.138511265605261</c:v>
                 </c:pt>
                 <c:pt idx="59">
-                  <c:v>-9.256501321981247</c:v>
+                  <c:v>-9.256501321981248</c:v>
                 </c:pt>
                 <c:pt idx="60">
                   <c:v>-10.05136332255524</c:v>
@@ -31047,13 +31063,13 @@
                   <c:v>-10.04196083278483</c:v>
                 </c:pt>
                 <c:pt idx="65">
-                  <c:v>-9.379055226908517</c:v>
+                  <c:v>-9.37905522690852</c:v>
                 </c:pt>
                 <c:pt idx="66">
-                  <c:v>-8.534610500686574</c:v>
+                  <c:v>-8.534610500686572</c:v>
                 </c:pt>
                 <c:pt idx="67">
-                  <c:v>-7.552817055269773</c:v>
+                  <c:v>-7.552817055269772</c:v>
                 </c:pt>
                 <c:pt idx="68">
                   <c:v>-6.474815687272518</c:v>
@@ -31083,22 +31099,22 @@
                   <c:v>2.111179062427467</c:v>
                 </c:pt>
                 <c:pt idx="77">
-                  <c:v>2.886355456868545</c:v>
+                  <c:v>2.886355456868544</c:v>
                 </c:pt>
                 <c:pt idx="78">
-                  <c:v>3.552016461131061</c:v>
+                  <c:v>3.55201646113106</c:v>
                 </c:pt>
                 <c:pt idx="79">
-                  <c:v>4.0993328769414</c:v>
+                  <c:v>4.099332876941399</c:v>
                 </c:pt>
                 <c:pt idx="80">
-                  <c:v>4.520313402924615</c:v>
+                  <c:v>4.520313402924616</c:v>
                 </c:pt>
                 <c:pt idx="81">
                   <c:v>4.807830147712829</c:v>
                 </c:pt>
                 <c:pt idx="82">
-                  <c:v>4.955930953346845</c:v>
+                  <c:v>4.955930953346844</c:v>
                 </c:pt>
                 <c:pt idx="83">
                   <c:v>4.960402935326907</c:v>
@@ -31110,10 +31126,10 @@
                   <c:v>4.534503852703914</c:v>
                 </c:pt>
                 <c:pt idx="86">
-                  <c:v>4.110585733910044</c:v>
+                  <c:v>4.110585733910043</c:v>
                 </c:pt>
                 <c:pt idx="87">
-                  <c:v>3.556975790246849</c:v>
+                  <c:v>3.556975790246848</c:v>
                 </c:pt>
                 <c:pt idx="88">
                   <c:v>2.887410604900008</c:v>
@@ -31149,7 +31165,7 @@
                   <c:v>-4.478865565663556</c:v>
                 </c:pt>
                 <c:pt idx="99">
-                  <c:v>-4.684109516041071</c:v>
+                  <c:v>-4.68410951604107</c:v>
                 </c:pt>
                 <c:pt idx="100">
                   <c:v>-4.740040658231972</c:v>
@@ -31161,7 +31177,7 @@
                   <c:v>-4.443020029419071</c:v>
                 </c:pt>
                 <c:pt idx="103">
-                  <c:v>-4.119731031456041</c:v>
+                  <c:v>-4.11973103145604</c:v>
                 </c:pt>
                 <c:pt idx="104">
                   <c:v>-3.703779670877174</c:v>
@@ -31254,7 +31270,7 @@
                   <c:v>-1.551460634559439</c:v>
                 </c:pt>
                 <c:pt idx="134">
-                  <c:v>-1.862027745321639</c:v>
+                  <c:v>-1.86202774532164</c:v>
                 </c:pt>
                 <c:pt idx="135">
                   <c:v>-2.110632444513107</c:v>
@@ -31335,7 +31351,7 @@
                   <c:v>1.434792941488915</c:v>
                 </c:pt>
                 <c:pt idx="161">
-                  <c:v>1.302582106795549</c:v>
+                  <c:v>1.30258210679555</c:v>
                 </c:pt>
                 <c:pt idx="162">
                   <c:v>1.137744681269481</c:v>
@@ -31368,7 +31384,7 @@
                   <c:v>-0.876400535346095</c:v>
                 </c:pt>
                 <c:pt idx="172">
-                  <c:v>-1.039237223951019</c:v>
+                  <c:v>-1.03923722395102</c:v>
                 </c:pt>
                 <c:pt idx="173">
                   <c:v>-1.168632275770876</c:v>
@@ -31675,7 +31691,7 @@
                   <c:v>2.27029157</c:v>
                 </c:pt>
                 <c:pt idx="38">
-                  <c:v>2.3316508</c:v>
+                  <c:v>2.331650799999999</c:v>
                 </c:pt>
                 <c:pt idx="39">
                   <c:v>2.39301003</c:v>
@@ -31684,16 +31700,16 @@
                   <c:v>2.45436926</c:v>
                 </c:pt>
                 <c:pt idx="41">
-                  <c:v>2.51572849</c:v>
+                  <c:v>2.515728489999999</c:v>
                 </c:pt>
                 <c:pt idx="42">
                   <c:v>2.57708772</c:v>
                 </c:pt>
                 <c:pt idx="43">
-                  <c:v>2.63844696</c:v>
+                  <c:v>2.638446959999999</c:v>
                 </c:pt>
                 <c:pt idx="44">
-                  <c:v>2.69980619</c:v>
+                  <c:v>2.699806189999999</c:v>
                 </c:pt>
                 <c:pt idx="45">
                   <c:v>2.76116542</c:v>
@@ -31705,7 +31721,7 @@
                   <c:v>2.88388388</c:v>
                 </c:pt>
                 <c:pt idx="48">
-                  <c:v>2.94524311</c:v>
+                  <c:v>2.945243109999999</c:v>
                 </c:pt>
                 <c:pt idx="49">
                   <c:v>3.00660234</c:v>
@@ -31735,7 +31751,7 @@
                   <c:v>3.4974762</c:v>
                 </c:pt>
                 <c:pt idx="58">
-                  <c:v>3.55883543</c:v>
+                  <c:v>3.558835429999999</c:v>
                 </c:pt>
                 <c:pt idx="59">
                   <c:v>3.62019466</c:v>
@@ -31771,13 +31787,13 @@
                   <c:v>4.23378697</c:v>
                 </c:pt>
                 <c:pt idx="70">
-                  <c:v>4.29514621</c:v>
+                  <c:v>4.295146209999999</c:v>
                 </c:pt>
                 <c:pt idx="71">
-                  <c:v>4.35650544</c:v>
+                  <c:v>4.356505439999999</c:v>
                 </c:pt>
                 <c:pt idx="72">
-                  <c:v>4.41786467</c:v>
+                  <c:v>4.417864669999999</c:v>
                 </c:pt>
                 <c:pt idx="73">
                   <c:v>4.4792239</c:v>
@@ -31792,7 +31808,7 @@
                   <c:v>4.6633016</c:v>
                 </c:pt>
                 <c:pt idx="77">
-                  <c:v>4.72466083</c:v>
+                  <c:v>4.724660829999999</c:v>
                 </c:pt>
                 <c:pt idx="78">
                   <c:v>4.78602006</c:v>
@@ -31810,13 +31826,13 @@
                   <c:v>5.03145698</c:v>
                 </c:pt>
                 <c:pt idx="83">
-                  <c:v>5.09281622</c:v>
+                  <c:v>5.092816219999999</c:v>
                 </c:pt>
                 <c:pt idx="84">
-                  <c:v>5.15417545</c:v>
+                  <c:v>5.154175449999999</c:v>
                 </c:pt>
                 <c:pt idx="85">
-                  <c:v>5.21553468</c:v>
+                  <c:v>5.215534679999999</c:v>
                 </c:pt>
                 <c:pt idx="86">
                   <c:v>5.27689391</c:v>
@@ -31831,7 +31847,7 @@
                   <c:v>5.4609716</c:v>
                 </c:pt>
                 <c:pt idx="90">
-                  <c:v>5.52233084</c:v>
+                  <c:v>5.522330839999999</c:v>
                 </c:pt>
                 <c:pt idx="91">
                   <c:v>5.58369007</c:v>
@@ -31849,7 +31865,7 @@
                   <c:v>5.82912699</c:v>
                 </c:pt>
                 <c:pt idx="96">
-                  <c:v>5.89048623</c:v>
+                  <c:v>5.890486229999999</c:v>
                 </c:pt>
                 <c:pt idx="97">
                   <c:v>5.95184546</c:v>
@@ -31870,7 +31886,7 @@
                   <c:v>6.25864161</c:v>
                 </c:pt>
                 <c:pt idx="103">
-                  <c:v>6.32000085</c:v>
+                  <c:v>6.320000849999999</c:v>
                 </c:pt>
                 <c:pt idx="104">
                   <c:v>6.38136008</c:v>
@@ -31879,22 +31895,22 @@
                   <c:v>6.44271931</c:v>
                 </c:pt>
                 <c:pt idx="106">
-                  <c:v>6.50407854</c:v>
+                  <c:v>6.504078539999999</c:v>
                 </c:pt>
                 <c:pt idx="107">
-                  <c:v>6.56543777</c:v>
+                  <c:v>6.565437769999999</c:v>
                 </c:pt>
                 <c:pt idx="108">
                   <c:v>6.626797</c:v>
                 </c:pt>
                 <c:pt idx="109">
-                  <c:v>6.68815624</c:v>
+                  <c:v>6.688156239999999</c:v>
                 </c:pt>
                 <c:pt idx="110">
-                  <c:v>6.74951547</c:v>
+                  <c:v>6.749515469999999</c:v>
                 </c:pt>
                 <c:pt idx="111">
-                  <c:v>6.8108747</c:v>
+                  <c:v>6.810874699999999</c:v>
                 </c:pt>
                 <c:pt idx="112">
                   <c:v>6.87223393</c:v>
@@ -31909,7 +31925,7 @@
                   <c:v>7.05631162</c:v>
                 </c:pt>
                 <c:pt idx="116">
-                  <c:v>7.11767086</c:v>
+                  <c:v>7.117670859999999</c:v>
                 </c:pt>
                 <c:pt idx="117">
                   <c:v>7.17903009</c:v>
@@ -31933,10 +31949,10 @@
                   <c:v>7.54718548</c:v>
                 </c:pt>
                 <c:pt idx="124">
-                  <c:v>7.60854471</c:v>
+                  <c:v>7.608544709999999</c:v>
                 </c:pt>
                 <c:pt idx="125">
-                  <c:v>7.66990394</c:v>
+                  <c:v>7.669903939999999</c:v>
                 </c:pt>
                 <c:pt idx="126">
                   <c:v>7.73126317</c:v>
@@ -31945,7 +31961,7 @@
                   <c:v>7.7926224</c:v>
                 </c:pt>
                 <c:pt idx="128">
-                  <c:v>7.85398163</c:v>
+                  <c:v>7.853981629999999</c:v>
                 </c:pt>
                 <c:pt idx="129">
                   <c:v>7.91534087</c:v>
@@ -31969,7 +31985,7 @@
                   <c:v>8.28349625</c:v>
                 </c:pt>
                 <c:pt idx="136">
-                  <c:v>8.34485549</c:v>
+                  <c:v>8.344855489999998</c:v>
                 </c:pt>
                 <c:pt idx="137">
                   <c:v>8.40621472</c:v>
@@ -31978,7 +31994,7 @@
                   <c:v>8.46757395</c:v>
                 </c:pt>
                 <c:pt idx="139">
-                  <c:v>8.52893318</c:v>
+                  <c:v>8.528933179999997</c:v>
                 </c:pt>
                 <c:pt idx="140">
                   <c:v>8.59029241</c:v>
@@ -31987,10 +32003,10 @@
                   <c:v>8.651651640000001</c:v>
                 </c:pt>
                 <c:pt idx="142">
-                  <c:v>8.71301088</c:v>
+                  <c:v>8.713010879999998</c:v>
                 </c:pt>
                 <c:pt idx="143">
-                  <c:v>8.774370109999999</c:v>
+                  <c:v>8.774370109999998</c:v>
                 </c:pt>
                 <c:pt idx="144">
                   <c:v>8.83572934</c:v>
@@ -32023,7 +32039,7 @@
                   <c:v>9.38796242</c:v>
                 </c:pt>
                 <c:pt idx="154">
-                  <c:v>9.44932165</c:v>
+                  <c:v>9.449321649999998</c:v>
                 </c:pt>
                 <c:pt idx="155">
                   <c:v>9.51068088</c:v>
@@ -32035,7 +32051,7 @@
                   <c:v>9.63339935</c:v>
                 </c:pt>
                 <c:pt idx="158">
-                  <c:v>9.69475858</c:v>
+                  <c:v>9.694758579999998</c:v>
                 </c:pt>
                 <c:pt idx="159">
                   <c:v>9.75611781</c:v>
@@ -32419,7 +32435,7 @@
                   <c:v>17.487381</c:v>
                 </c:pt>
                 <c:pt idx="286">
-                  <c:v>17.5487402</c:v>
+                  <c:v>17.54874019999999</c:v>
                 </c:pt>
                 <c:pt idx="287">
                   <c:v>17.6100994</c:v>
@@ -32449,7 +32465,7 @@
                   <c:v>18.1009733</c:v>
                 </c:pt>
                 <c:pt idx="296">
-                  <c:v>18.1623325</c:v>
+                  <c:v>18.16233249999999</c:v>
                 </c:pt>
                 <c:pt idx="297">
                   <c:v>18.2236918</c:v>
@@ -32488,7 +32504,7 @@
                   <c:v>18.8986433</c:v>
                 </c:pt>
                 <c:pt idx="309">
-                  <c:v>18.9600025</c:v>
+                  <c:v>18.96000249999999</c:v>
                 </c:pt>
                 <c:pt idx="310">
                   <c:v>19.0213618</c:v>
@@ -32500,7 +32516,7 @@
                   <c:v>19.1440802</c:v>
                 </c:pt>
                 <c:pt idx="313">
-                  <c:v>19.2054395</c:v>
+                  <c:v>19.20543949999999</c:v>
                 </c:pt>
                 <c:pt idx="314">
                   <c:v>19.2667987</c:v>
@@ -32617,7 +32633,7 @@
                   <c:v>21.5370903</c:v>
                 </c:pt>
                 <c:pt idx="352">
-                  <c:v>21.5984495</c:v>
+                  <c:v>21.59844949999999</c:v>
                 </c:pt>
                 <c:pt idx="353">
                   <c:v>21.6598087</c:v>
@@ -32626,7 +32642,7 @@
                   <c:v>21.721168</c:v>
                 </c:pt>
                 <c:pt idx="355">
-                  <c:v>21.7825272</c:v>
+                  <c:v>21.78252719999999</c:v>
                 </c:pt>
                 <c:pt idx="356">
                   <c:v>21.8438864</c:v>
@@ -32758,7 +32774,7 @@
                   <c:v>24.4209741</c:v>
                 </c:pt>
                 <c:pt idx="399">
-                  <c:v>24.4823334</c:v>
+                  <c:v>24.48233339999999</c:v>
                 </c:pt>
                 <c:pt idx="400">
                   <c:v>24.5436926</c:v>
@@ -32773,7 +32789,7 @@
                   <c:v>24.7277703</c:v>
                 </c:pt>
                 <c:pt idx="404">
-                  <c:v>24.7891295</c:v>
+                  <c:v>24.78912949999999</c:v>
                 </c:pt>
                 <c:pt idx="405">
                   <c:v>24.8504888</c:v>
@@ -32803,7 +32819,7 @@
                   <c:v>25.3413626</c:v>
                 </c:pt>
                 <c:pt idx="414">
-                  <c:v>25.4027218</c:v>
+                  <c:v>25.40272179999999</c:v>
                 </c:pt>
                 <c:pt idx="415">
                   <c:v>25.4640811</c:v>
@@ -32812,7 +32828,7 @@
                   <c:v>25.5254403</c:v>
                 </c:pt>
                 <c:pt idx="417">
-                  <c:v>25.5867995</c:v>
+                  <c:v>25.58679949999999</c:v>
                 </c:pt>
                 <c:pt idx="418">
                   <c:v>25.6481588</c:v>
@@ -32860,7 +32876,7 @@
                   <c:v>26.507188</c:v>
                 </c:pt>
                 <c:pt idx="433">
-                  <c:v>26.5685472</c:v>
+                  <c:v>26.56854719999999</c:v>
                 </c:pt>
                 <c:pt idx="434">
                   <c:v>26.6299065</c:v>
@@ -32941,7 +32957,7 @@
                   <c:v>28.1638873</c:v>
                 </c:pt>
                 <c:pt idx="460">
-                  <c:v>28.2252465</c:v>
+                  <c:v>28.22524649999999</c:v>
                 </c:pt>
                 <c:pt idx="461">
                   <c:v>28.2866057</c:v>
@@ -33112,7 +33128,7 @@
                   <c:v>31.6613635</c:v>
                 </c:pt>
                 <c:pt idx="517">
-                  <c:v>31.7227227</c:v>
+                  <c:v>31.72272269999999</c:v>
                 </c:pt>
                 <c:pt idx="518">
                   <c:v>31.7840819</c:v>
@@ -33175,7 +33191,7 @@
                   <c:v>32.9499073</c:v>
                 </c:pt>
                 <c:pt idx="538">
-                  <c:v>33.0112666</c:v>
+                  <c:v>33.01126659999999</c:v>
                 </c:pt>
                 <c:pt idx="539">
                   <c:v>33.0726258</c:v>
@@ -33247,7 +33263,7 @@
                   <c:v>34.4225289</c:v>
                 </c:pt>
                 <c:pt idx="562">
-                  <c:v>34.4838881</c:v>
+                  <c:v>34.48388809999999</c:v>
                 </c:pt>
                 <c:pt idx="563">
                   <c:v>34.5452473</c:v>
@@ -33265,7 +33281,7 @@
                   <c:v>34.7906843</c:v>
                 </c:pt>
                 <c:pt idx="568">
-                  <c:v>34.8520435</c:v>
+                  <c:v>34.85204349999999</c:v>
                 </c:pt>
                 <c:pt idx="569">
                   <c:v>34.9134027</c:v>
@@ -33343,7 +33359,7 @@
                   <c:v>36.3860243</c:v>
                 </c:pt>
                 <c:pt idx="594">
-                  <c:v>36.4473835</c:v>
+                  <c:v>36.44738349999999</c:v>
                 </c:pt>
                 <c:pt idx="595">
                   <c:v>36.5087428</c:v>
@@ -33397,7 +33413,7 @@
                   <c:v>37.4904905</c:v>
                 </c:pt>
                 <c:pt idx="612">
-                  <c:v>37.5518497</c:v>
+                  <c:v>37.55184969999999</c:v>
                 </c:pt>
                 <c:pt idx="613">
                   <c:v>37.6132089</c:v>
@@ -33484,7 +33500,7 @@
                   <c:v>39.2699082</c:v>
                 </c:pt>
                 <c:pt idx="641">
-                  <c:v>39.3312674</c:v>
+                  <c:v>39.33126739999999</c:v>
                 </c:pt>
                 <c:pt idx="642">
                   <c:v>39.3926266</c:v>
@@ -33514,7 +33530,7 @@
                   <c:v>39.8835005</c:v>
                 </c:pt>
                 <c:pt idx="651">
-                  <c:v>39.9448597</c:v>
+                  <c:v>39.94485969999999</c:v>
                 </c:pt>
                 <c:pt idx="652">
                   <c:v>40.0062189</c:v>
@@ -33565,7 +33581,7 @@
                   <c:v>40.9266074</c:v>
                 </c:pt>
                 <c:pt idx="668">
-                  <c:v>40.9879667</c:v>
+                  <c:v>40.98796669999999</c:v>
                 </c:pt>
                 <c:pt idx="669">
                   <c:v>41.0493259</c:v>
@@ -33586,7 +33602,7 @@
                   <c:v>41.356122</c:v>
                 </c:pt>
                 <c:pt idx="675">
-                  <c:v>41.4174813</c:v>
+                  <c:v>41.41748129999999</c:v>
                 </c:pt>
                 <c:pt idx="676">
                   <c:v>41.4788405</c:v>
@@ -33631,7 +33647,7 @@
                   <c:v>42.2765105</c:v>
                 </c:pt>
                 <c:pt idx="690">
-                  <c:v>42.3378697</c:v>
+                  <c:v>42.33786969999999</c:v>
                 </c:pt>
                 <c:pt idx="691">
                   <c:v>42.399229</c:v>
@@ -33661,7 +33677,7 @@
                   <c:v>42.8901028</c:v>
                 </c:pt>
                 <c:pt idx="700">
-                  <c:v>42.9514621</c:v>
+                  <c:v>42.95146209999999</c:v>
                 </c:pt>
                 <c:pt idx="701">
                   <c:v>43.0128213</c:v>
@@ -33706,7 +33722,7 @@
                   <c:v>43.8104913</c:v>
                 </c:pt>
                 <c:pt idx="715">
-                  <c:v>43.8718505</c:v>
+                  <c:v>43.87185049999999</c:v>
                 </c:pt>
                 <c:pt idx="716">
                   <c:v>43.9332098</c:v>
@@ -33718,7 +33734,7 @@
                   <c:v>44.0559282</c:v>
                 </c:pt>
                 <c:pt idx="719">
-                  <c:v>44.1172875</c:v>
+                  <c:v>44.11728749999999</c:v>
                 </c:pt>
                 <c:pt idx="720">
                   <c:v>44.1786467</c:v>
@@ -33757,7 +33773,7 @@
                   <c:v>44.8535982</c:v>
                 </c:pt>
                 <c:pt idx="732">
-                  <c:v>44.9149575</c:v>
+                  <c:v>44.91495749999999</c:v>
                 </c:pt>
                 <c:pt idx="733">
                   <c:v>44.9763167</c:v>
@@ -33835,7 +33851,7 @@
                   <c:v>46.4489383</c:v>
                 </c:pt>
                 <c:pt idx="758">
-                  <c:v>46.5102975</c:v>
+                  <c:v>46.51029749999999</c:v>
                 </c:pt>
                 <c:pt idx="759">
                   <c:v>46.5716567</c:v>
@@ -33850,7 +33866,7 @@
                   <c:v>46.7557344</c:v>
                 </c:pt>
                 <c:pt idx="763">
-                  <c:v>46.8170936</c:v>
+                  <c:v>46.81709359999999</c:v>
                 </c:pt>
                 <c:pt idx="764">
                   <c:v>46.8784529</c:v>
@@ -33874,7 +33890,7 @@
                   <c:v>47.2466083</c:v>
                 </c:pt>
                 <c:pt idx="771">
-                  <c:v>47.3079675</c:v>
+                  <c:v>47.30796749999999</c:v>
                 </c:pt>
                 <c:pt idx="772">
                   <c:v>47.3693267</c:v>
@@ -33925,7 +33941,7 @@
                   <c:v>48.2897152</c:v>
                 </c:pt>
                 <c:pt idx="788">
-                  <c:v>48.3510744</c:v>
+                  <c:v>48.35107439999999</c:v>
                 </c:pt>
                 <c:pt idx="789">
                   <c:v>48.4124337</c:v>
@@ -34021,7 +34037,7 @@
                   <c:v>50.2532106</c:v>
                 </c:pt>
                 <c:pt idx="820">
-                  <c:v>50.3145698</c:v>
+                  <c:v>50.31456979999999</c:v>
                 </c:pt>
                 <c:pt idx="821">
                   <c:v>50.3759291</c:v>
@@ -34042,7 +34058,7 @@
                   <c:v>50.6827252</c:v>
                 </c:pt>
                 <c:pt idx="827">
-                  <c:v>50.7440845</c:v>
+                  <c:v>50.74408449999999</c:v>
                 </c:pt>
                 <c:pt idx="828">
                   <c:v>50.8054437</c:v>
@@ -34057,7 +34073,7 @@
                   <c:v>50.9895214</c:v>
                 </c:pt>
                 <c:pt idx="832">
-                  <c:v>51.0508806</c:v>
+                  <c:v>51.05088059999999</c:v>
                 </c:pt>
                 <c:pt idx="833">
                   <c:v>51.1122399</c:v>
@@ -34072,7 +34088,7 @@
                   <c:v>51.2963175</c:v>
                 </c:pt>
                 <c:pt idx="837">
-                  <c:v>51.3576768</c:v>
+                  <c:v>51.35767679999999</c:v>
                 </c:pt>
                 <c:pt idx="838">
                   <c:v>51.419036</c:v>
@@ -34102,7 +34118,7 @@
                   <c:v>51.9099099</c:v>
                 </c:pt>
                 <c:pt idx="847">
-                  <c:v>51.9712691</c:v>
+                  <c:v>51.97126909999999</c:v>
                 </c:pt>
                 <c:pt idx="848">
                   <c:v>52.0326283</c:v>
@@ -34120,7 +34136,7 @@
                   <c:v>52.2780653</c:v>
                 </c:pt>
                 <c:pt idx="853">
-                  <c:v>52.3394245</c:v>
+                  <c:v>52.33942449999999</c:v>
                 </c:pt>
                 <c:pt idx="854">
                   <c:v>52.4007837</c:v>
@@ -34132,7 +34148,7 @@
                   <c:v>52.5235022</c:v>
                 </c:pt>
                 <c:pt idx="857">
-                  <c:v>52.5848614</c:v>
+                  <c:v>52.58486139999999</c:v>
                 </c:pt>
                 <c:pt idx="858">
                   <c:v>52.6462206</c:v>
@@ -34147,7 +34163,7 @@
                   <c:v>52.8302983</c:v>
                 </c:pt>
                 <c:pt idx="862">
-                  <c:v>52.8916576</c:v>
+                  <c:v>52.89165759999999</c:v>
                 </c:pt>
                 <c:pt idx="863">
                   <c:v>52.9530168</c:v>
@@ -34198,7 +34214,7 @@
                   <c:v>53.8734053</c:v>
                 </c:pt>
                 <c:pt idx="879">
-                  <c:v>53.9347645</c:v>
+                  <c:v>53.93476449999999</c:v>
                 </c:pt>
                 <c:pt idx="880">
                   <c:v>53.9961237</c:v>
@@ -34264,7 +34280,7 @@
                   <c:v>55.2233084</c:v>
                 </c:pt>
                 <c:pt idx="901">
-                  <c:v>55.2846676</c:v>
+                  <c:v>55.28466759999999</c:v>
                 </c:pt>
                 <c:pt idx="902">
                   <c:v>55.3460268</c:v>
@@ -34342,7 +34358,7 @@
                   <c:v>56.8186484</c:v>
                 </c:pt>
                 <c:pt idx="927">
-                  <c:v>56.8800076</c:v>
+                  <c:v>56.88000759999999</c:v>
                 </c:pt>
                 <c:pt idx="928">
                   <c:v>56.9413668</c:v>
@@ -34366,7 +34382,7 @@
                   <c:v>57.3095222</c:v>
                 </c:pt>
                 <c:pt idx="935">
-                  <c:v>57.3708815</c:v>
+                  <c:v>57.37088149999999</c:v>
                 </c:pt>
                 <c:pt idx="936">
                   <c:v>57.4322407</c:v>
@@ -34498,7 +34514,7 @@
                   <c:v>60.0093284</c:v>
                 </c:pt>
                 <c:pt idx="979">
-                  <c:v>60.0706877</c:v>
+                  <c:v>60.07068769999999</c:v>
                 </c:pt>
                 <c:pt idx="980">
                   <c:v>60.1320469</c:v>
@@ -34510,10 +34526,10 @@
                   <c:v>60.2547653</c:v>
                 </c:pt>
                 <c:pt idx="983">
-                  <c:v>60.3161246</c:v>
+                  <c:v>60.31612459999999</c:v>
                 </c:pt>
                 <c:pt idx="984">
-                  <c:v>60.3774838</c:v>
+                  <c:v>60.37748379999999</c:v>
                 </c:pt>
                 <c:pt idx="985">
                   <c:v>60.438843</c:v>
@@ -34561,7 +34577,7 @@
                   <c:v>61.2978723</c:v>
                 </c:pt>
                 <c:pt idx="1000">
-                  <c:v>61.3592315</c:v>
+                  <c:v>61.35923149999999</c:v>
                 </c:pt>
                 <c:pt idx="1001">
                   <c:v>61.4205907</c:v>
@@ -34588,7 +34604,7 @@
                   <c:v>61.8501054</c:v>
                 </c:pt>
                 <c:pt idx="1009">
-                  <c:v>61.9114646</c:v>
+                  <c:v>61.91146459999999</c:v>
                 </c:pt>
                 <c:pt idx="1010">
                   <c:v>61.9728238</c:v>
@@ -34648,13 +34664,13 @@
                   <c:v>-496.832774327135</c:v>
                 </c:pt>
                 <c:pt idx="2">
-                  <c:v>-495.0519991982984</c:v>
+                  <c:v>-495.0519991982983</c:v>
                 </c:pt>
                 <c:pt idx="3">
                   <c:v>-492.2815181136613</c:v>
                 </c:pt>
                 <c:pt idx="4">
-                  <c:v>-488.7614192959148</c:v>
+                  <c:v>-488.7614192959147</c:v>
                 </c:pt>
                 <c:pt idx="5">
                   <c:v>-484.7316835806001</c:v>
@@ -34663,7 +34679,7 @@
                   <c:v>-480.3685904386575</c:v>
                 </c:pt>
                 <c:pt idx="7">
-                  <c:v>-475.7381708430238</c:v>
+                  <c:v>-475.7381708430237</c:v>
                 </c:pt>
                 <c:pt idx="8">
                   <c:v>-470.7775963827054</c:v>
@@ -34675,7 +34691,7 @@
                   <c:v>-459.0669739740765</c:v>
                 </c:pt>
                 <c:pt idx="11">
-                  <c:v>-451.7681551722514</c:v>
+                  <c:v>-451.7681551722513</c:v>
                 </c:pt>
                 <c:pt idx="12">
                   <c:v>-443.1437996194446</c:v>
@@ -34705,7 +34721,7 @@
                   <c:v>-319.7430985164544</c:v>
                 </c:pt>
                 <c:pt idx="21">
-                  <c:v>-299.4460351471964</c:v>
+                  <c:v>-299.4460351471963</c:v>
                 </c:pt>
                 <c:pt idx="22">
                   <c:v>-278.7850748314714</c:v>
@@ -34738,7 +34754,7 @@
                   <c:v>-106.1717126867176</c:v>
                 </c:pt>
                 <c:pt idx="32">
-                  <c:v>-90.95527689578773</c:v>
+                  <c:v>-90.95527689578772</c:v>
                 </c:pt>
                 <c:pt idx="33">
                   <c:v>-76.910017487869</c:v>
@@ -34747,7 +34763,7 @@
                   <c:v>-64.0962126023461</c:v>
                 </c:pt>
                 <c:pt idx="35">
-                  <c:v>-52.55048437508405</c:v>
+                  <c:v>-52.55048437508404</c:v>
                 </c:pt>
                 <c:pt idx="36">
                   <c:v>-42.28544265557723</c:v>
@@ -34786,7 +34802,7 @@
                   <c:v>-0.919501332778696</c:v>
                 </c:pt>
                 <c:pt idx="48">
-                  <c:v>-1.519122989638609</c:v>
+                  <c:v>-1.51912298963861</c:v>
                 </c:pt>
                 <c:pt idx="49">
                   <c:v>-2.426874178073349</c:v>
@@ -34795,7 +34811,7 @@
                   <c:v>-3.560153583863495</c:v>
                 </c:pt>
                 <c:pt idx="51">
-                  <c:v>-4.844576887313</c:v>
+                  <c:v>-4.844576887312999</c:v>
                 </c:pt>
                 <c:pt idx="52">
                   <c:v>-6.213336204095181</c:v>
@@ -34846,7 +34862,7 @@
                   <c:v>-12.04380981714963</c:v>
                 </c:pt>
                 <c:pt idx="68">
-                  <c:v>-10.99238261187259</c:v>
+                  <c:v>-10.9923826118726</c:v>
                 </c:pt>
                 <c:pt idx="69">
                   <c:v>-9.806206149252682</c:v>
@@ -34855,10 +34871,10 @@
                   <c:v>-8.508961253097608</c:v>
                 </c:pt>
                 <c:pt idx="71">
-                  <c:v>-7.128785989442742</c:v>
+                  <c:v>-7.128785989442741</c:v>
                 </c:pt>
                 <c:pt idx="72">
-                  <c:v>-5.697889661708173</c:v>
+                  <c:v>-5.697889661708172</c:v>
                 </c:pt>
                 <c:pt idx="73">
                   <c:v>-4.251683615641947</c:v>
@@ -34882,7 +34898,7 @@
                   <c:v>2.717385378900228</c:v>
                 </c:pt>
                 <c:pt idx="80">
-                  <c:v>3.312050625149964</c:v>
+                  <c:v>3.312050625149963</c:v>
                 </c:pt>
                 <c:pt idx="81">
                   <c:v>3.695923954439445</c:v>
@@ -34939,13 +34955,13 @@
                   <c:v>-5.397396825282357</c:v>
                 </c:pt>
                 <c:pt idx="99">
-                  <c:v>-5.533915060755998</c:v>
+                  <c:v>-5.533915060755996</c:v>
                 </c:pt>
                 <c:pt idx="100">
-                  <c:v>-5.551818057518273</c:v>
+                  <c:v>-5.551818057518272</c:v>
                 </c:pt>
                 <c:pt idx="101">
-                  <c:v>-5.456561654369464</c:v>
+                  <c:v>-5.456561654369465</c:v>
                 </c:pt>
                 <c:pt idx="102">
                   <c:v>-5.25544010615752</c:v>
@@ -35035,7 +35051,7 @@
                   <c:v>-0.801424825954362</c:v>
                 </c:pt>
                 <c:pt idx="131">
-                  <c:v>-1.21173764754966</c:v>
+                  <c:v>-1.211737647549659</c:v>
                 </c:pt>
                 <c:pt idx="132">
                   <c:v>-1.585766957873016</c:v>
@@ -35044,10 +35060,10 @@
                   <c:v>-1.913379431779868</c:v>
                 </c:pt>
                 <c:pt idx="134">
-                  <c:v>-2.186904115888281</c:v>
+                  <c:v>-2.18690411588828</c:v>
                 </c:pt>
                 <c:pt idx="135">
-                  <c:v>-2.401045801789866</c:v>
+                  <c:v>-2.401045801789865</c:v>
                 </c:pt>
                 <c:pt idx="136">
                   <c:v>-2.552560081193915</c:v>
@@ -36584,10 +36600,10 @@
                   <c:v>4.1</c:v>
                 </c:pt>
                 <c:pt idx="411">
-                  <c:v>4.11</c:v>
+                  <c:v>4.109999999999999</c:v>
                 </c:pt>
                 <c:pt idx="412">
-                  <c:v>4.12</c:v>
+                  <c:v>4.119999999999999</c:v>
                 </c:pt>
                 <c:pt idx="413">
                   <c:v>4.13</c:v>
@@ -36596,10 +36612,10 @@
                   <c:v>4.14</c:v>
                 </c:pt>
                 <c:pt idx="415">
-                  <c:v>4.15</c:v>
+                  <c:v>4.149999999999999</c:v>
                 </c:pt>
                 <c:pt idx="416">
-                  <c:v>4.16</c:v>
+                  <c:v>4.159999999999999</c:v>
                 </c:pt>
                 <c:pt idx="417">
                   <c:v>4.17</c:v>
@@ -36608,7 +36624,7 @@
                   <c:v>4.18</c:v>
                 </c:pt>
                 <c:pt idx="419">
-                  <c:v>4.19</c:v>
+                  <c:v>4.189999999999999</c:v>
                 </c:pt>
                 <c:pt idx="420">
                   <c:v>4.2</c:v>
@@ -36647,7 +36663,7 @@
                   <c:v>4.31</c:v>
                 </c:pt>
                 <c:pt idx="432">
-                  <c:v>4.32</c:v>
+                  <c:v>4.319999999999999</c:v>
                 </c:pt>
                 <c:pt idx="433">
                   <c:v>4.33</c:v>
@@ -36659,7 +36675,7 @@
                   <c:v>4.35</c:v>
                 </c:pt>
                 <c:pt idx="436">
-                  <c:v>4.36</c:v>
+                  <c:v>4.359999999999999</c:v>
                 </c:pt>
                 <c:pt idx="437">
                   <c:v>4.37</c:v>
@@ -36734,10 +36750,10 @@
                   <c:v>4.6</c:v>
                 </c:pt>
                 <c:pt idx="461">
-                  <c:v>4.61</c:v>
+                  <c:v>4.609999999999999</c:v>
                 </c:pt>
                 <c:pt idx="462">
-                  <c:v>4.62</c:v>
+                  <c:v>4.619999999999999</c:v>
                 </c:pt>
                 <c:pt idx="463">
                   <c:v>4.63</c:v>
@@ -36746,10 +36762,10 @@
                   <c:v>4.64</c:v>
                 </c:pt>
                 <c:pt idx="465">
-                  <c:v>4.65</c:v>
+                  <c:v>4.649999999999999</c:v>
                 </c:pt>
                 <c:pt idx="466">
-                  <c:v>4.66</c:v>
+                  <c:v>4.659999999999999</c:v>
                 </c:pt>
                 <c:pt idx="467">
                   <c:v>4.67</c:v>
@@ -36758,7 +36774,7 @@
                   <c:v>4.68</c:v>
                 </c:pt>
                 <c:pt idx="469">
-                  <c:v>4.69</c:v>
+                  <c:v>4.689999999999999</c:v>
                 </c:pt>
                 <c:pt idx="470">
                   <c:v>4.7</c:v>
@@ -36797,7 +36813,7 @@
                   <c:v>4.81</c:v>
                 </c:pt>
                 <c:pt idx="482">
-                  <c:v>4.82</c:v>
+                  <c:v>4.819999999999999</c:v>
                 </c:pt>
                 <c:pt idx="483">
                   <c:v>4.83</c:v>
@@ -36809,7 +36825,7 @@
                   <c:v>4.85</c:v>
                 </c:pt>
                 <c:pt idx="486">
-                  <c:v>4.86</c:v>
+                  <c:v>4.859999999999999</c:v>
                 </c:pt>
                 <c:pt idx="487">
                   <c:v>4.87</c:v>
@@ -36884,10 +36900,10 @@
                   <c:v>5.1</c:v>
                 </c:pt>
                 <c:pt idx="511">
-                  <c:v>5.11</c:v>
+                  <c:v>5.109999999999999</c:v>
                 </c:pt>
                 <c:pt idx="512">
-                  <c:v>5.12</c:v>
+                  <c:v>5.119999999999999</c:v>
                 </c:pt>
                 <c:pt idx="513">
                   <c:v>5.13</c:v>
@@ -36896,10 +36912,10 @@
                   <c:v>5.14</c:v>
                 </c:pt>
                 <c:pt idx="515">
-                  <c:v>5.15</c:v>
+                  <c:v>5.149999999999999</c:v>
                 </c:pt>
                 <c:pt idx="516">
-                  <c:v>5.16</c:v>
+                  <c:v>5.159999999999999</c:v>
                 </c:pt>
                 <c:pt idx="517">
                   <c:v>5.17</c:v>
@@ -36908,7 +36924,7 @@
                   <c:v>5.18</c:v>
                 </c:pt>
                 <c:pt idx="519">
-                  <c:v>5.19</c:v>
+                  <c:v>5.189999999999999</c:v>
                 </c:pt>
                 <c:pt idx="520">
                   <c:v>5.2</c:v>
@@ -36947,7 +36963,7 @@
                   <c:v>5.31</c:v>
                 </c:pt>
                 <c:pt idx="532">
-                  <c:v>5.32</c:v>
+                  <c:v>5.319999999999999</c:v>
                 </c:pt>
                 <c:pt idx="533">
                   <c:v>5.33</c:v>
@@ -36959,7 +36975,7 @@
                   <c:v>5.35</c:v>
                 </c:pt>
                 <c:pt idx="536">
-                  <c:v>5.36</c:v>
+                  <c:v>5.359999999999999</c:v>
                 </c:pt>
                 <c:pt idx="537">
                   <c:v>5.37</c:v>
@@ -37034,10 +37050,10 @@
                   <c:v>5.6</c:v>
                 </c:pt>
                 <c:pt idx="561">
-                  <c:v>5.61</c:v>
+                  <c:v>5.609999999999999</c:v>
                 </c:pt>
                 <c:pt idx="562">
-                  <c:v>5.62</c:v>
+                  <c:v>5.619999999999999</c:v>
                 </c:pt>
                 <c:pt idx="563">
                   <c:v>5.63</c:v>
@@ -37046,10 +37062,10 @@
                   <c:v>5.64</c:v>
                 </c:pt>
                 <c:pt idx="565">
-                  <c:v>5.65</c:v>
+                  <c:v>5.649999999999999</c:v>
                 </c:pt>
                 <c:pt idx="566">
-                  <c:v>5.66</c:v>
+                  <c:v>5.659999999999999</c:v>
                 </c:pt>
                 <c:pt idx="567">
                   <c:v>5.67</c:v>
@@ -37058,7 +37074,7 @@
                   <c:v>5.68</c:v>
                 </c:pt>
                 <c:pt idx="569">
-                  <c:v>5.69</c:v>
+                  <c:v>5.689999999999999</c:v>
                 </c:pt>
                 <c:pt idx="570">
                   <c:v>5.7</c:v>
@@ -37097,7 +37113,7 @@
                   <c:v>5.81</c:v>
                 </c:pt>
                 <c:pt idx="582">
-                  <c:v>5.82</c:v>
+                  <c:v>5.819999999999999</c:v>
                 </c:pt>
                 <c:pt idx="583">
                   <c:v>5.83</c:v>
@@ -37109,7 +37125,7 @@
                   <c:v>5.85</c:v>
                 </c:pt>
                 <c:pt idx="586">
-                  <c:v>5.86</c:v>
+                  <c:v>5.859999999999999</c:v>
                 </c:pt>
                 <c:pt idx="587">
                   <c:v>5.87</c:v>
@@ -37184,10 +37200,10 @@
                   <c:v>6.1</c:v>
                 </c:pt>
                 <c:pt idx="611">
-                  <c:v>6.11</c:v>
+                  <c:v>6.109999999999999</c:v>
                 </c:pt>
                 <c:pt idx="612">
-                  <c:v>6.12</c:v>
+                  <c:v>6.119999999999999</c:v>
                 </c:pt>
                 <c:pt idx="613">
                   <c:v>6.13</c:v>
@@ -37196,10 +37212,10 @@
                   <c:v>6.14</c:v>
                 </c:pt>
                 <c:pt idx="615">
-                  <c:v>6.15</c:v>
+                  <c:v>6.149999999999999</c:v>
                 </c:pt>
                 <c:pt idx="616">
-                  <c:v>6.16</c:v>
+                  <c:v>6.159999999999999</c:v>
                 </c:pt>
                 <c:pt idx="617">
                   <c:v>6.17</c:v>
@@ -37208,7 +37224,7 @@
                   <c:v>6.18</c:v>
                 </c:pt>
                 <c:pt idx="619">
-                  <c:v>6.19</c:v>
+                  <c:v>6.189999999999999</c:v>
                 </c:pt>
                 <c:pt idx="620">
                   <c:v>6.2</c:v>
@@ -37247,7 +37263,7 @@
                   <c:v>6.31</c:v>
                 </c:pt>
                 <c:pt idx="632">
-                  <c:v>6.32</c:v>
+                  <c:v>6.319999999999999</c:v>
                 </c:pt>
                 <c:pt idx="633">
                   <c:v>6.33</c:v>
@@ -37259,7 +37275,7 @@
                   <c:v>6.35</c:v>
                 </c:pt>
                 <c:pt idx="636">
-                  <c:v>6.36</c:v>
+                  <c:v>6.359999999999999</c:v>
                 </c:pt>
                 <c:pt idx="637">
                   <c:v>6.37</c:v>
@@ -37334,10 +37350,10 @@
                   <c:v>6.6</c:v>
                 </c:pt>
                 <c:pt idx="661">
-                  <c:v>6.61</c:v>
+                  <c:v>6.609999999999999</c:v>
                 </c:pt>
                 <c:pt idx="662">
-                  <c:v>6.62</c:v>
+                  <c:v>6.619999999999999</c:v>
                 </c:pt>
                 <c:pt idx="663">
                   <c:v>6.63</c:v>
@@ -37346,10 +37362,10 @@
                   <c:v>6.64</c:v>
                 </c:pt>
                 <c:pt idx="665">
-                  <c:v>6.65</c:v>
+                  <c:v>6.649999999999999</c:v>
                 </c:pt>
                 <c:pt idx="666">
-                  <c:v>6.66</c:v>
+                  <c:v>6.659999999999999</c:v>
                 </c:pt>
                 <c:pt idx="667">
                   <c:v>6.67</c:v>
@@ -37358,7 +37374,7 @@
                   <c:v>6.68</c:v>
                 </c:pt>
                 <c:pt idx="669">
-                  <c:v>6.69</c:v>
+                  <c:v>6.689999999999999</c:v>
                 </c:pt>
                 <c:pt idx="670">
                   <c:v>6.7</c:v>
@@ -37397,7 +37413,7 @@
                   <c:v>6.81</c:v>
                 </c:pt>
                 <c:pt idx="682">
-                  <c:v>6.82</c:v>
+                  <c:v>6.819999999999999</c:v>
                 </c:pt>
                 <c:pt idx="683">
                   <c:v>6.83</c:v>
@@ -37409,7 +37425,7 @@
                   <c:v>6.85</c:v>
                 </c:pt>
                 <c:pt idx="686">
-                  <c:v>6.86</c:v>
+                  <c:v>6.859999999999999</c:v>
                 </c:pt>
                 <c:pt idx="687">
                   <c:v>6.87</c:v>
@@ -37484,10 +37500,10 @@
                   <c:v>7.1</c:v>
                 </c:pt>
                 <c:pt idx="711">
-                  <c:v>7.11</c:v>
+                  <c:v>7.109999999999999</c:v>
                 </c:pt>
                 <c:pt idx="712">
-                  <c:v>7.12</c:v>
+                  <c:v>7.119999999999999</c:v>
                 </c:pt>
                 <c:pt idx="713">
                   <c:v>7.13</c:v>
@@ -37496,10 +37512,10 @@
                   <c:v>7.14</c:v>
                 </c:pt>
                 <c:pt idx="715">
-                  <c:v>7.15</c:v>
+                  <c:v>7.149999999999999</c:v>
                 </c:pt>
                 <c:pt idx="716">
-                  <c:v>7.16</c:v>
+                  <c:v>7.159999999999999</c:v>
                 </c:pt>
                 <c:pt idx="717">
                   <c:v>7.17</c:v>
@@ -37508,7 +37524,7 @@
                   <c:v>7.18</c:v>
                 </c:pt>
                 <c:pt idx="719">
-                  <c:v>7.19</c:v>
+                  <c:v>7.189999999999999</c:v>
                 </c:pt>
                 <c:pt idx="720">
                   <c:v>7.2</c:v>
@@ -37547,7 +37563,7 @@
                   <c:v>7.31</c:v>
                 </c:pt>
                 <c:pt idx="732">
-                  <c:v>7.32</c:v>
+                  <c:v>7.319999999999999</c:v>
                 </c:pt>
                 <c:pt idx="733">
                   <c:v>7.33</c:v>
@@ -37559,7 +37575,7 @@
                   <c:v>7.35</c:v>
                 </c:pt>
                 <c:pt idx="736">
-                  <c:v>7.36</c:v>
+                  <c:v>7.359999999999999</c:v>
                 </c:pt>
                 <c:pt idx="737">
                   <c:v>7.37</c:v>
@@ -37634,10 +37650,10 @@
                   <c:v>7.6</c:v>
                 </c:pt>
                 <c:pt idx="761">
-                  <c:v>7.61</c:v>
+                  <c:v>7.609999999999999</c:v>
                 </c:pt>
                 <c:pt idx="762">
-                  <c:v>7.62</c:v>
+                  <c:v>7.619999999999999</c:v>
                 </c:pt>
                 <c:pt idx="763">
                   <c:v>7.63</c:v>
@@ -37646,10 +37662,10 @@
                   <c:v>7.64</c:v>
                 </c:pt>
                 <c:pt idx="765">
-                  <c:v>7.65</c:v>
+                  <c:v>7.649999999999999</c:v>
                 </c:pt>
                 <c:pt idx="766">
-                  <c:v>7.66</c:v>
+                  <c:v>7.659999999999999</c:v>
                 </c:pt>
                 <c:pt idx="767">
                   <c:v>7.67</c:v>
@@ -37658,7 +37674,7 @@
                   <c:v>7.68</c:v>
                 </c:pt>
                 <c:pt idx="769">
-                  <c:v>7.69</c:v>
+                  <c:v>7.689999999999999</c:v>
                 </c:pt>
                 <c:pt idx="770">
                   <c:v>7.7</c:v>
@@ -37697,7 +37713,7 @@
                   <c:v>7.81</c:v>
                 </c:pt>
                 <c:pt idx="782">
-                  <c:v>7.82</c:v>
+                  <c:v>7.819999999999999</c:v>
                 </c:pt>
                 <c:pt idx="783">
                   <c:v>7.83</c:v>
@@ -37709,7 +37725,7 @@
                   <c:v>7.85</c:v>
                 </c:pt>
                 <c:pt idx="786">
-                  <c:v>7.86</c:v>
+                  <c:v>7.859999999999999</c:v>
                 </c:pt>
                 <c:pt idx="787">
                   <c:v>7.87</c:v>
@@ -37820,10 +37836,10 @@
                   <c:v>8.220000000000001</c:v>
                 </c:pt>
                 <c:pt idx="823">
-                  <c:v>8.23</c:v>
+                  <c:v>8.229999999999998</c:v>
                 </c:pt>
                 <c:pt idx="824">
-                  <c:v>8.24</c:v>
+                  <c:v>8.239999999999998</c:v>
                 </c:pt>
                 <c:pt idx="825">
                   <c:v>8.25</c:v>
@@ -37943,7 +37959,7 @@
                   <c:v>8.630000000000001</c:v>
                 </c:pt>
                 <c:pt idx="864">
-                  <c:v>8.64</c:v>
+                  <c:v>8.639999999999998</c:v>
                 </c:pt>
                 <c:pt idx="865">
                   <c:v>8.65</c:v>
@@ -37970,10 +37986,10 @@
                   <c:v>8.720000000000001</c:v>
                 </c:pt>
                 <c:pt idx="873">
-                  <c:v>8.73</c:v>
+                  <c:v>8.729999999999998</c:v>
                 </c:pt>
                 <c:pt idx="874">
-                  <c:v>8.74</c:v>
+                  <c:v>8.739999999999998</c:v>
                 </c:pt>
                 <c:pt idx="875">
                   <c:v>8.75</c:v>
@@ -38120,10 +38136,10 @@
                   <c:v>9.220000000000001</c:v>
                 </c:pt>
                 <c:pt idx="923">
-                  <c:v>9.23</c:v>
+                  <c:v>9.229999999999998</c:v>
                 </c:pt>
                 <c:pt idx="924">
-                  <c:v>9.24</c:v>
+                  <c:v>9.239999999999998</c:v>
                 </c:pt>
                 <c:pt idx="925">
                   <c:v>9.25</c:v>
@@ -38243,7 +38259,7 @@
                   <c:v>9.630000000000001</c:v>
                 </c:pt>
                 <c:pt idx="964">
-                  <c:v>9.64</c:v>
+                  <c:v>9.639999999999998</c:v>
                 </c:pt>
                 <c:pt idx="965">
                   <c:v>9.65</c:v>
@@ -38270,10 +38286,10 @@
                   <c:v>9.720000000000001</c:v>
                 </c:pt>
                 <c:pt idx="973">
-                  <c:v>9.73</c:v>
+                  <c:v>9.729999999999998</c:v>
                 </c:pt>
                 <c:pt idx="974">
-                  <c:v>9.74</c:v>
+                  <c:v>9.739999999999998</c:v>
                 </c:pt>
                 <c:pt idx="975">
                   <c:v>9.75</c:v>
@@ -38360,7 +38376,7 @@
                 <c:formatCode>General</c:formatCode>
                 <c:ptCount val="2003"/>
                 <c:pt idx="0">
-                  <c:v>-490.249757750144</c:v>
+                  <c:v>-490.2497577501439</c:v>
                 </c:pt>
                 <c:pt idx="1">
                   <c:v>-490.164437219398</c:v>
@@ -38390,13 +38406,13 @@
                   <c:v>-483.369814304914</c:v>
                 </c:pt>
                 <c:pt idx="10">
-                  <c:v>-481.765095647372</c:v>
+                  <c:v>-481.7650956473719</c:v>
                 </c:pt>
                 <c:pt idx="11">
                   <c:v>-479.995480288559</c:v>
                 </c:pt>
                 <c:pt idx="12">
-                  <c:v>-478.062174544122</c:v>
+                  <c:v>-478.0621745441219</c:v>
                 </c:pt>
                 <c:pt idx="13">
                   <c:v>-475.966499616913</c:v>
@@ -38405,13 +38421,13 @@
                   <c:v>-473.709891596985</c:v>
                 </c:pt>
                 <c:pt idx="15">
-                  <c:v>-471.293901461601</c:v>
+                  <c:v>-471.2939014616009</c:v>
                 </c:pt>
                 <c:pt idx="16">
-                  <c:v>-468.720195075222</c:v>
+                  <c:v>-468.7201950752219</c:v>
                 </c:pt>
                 <c:pt idx="17">
-                  <c:v>-465.990553189519</c:v>
+                  <c:v>-465.9905531895189</c:v>
                 </c:pt>
                 <c:pt idx="18">
                   <c:v>-463.106871443365</c:v>
@@ -38429,34 +38445,34 @@
                   <c:v>-450.073679683848</c:v>
                 </c:pt>
                 <c:pt idx="23">
-                  <c:v>-446.452254270687</c:v>
+                  <c:v>-446.4522542706869</c:v>
                 </c:pt>
                 <c:pt idx="24">
-                  <c:v>-442.690575461607</c:v>
+                  <c:v>-442.6905754616069</c:v>
                 </c:pt>
                 <c:pt idx="25">
                   <c:v>-438.791343105911</c:v>
                 </c:pt>
                 <c:pt idx="26">
-                  <c:v>-434.757371940108</c:v>
+                  <c:v>-434.7573719401079</c:v>
                 </c:pt>
                 <c:pt idx="27">
                   <c:v>-430.591591587911</c:v>
                 </c:pt>
                 <c:pt idx="28">
-                  <c:v>-426.297046560237</c:v>
+                  <c:v>-426.2970465602369</c:v>
                 </c:pt>
                 <c:pt idx="29">
-                  <c:v>-421.876896255209</c:v>
+                  <c:v>-421.8768962552089</c:v>
                 </c:pt>
                 <c:pt idx="30">
-                  <c:v>-417.334414958152</c:v>
+                  <c:v>-417.3344149581519</c:v>
                 </c:pt>
                 <c:pt idx="31">
                   <c:v>-412.672991841598</c:v>
                 </c:pt>
                 <c:pt idx="32">
-                  <c:v>-407.896130965281</c:v>
+                  <c:v>-407.8961309652809</c:v>
                 </c:pt>
                 <c:pt idx="33">
                   <c:v>-403.007451276141</c:v>
@@ -38474,13 +38490,13 @@
                   <c:v>-382.4109443823</c:v>
                 </c:pt>
                 <c:pt idx="38">
-                  <c:v>-377.021475885295</c:v>
+                  <c:v>-377.0214758852949</c:v>
                 </c:pt>
                 <c:pt idx="39">
                   <c:v>-371.544314888398</c:v>
                 </c:pt>
                 <c:pt idx="40">
-                  <c:v>-365.983884548979</c:v>
+                  <c:v>-365.9838845489789</c:v>
                 </c:pt>
                 <c:pt idx="41">
                   <c:v>-360.344722911614</c:v>
@@ -38513,10 +38529,10 @@
                   <c:v>-306.855006288812</c:v>
                 </c:pt>
                 <c:pt idx="51">
-                  <c:v>-300.703399308584</c:v>
+                  <c:v>-300.7033993085839</c:v>
                 </c:pt>
                 <c:pt idx="52">
-                  <c:v>-294.530562076229</c:v>
+                  <c:v>-294.5305620762289</c:v>
                 </c:pt>
                 <c:pt idx="53">
                   <c:v>-288.342411282773</c:v>
@@ -38525,7 +38541,7 @@
                   <c:v>-282.14497850645</c:v>
                 </c:pt>
                 <c:pt idx="55">
-                  <c:v>-275.944410212697</c:v>
+                  <c:v>-275.9444102126969</c:v>
                 </c:pt>
                 <c:pt idx="56">
                   <c:v>-269.746967754155</c:v>
@@ -38573,7 +38589,7 @@
                   <c:v>-187.090775057549</c:v>
                 </c:pt>
                 <c:pt idx="71">
-                  <c:v>-181.769705743173</c:v>
+                  <c:v>-181.7697057431729</c:v>
                 </c:pt>
                 <c:pt idx="72">
                   <c:v>-176.567568566076</c:v>
@@ -38588,7 +38604,7 @@
                   <c:v>-161.757468645645</c:v>
                 </c:pt>
                 <c:pt idx="76">
-                  <c:v>-157.114353240875</c:v>
+                  <c:v>-157.1143532408749</c:v>
                 </c:pt>
                 <c:pt idx="77">
                   <c:v>-152.632391021012</c:v>
@@ -38603,7 +38619,7 @@
                   <c:v>-140.241886618279</c:v>
                 </c:pt>
                 <c:pt idx="81">
-                  <c:v>-136.49357472148</c:v>
+                  <c:v>-136.4935747214799</c:v>
                 </c:pt>
                 <c:pt idx="82">
                   <c:v>-132.951509237327</c:v>
@@ -38672,13 +38688,13 @@
                   <c:v>-93.6017639372015</c:v>
                 </c:pt>
                 <c:pt idx="104">
-                  <c:v>-92.0304091514266</c:v>
+                  <c:v>-92.03040915142658</c:v>
                 </c:pt>
                 <c:pt idx="105">
                   <c:v>-90.4890231458436</c:v>
                 </c:pt>
                 <c:pt idx="106">
-                  <c:v>-88.9758040334811</c:v>
+                  <c:v>-88.97580403348107</c:v>
                 </c:pt>
                 <c:pt idx="107">
                   <c:v>-87.48903118528661</c:v>
@@ -38687,13 +38703,13 @@
                   <c:v>-86.02706201294831</c:v>
                 </c:pt>
                 <c:pt idx="109">
-                  <c:v>-84.58833454773659</c:v>
+                  <c:v>-84.58833454773657</c:v>
                 </c:pt>
                 <c:pt idx="110">
-                  <c:v>-83.1713598385507</c:v>
+                  <c:v>-83.17135983855067</c:v>
                 </c:pt>
                 <c:pt idx="111">
-                  <c:v>-82.0725861914254</c:v>
+                  <c:v>-82.07258619142537</c:v>
                 </c:pt>
                 <c:pt idx="112">
                   <c:v>-80.9928112717617</c:v>
@@ -38702,28 +38718,28 @@
                   <c:v>-79.930762089503</c:v>
                 </c:pt>
                 <c:pt idx="114">
-                  <c:v>-78.8852378864072</c:v>
+                  <c:v>-78.88523788640718</c:v>
                 </c:pt>
                 <c:pt idx="115">
-                  <c:v>-77.8550999434577</c:v>
+                  <c:v>-77.85509994345769</c:v>
                 </c:pt>
                 <c:pt idx="116">
                   <c:v>-76.8392773253425</c:v>
                 </c:pt>
                 <c:pt idx="117">
-                  <c:v>-75.8367565778005</c:v>
+                  <c:v>-75.83675657780049</c:v>
                 </c:pt>
                 <c:pt idx="118">
-                  <c:v>-74.8465873925138</c:v>
+                  <c:v>-74.84658739251378</c:v>
                 </c:pt>
                 <c:pt idx="119">
-                  <c:v>-73.8678722531042</c:v>
+                  <c:v>-73.86787225310418</c:v>
                 </c:pt>
                 <c:pt idx="120">
-                  <c:v>-72.8997720746967</c:v>
+                  <c:v>-72.89977207469667</c:v>
                 </c:pt>
                 <c:pt idx="121">
-                  <c:v>-71.970939848429</c:v>
+                  <c:v>-71.97093984842898</c:v>
                 </c:pt>
                 <c:pt idx="122">
                   <c:v>-71.05119430124</c:v>
@@ -38735,7 +38751,7 @@
                   <c:v>-69.2362359700432</c:v>
                 </c:pt>
                 <c:pt idx="125">
-                  <c:v>-68.3397746502892</c:v>
+                  <c:v>-68.33977465028919</c:v>
                 </c:pt>
                 <c:pt idx="126">
                   <c:v>-67.4498925001013</c:v>
@@ -38744,7 +38760,7 @@
                   <c:v>-66.566066954844</c:v>
                 </c:pt>
                 <c:pt idx="128">
-                  <c:v>-65.6878079201542</c:v>
+                  <c:v>-65.68780792015419</c:v>
                 </c:pt>
                 <c:pt idx="129">
                   <c:v>-64.8146627472484</c:v>
@@ -38765,7 +38781,7 @@
                   <c:v>-59.4941250452205</c:v>
                 </c:pt>
                 <c:pt idx="135">
-                  <c:v>-58.3893740336145</c:v>
+                  <c:v>-58.38937403361449</c:v>
                 </c:pt>
                 <c:pt idx="136">
                   <c:v>-57.2873688643535</c:v>
@@ -38795,7 +38811,7 @@
                   <c:v>-50.485637682581</c:v>
                 </c:pt>
                 <c:pt idx="145">
-                  <c:v>-49.8846923894731</c:v>
+                  <c:v>-49.88469238947309</c:v>
                 </c:pt>
                 <c:pt idx="146">
                   <c:v>-49.2847903261236</c:v>
@@ -38813,7 +38829,7 @@
                   <c:v>-46.8937361745582</c:v>
                 </c:pt>
                 <c:pt idx="151">
-                  <c:v>-46.1310150956176</c:v>
+                  <c:v>-46.13101509561759</c:v>
                 </c:pt>
                 <c:pt idx="152">
                   <c:v>-45.3688523434746</c:v>
@@ -38822,7 +38838,7 @@
                   <c:v>-44.6071930492683</c:v>
                 </c:pt>
                 <c:pt idx="154">
-                  <c:v>-43.8459837193076</c:v>
+                  <c:v>-43.84598371930759</c:v>
                 </c:pt>
                 <c:pt idx="155">
                   <c:v>-43.0851797729139</c:v>
@@ -38855,10 +38871,10 @@
                   <c:v>-36.6654302426667</c:v>
                 </c:pt>
                 <c:pt idx="165">
-                  <c:v>-36.0106831591064</c:v>
+                  <c:v>-36.01068315910639</c:v>
                 </c:pt>
                 <c:pt idx="166">
-                  <c:v>-35.3560499779864</c:v>
+                  <c:v>-35.35604997798639</c:v>
                 </c:pt>
                 <c:pt idx="167">
                   <c:v>-34.7015197347521</c:v>
@@ -38879,7 +38895,7 @@
                   <c:v>-31.4998672651378</c:v>
                 </c:pt>
                 <c:pt idx="173">
-                  <c:v>-30.8806618731459</c:v>
+                  <c:v>-30.88066187314589</c:v>
                 </c:pt>
                 <c:pt idx="174">
                   <c:v>-30.261499500882</c:v>
@@ -38927,7 +38943,7 @@
                   <c:v>-21.4322733465596</c:v>
                 </c:pt>
                 <c:pt idx="189">
-                  <c:v>-20.7929477833237</c:v>
+                  <c:v>-20.79294778332369</c:v>
                 </c:pt>
                 <c:pt idx="190">
                   <c:v>-20.1536273194824</c:v>
@@ -38942,7 +38958,7 @@
                   <c:v>-18.3468312459342</c:v>
                 </c:pt>
                 <c:pt idx="194">
-                  <c:v>-17.7445722839736</c:v>
+                  <c:v>-17.74457228397359</c:v>
                 </c:pt>
                 <c:pt idx="195">
                   <c:v>-17.142315824512</c:v>
@@ -38993,16 +39009,16 @@
                   <c:v>-8.87922738393919</c:v>
                 </c:pt>
                 <c:pt idx="211">
-                  <c:v>-8.33412313105603</c:v>
+                  <c:v>-8.334123131056028</c:v>
                 </c:pt>
                 <c:pt idx="212">
                   <c:v>-7.78901896773397</c:v>
                 </c:pt>
                 <c:pt idx="213">
-                  <c:v>-7.24391496603422</c:v>
+                  <c:v>-7.243914966034219</c:v>
                 </c:pt>
                 <c:pt idx="214">
-                  <c:v>-6.69881120201894</c:v>
+                  <c:v>-6.698811202018938</c:v>
                 </c:pt>
                 <c:pt idx="215">
                   <c:v>-6.15370745519632</c:v>
@@ -39014,16 +39030,16 @@
                   <c:v>-5.06350034557257</c:v>
                 </c:pt>
                 <c:pt idx="218">
-                  <c:v>-4.51839685500704</c:v>
+                  <c:v>-4.518396855007039</c:v>
                 </c:pt>
                 <c:pt idx="219">
-                  <c:v>-3.97329342543514</c:v>
+                  <c:v>-3.973293425435139</c:v>
                 </c:pt>
                 <c:pt idx="220">
                   <c:v>-3.42819014755985</c:v>
                 </c:pt>
                 <c:pt idx="221">
-                  <c:v>-3.00425611346424</c:v>
+                  <c:v>-3.004256113464239</c:v>
                 </c:pt>
                 <c:pt idx="222">
                   <c:v>-2.5803226164125</c:v>
@@ -39086,10 +39102,10 @@
                   <c:v>4.43957426987864</c:v>
                 </c:pt>
                 <c:pt idx="242">
-                  <c:v>4.66753587517044</c:v>
+                  <c:v>4.667535875170437</c:v>
                 </c:pt>
                 <c:pt idx="243">
-                  <c:v>4.89549747954894</c:v>
+                  <c:v>4.895497479548939</c:v>
                 </c:pt>
                 <c:pt idx="244">
                   <c:v>5.12345908316879</c:v>
@@ -39119,7 +39135,7 @@
                   <c:v>6.78303199655806</c:v>
                 </c:pt>
                 <c:pt idx="253">
-                  <c:v>6.92893359718761</c:v>
+                  <c:v>6.928933597187609</c:v>
                 </c:pt>
                 <c:pt idx="254">
                   <c:v>7.07483519770384</c:v>
@@ -39131,7 +39147,7 @@
                   <c:v>7.3666382984731</c:v>
                 </c:pt>
                 <c:pt idx="257">
-                  <c:v>7.51253989875637</c:v>
+                  <c:v>7.512539898756369</c:v>
                 </c:pt>
                 <c:pt idx="258">
                   <c:v>7.65844149898789</c:v>
@@ -39170,7 +39186,7 @@
                   <c:v>8.30823699990041</c:v>
                 </c:pt>
                 <c:pt idx="270">
-                  <c:v>8.34801379991973</c:v>
+                  <c:v>8.348013799919729</c:v>
                 </c:pt>
                 <c:pt idx="271">
                   <c:v>8.30856819993534</c:v>
@@ -39188,7 +39204,7 @@
                   <c:v>8.15078419997301</c:v>
                 </c:pt>
                 <c:pt idx="276">
-                  <c:v>8.11133819997835</c:v>
+                  <c:v>8.111338199978348</c:v>
                 </c:pt>
                 <c:pt idx="277">
                   <c:v>8.07189219998264</c:v>
@@ -39215,7 +39231,7 @@
                   <c:v>7.44249819999639</c:v>
                 </c:pt>
                 <c:pt idx="285">
-                  <c:v>7.31473409999712</c:v>
+                  <c:v>7.314734099997119</c:v>
                 </c:pt>
                 <c:pt idx="286">
                   <c:v>7.18696989999771</c:v>
@@ -39257,7 +39273,7 @@
                   <c:v>5.18421669999986</c:v>
                 </c:pt>
                 <c:pt idx="299">
-                  <c:v>4.99775459999989</c:v>
+                  <c:v>4.997754599999889</c:v>
                 </c:pt>
                 <c:pt idx="300">
                   <c:v>4.81129239999991</c:v>
@@ -39266,7 +39282,7 @@
                   <c:v>4.56907649999993</c:v>
                 </c:pt>
                 <c:pt idx="302">
-                  <c:v>4.32686029999994</c:v>
+                  <c:v>4.326860299999939</c:v>
                 </c:pt>
                 <c:pt idx="303">
                   <c:v>4.08464399999995</c:v>
@@ -39359,31 +39375,31 @@
                   <c:v>-3.6402622</c:v>
                 </c:pt>
                 <c:pt idx="333">
-                  <c:v>-3.8784466</c:v>
+                  <c:v>-3.878446599999999</c:v>
                 </c:pt>
                 <c:pt idx="334">
-                  <c:v>-4.11663099999999</c:v>
+                  <c:v>-4.116630999999989</c:v>
                 </c:pt>
                 <c:pt idx="335">
-                  <c:v>-4.35481539999999</c:v>
+                  <c:v>-4.354815399999988</c:v>
                 </c:pt>
                 <c:pt idx="336">
-                  <c:v>-4.5929998</c:v>
+                  <c:v>-4.592999799999999</c:v>
                 </c:pt>
                 <c:pt idx="337">
-                  <c:v>-4.8311842</c:v>
+                  <c:v>-4.831184199999999</c:v>
                 </c:pt>
                 <c:pt idx="338">
                   <c:v>-5.06936859999999</c:v>
                 </c:pt>
                 <c:pt idx="339">
-                  <c:v>-5.307553</c:v>
+                  <c:v>-5.307552999999999</c:v>
                 </c:pt>
                 <c:pt idx="340">
                   <c:v>-5.5457374</c:v>
                 </c:pt>
                 <c:pt idx="341">
-                  <c:v>-5.7275463</c:v>
+                  <c:v>-5.727546299999999</c:v>
                 </c:pt>
                 <c:pt idx="342">
                   <c:v>-5.9093549</c:v>
@@ -39395,7 +39411,7 @@
                   <c:v>-6.27297209999999</c:v>
                 </c:pt>
                 <c:pt idx="345">
-                  <c:v>-6.4547808</c:v>
+                  <c:v>-6.454780799999999</c:v>
                 </c:pt>
                 <c:pt idx="346">
                   <c:v>-6.6365894</c:v>
@@ -39407,22 +39423,22 @@
                   <c:v>-7.0002066</c:v>
                 </c:pt>
                 <c:pt idx="349">
-                  <c:v>-7.18201529999999</c:v>
+                  <c:v>-7.182015299999988</c:v>
                 </c:pt>
                 <c:pt idx="350">
-                  <c:v>-7.36382389999999</c:v>
+                  <c:v>-7.363823899999989</c:v>
                 </c:pt>
                 <c:pt idx="351">
-                  <c:v>-7.4881175</c:v>
+                  <c:v>-7.488117499999999</c:v>
                 </c:pt>
                 <c:pt idx="352">
-                  <c:v>-7.61241069999999</c:v>
+                  <c:v>-7.612410699999988</c:v>
                 </c:pt>
                 <c:pt idx="353">
                   <c:v>-7.73670399999999</c:v>
                 </c:pt>
                 <c:pt idx="354">
-                  <c:v>-7.8609973</c:v>
+                  <c:v>-7.860997299999999</c:v>
                 </c:pt>
                 <c:pt idx="355">
                   <c:v>-7.98529059999999</c:v>
@@ -39431,10 +39447,10 @@
                   <c:v>-8.1095839</c:v>
                 </c:pt>
                 <c:pt idx="357">
-                  <c:v>-8.233877100000001</c:v>
+                  <c:v>-8.2338771</c:v>
                 </c:pt>
                 <c:pt idx="358">
-                  <c:v>-8.3581704</c:v>
+                  <c:v>-8.358170399999998</c:v>
                 </c:pt>
                 <c:pt idx="359">
                   <c:v>-8.4824637</c:v>
@@ -39443,13 +39459,13 @@
                   <c:v>-8.606757</c:v>
                 </c:pt>
                 <c:pt idx="361">
-                  <c:v>-8.64889179999999</c:v>
+                  <c:v>-8.648891799999989</c:v>
                 </c:pt>
                 <c:pt idx="362">
-                  <c:v>-8.6910261</c:v>
+                  <c:v>-8.691026099999998</c:v>
                 </c:pt>
                 <c:pt idx="363">
-                  <c:v>-8.7331605</c:v>
+                  <c:v>-8.733160499999998</c:v>
                 </c:pt>
                 <c:pt idx="364">
                   <c:v>-8.7752949</c:v>
@@ -39518,13 +39534,13 @@
                   <c:v>-8.391127900000001</c:v>
                 </c:pt>
                 <c:pt idx="386">
-                  <c:v>-8.3131751</c:v>
+                  <c:v>-8.313175099999998</c:v>
                 </c:pt>
                 <c:pt idx="387">
                   <c:v>-8.23522239999999</c:v>
                 </c:pt>
                 <c:pt idx="388">
-                  <c:v>-8.1572697</c:v>
+                  <c:v>-8.157269699999998</c:v>
                 </c:pt>
                 <c:pt idx="389">
                   <c:v>-8.0793169</c:v>
@@ -39539,7 +39555,7 @@
                   <c:v>-7.771859</c:v>
                 </c:pt>
                 <c:pt idx="393">
-                  <c:v>-7.65710629999999</c:v>
+                  <c:v>-7.657106299999988</c:v>
                 </c:pt>
                 <c:pt idx="394">
                   <c:v>-7.5423536</c:v>
@@ -39548,19 +39564,19 @@
                   <c:v>-7.427601</c:v>
                 </c:pt>
                 <c:pt idx="396">
-                  <c:v>-7.31284829999999</c:v>
+                  <c:v>-7.312848299999989</c:v>
                 </c:pt>
                 <c:pt idx="397">
-                  <c:v>-7.1980956</c:v>
+                  <c:v>-7.198095599999999</c:v>
                 </c:pt>
                 <c:pt idx="398">
                   <c:v>-7.08334289999999</c:v>
                 </c:pt>
                 <c:pt idx="399">
-                  <c:v>-6.9685902</c:v>
+                  <c:v>-6.968590199999999</c:v>
                 </c:pt>
                 <c:pt idx="400">
-                  <c:v>-6.8538375</c:v>
+                  <c:v>-6.853837499999999</c:v>
                 </c:pt>
                 <c:pt idx="401">
                   <c:v>-6.71565169999999</c:v>
@@ -39575,25 +39591,25 @@
                   <c:v>-6.3010938</c:v>
                 </c:pt>
                 <c:pt idx="405">
-                  <c:v>-6.1629078</c:v>
+                  <c:v>-6.162907799999998</c:v>
                 </c:pt>
                 <c:pt idx="406">
-                  <c:v>-6.0247219</c:v>
+                  <c:v>-6.024721899999999</c:v>
                 </c:pt>
                 <c:pt idx="407">
-                  <c:v>-5.8865359</c:v>
+                  <c:v>-5.886535899999999</c:v>
                 </c:pt>
                 <c:pt idx="408">
                   <c:v>-5.7483499</c:v>
                 </c:pt>
                 <c:pt idx="409">
-                  <c:v>-5.610164</c:v>
+                  <c:v>-5.610163999999999</c:v>
                 </c:pt>
                 <c:pt idx="410">
                   <c:v>-5.471978</c:v>
                 </c:pt>
                 <c:pt idx="411">
-                  <c:v>-5.3301952</c:v>
+                  <c:v>-5.330195199999999</c:v>
                 </c:pt>
                 <c:pt idx="412">
                   <c:v>-5.1884123</c:v>
@@ -39602,25 +39618,25 @@
                   <c:v>-5.04662949999999</c:v>
                 </c:pt>
                 <c:pt idx="414">
-                  <c:v>-4.90484659999999</c:v>
+                  <c:v>-4.904846599999989</c:v>
                 </c:pt>
                 <c:pt idx="415">
                   <c:v>-4.7630638</c:v>
                 </c:pt>
                 <c:pt idx="416">
-                  <c:v>-4.6212809</c:v>
+                  <c:v>-4.621280899999999</c:v>
                 </c:pt>
                 <c:pt idx="417">
                   <c:v>-4.47949809999999</c:v>
                 </c:pt>
                 <c:pt idx="418">
-                  <c:v>-4.33771519999999</c:v>
+                  <c:v>-4.337715199999989</c:v>
                 </c:pt>
                 <c:pt idx="419">
-                  <c:v>-4.19593229999999</c:v>
+                  <c:v>-4.195932299999988</c:v>
                 </c:pt>
                 <c:pt idx="420">
-                  <c:v>-4.0541495</c:v>
+                  <c:v>-4.054149499999999</c:v>
                 </c:pt>
                 <c:pt idx="421">
                   <c:v>-3.88886319999999</c:v>
@@ -39644,7 +39660,7 @@
                   <c:v>-2.8971448</c:v>
                 </c:pt>
                 <c:pt idx="428">
-                  <c:v>-2.7318584</c:v>
+                  <c:v>-2.731858399999999</c:v>
                 </c:pt>
                 <c:pt idx="429">
                   <c:v>-2.56657199999999</c:v>
@@ -39791,10 +39807,10 @@
                   <c:v>3.2950186</c:v>
                 </c:pt>
                 <c:pt idx="477">
-                  <c:v>3.3737488</c:v>
+                  <c:v>3.373748799999999</c:v>
                 </c:pt>
                 <c:pt idx="478">
-                  <c:v>3.4524791</c:v>
+                  <c:v>3.452479099999999</c:v>
                 </c:pt>
                 <c:pt idx="479">
                   <c:v>3.53120939999999</c:v>
@@ -39818,7 +39834,7 @@
                   <c:v>3.8393804</c:v>
                 </c:pt>
                 <c:pt idx="486">
-                  <c:v>3.8852684</c:v>
+                  <c:v>3.885268399999999</c:v>
                 </c:pt>
                 <c:pt idx="487">
                   <c:v>3.9311565</c:v>
@@ -39827,28 +39843,28 @@
                   <c:v>3.9770446</c:v>
                 </c:pt>
                 <c:pt idx="489">
-                  <c:v>4.0229327</c:v>
+                  <c:v>4.022932699999999</c:v>
                 </c:pt>
                 <c:pt idx="490">
-                  <c:v>4.0688208</c:v>
+                  <c:v>4.068820799999999</c:v>
                 </c:pt>
                 <c:pt idx="491">
                   <c:v>4.0903777</c:v>
                 </c:pt>
                 <c:pt idx="492">
-                  <c:v>4.1119345</c:v>
+                  <c:v>4.111934499999998</c:v>
                 </c:pt>
                 <c:pt idx="493">
                   <c:v>4.13349119999999</c:v>
                 </c:pt>
                 <c:pt idx="494">
-                  <c:v>4.15504799999999</c:v>
+                  <c:v>4.155047999999989</c:v>
                 </c:pt>
                 <c:pt idx="495">
                   <c:v>4.1766047</c:v>
                 </c:pt>
                 <c:pt idx="496">
-                  <c:v>4.1981615</c:v>
+                  <c:v>4.198161499999999</c:v>
                 </c:pt>
                 <c:pt idx="497">
                   <c:v>4.2197182</c:v>
@@ -39857,16 +39873,16 @@
                   <c:v>4.24127489999999</c:v>
                 </c:pt>
                 <c:pt idx="499">
-                  <c:v>4.26283169999999</c:v>
+                  <c:v>4.262831699999989</c:v>
                 </c:pt>
                 <c:pt idx="500">
                   <c:v>4.2843884</c:v>
                 </c:pt>
                 <c:pt idx="501">
-                  <c:v>4.2674915</c:v>
+                  <c:v>4.267491499999999</c:v>
                 </c:pt>
                 <c:pt idx="502">
-                  <c:v>4.25059439999999</c:v>
+                  <c:v>4.250594399999989</c:v>
                 </c:pt>
                 <c:pt idx="503">
                   <c:v>4.23369719999999</c:v>
@@ -39875,28 +39891,28 @@
                   <c:v>4.2168</c:v>
                 </c:pt>
                 <c:pt idx="505">
-                  <c:v>4.1999028</c:v>
+                  <c:v>4.199902799999999</c:v>
                 </c:pt>
                 <c:pt idx="506">
-                  <c:v>4.18300569999999</c:v>
+                  <c:v>4.183005699999989</c:v>
                 </c:pt>
                 <c:pt idx="507">
-                  <c:v>4.1661085</c:v>
+                  <c:v>4.166108499999999</c:v>
                 </c:pt>
                 <c:pt idx="508">
                   <c:v>4.1492113</c:v>
                 </c:pt>
                 <c:pt idx="509">
-                  <c:v>4.13231419999999</c:v>
+                  <c:v>4.132314199999989</c:v>
                 </c:pt>
                 <c:pt idx="510">
-                  <c:v>4.11541699999999</c:v>
+                  <c:v>4.115416999999988</c:v>
                 </c:pt>
                 <c:pt idx="511">
-                  <c:v>4.0668062</c:v>
+                  <c:v>4.066806199999999</c:v>
                 </c:pt>
                 <c:pt idx="512">
-                  <c:v>4.01819509999999</c:v>
+                  <c:v>4.018195099999989</c:v>
                 </c:pt>
                 <c:pt idx="513">
                   <c:v>3.9695841</c:v>
@@ -39929,7 +39945,7 @@
                   <c:v>3.47373479999999</c:v>
                 </c:pt>
                 <c:pt idx="523">
-                  <c:v>3.3959486</c:v>
+                  <c:v>3.395948599999999</c:v>
                 </c:pt>
                 <c:pt idx="524">
                   <c:v>3.3181625</c:v>
@@ -39950,7 +39966,7 @@
                   <c:v>2.9292318</c:v>
                 </c:pt>
                 <c:pt idx="530">
-                  <c:v>2.8514457</c:v>
+                  <c:v>2.851445699999999</c:v>
                 </c:pt>
                 <c:pt idx="531">
                   <c:v>2.7467481</c:v>
@@ -40121,10 +40137,10 @@
                   <c:v>-3.232441</c:v>
                 </c:pt>
                 <c:pt idx="587">
-                  <c:v>-3.30246</c:v>
+                  <c:v>-3.302459999999999</c:v>
                 </c:pt>
                 <c:pt idx="588">
-                  <c:v>-3.37247899999999</c:v>
+                  <c:v>-3.372478999999989</c:v>
                 </c:pt>
                 <c:pt idx="589">
                   <c:v>-3.442498</c:v>
@@ -40163,7 +40179,7 @@
                   <c:v>-3.8697157</c:v>
                 </c:pt>
                 <c:pt idx="601">
-                  <c:v>-3.8750034</c:v>
+                  <c:v>-3.875003399999999</c:v>
                 </c:pt>
                 <c:pt idx="602">
                   <c:v>-3.8802908</c:v>
@@ -40172,7 +40188,7 @@
                   <c:v>-3.8855783</c:v>
                 </c:pt>
                 <c:pt idx="604">
-                  <c:v>-3.8908657</c:v>
+                  <c:v>-3.890865699999999</c:v>
                 </c:pt>
                 <c:pt idx="605">
                   <c:v>-3.8961532</c:v>
@@ -40184,7 +40200,7 @@
                   <c:v>-3.9067281</c:v>
                 </c:pt>
                 <c:pt idx="608">
-                  <c:v>-3.91201549999999</c:v>
+                  <c:v>-3.912015499999989</c:v>
                 </c:pt>
                 <c:pt idx="609">
                   <c:v>-3.917303</c:v>
@@ -40223,7 +40239,7 @@
                   <c:v>-3.6685705</c:v>
                 </c:pt>
                 <c:pt idx="621">
-                  <c:v>-3.6190064</c:v>
+                  <c:v>-3.619006399999999</c:v>
                 </c:pt>
                 <c:pt idx="622">
                   <c:v>-3.56944209999999</c:v>
@@ -40265,7 +40281,7 @@
                   <c:v>-2.92388609999999</c:v>
                 </c:pt>
                 <c:pt idx="635">
-                  <c:v>-2.8616256</c:v>
+                  <c:v>-2.861625599999999</c:v>
                 </c:pt>
                 <c:pt idx="636">
                   <c:v>-2.7993652</c:v>
@@ -40808,7 +40824,7 @@
                   <c:v>-1.42311539999999</c:v>
                 </c:pt>
                 <c:pt idx="816">
-                  <c:v>-1.46103969999999</c:v>
+                  <c:v>-1.461039699999989</c:v>
                 </c:pt>
                 <c:pt idx="817">
                   <c:v>-1.498964</c:v>
@@ -40871,7 +40887,7 @@
                   <c:v>-1.92026919999999</c:v>
                 </c:pt>
                 <c:pt idx="837">
-                  <c:v>-1.92596959999999</c:v>
+                  <c:v>-1.925969599999989</c:v>
                 </c:pt>
                 <c:pt idx="838">
                   <c:v>-1.9316701</c:v>
@@ -41372,11 +41388,11 @@
           <c:showPercent val="0"/>
           <c:showBubbleSize val="0"/>
         </c:dLbls>
-        <c:axId val="-2084594952"/>
-        <c:axId val="-2084598104"/>
+        <c:axId val="-2113224024"/>
+        <c:axId val="-2113218008"/>
       </c:scatterChart>
       <c:valAx>
-        <c:axId val="-2084594952"/>
+        <c:axId val="-2113224024"/>
         <c:scaling>
           <c:orientation val="minMax"/>
           <c:max val="10.0"/>
@@ -41393,18 +41409,22 @@
                   <a:defRPr/>
                 </a:pPr>
                 <a:r>
-                  <a:rPr lang="en-US"/>
-                  <a:t>r [</a:t>
+                  <a:rPr lang="en-US" dirty="0" smtClean="0"/>
+                  <a:t>k [</a:t>
                 </a:r>
                 <a:r>
-                  <a:rPr lang="fr-FR"/>
-                  <a:t>Å </a:t>
+                  <a:rPr lang="fr-FR" dirty="0" smtClean="0"/>
+                  <a:t>Å</a:t>
                 </a:r>
                 <a:r>
-                  <a:rPr lang="en-US"/>
+                  <a:rPr lang="fr-FR" baseline="30000" dirty="0" smtClean="0"/>
+                  <a:t>-1</a:t>
+                </a:r>
+                <a:r>
+                  <a:rPr lang="en-US" dirty="0" smtClean="0"/>
                   <a:t>]</a:t>
                 </a:r>
-                <a:endParaRPr lang="zh-CN"/>
+                <a:endParaRPr lang="zh-CN" dirty="0"/>
               </a:p>
             </c:rich>
           </c:tx>
@@ -41422,12 +41442,12 @@
             </a:solidFill>
           </a:ln>
         </c:spPr>
-        <c:crossAx val="-2084598104"/>
+        <c:crossAx val="-2113218008"/>
         <c:crosses val="autoZero"/>
         <c:crossBetween val="midCat"/>
       </c:valAx>
       <c:valAx>
-        <c:axId val="-2084598104"/>
+        <c:axId val="-2113218008"/>
         <c:scaling>
           <c:orientation val="minMax"/>
         </c:scaling>
@@ -41444,7 +41464,7 @@
             </a:solidFill>
           </a:ln>
         </c:spPr>
-        <c:crossAx val="-2084594952"/>
+        <c:crossAx val="-2113224024"/>
         <c:crosses val="autoZero"/>
         <c:crossBetween val="midCat"/>
       </c:valAx>
@@ -41690,7 +41710,7 @@
           <a:p>
             <a:fld id="{4B573202-90B1-5B47-8D09-F4C1DE11490F}" type="datetimeFigureOut">
               <a:rPr kumimoji="1" lang="zh-CN" altLang="en-US" smtClean="0"/>
-              <a:t>07/12/16</a:t>
+              <a:t>14/01/17</a:t>
             </a:fld>
             <a:endParaRPr kumimoji="1" lang="zh-CN" altLang="en-US"/>
           </a:p>
@@ -41860,7 +41880,7 @@
           <a:p>
             <a:fld id="{4B573202-90B1-5B47-8D09-F4C1DE11490F}" type="datetimeFigureOut">
               <a:rPr kumimoji="1" lang="zh-CN" altLang="en-US" smtClean="0"/>
-              <a:t>07/12/16</a:t>
+              <a:t>14/01/17</a:t>
             </a:fld>
             <a:endParaRPr kumimoji="1" lang="zh-CN" altLang="en-US"/>
           </a:p>
@@ -42040,7 +42060,7 @@
           <a:p>
             <a:fld id="{4B573202-90B1-5B47-8D09-F4C1DE11490F}" type="datetimeFigureOut">
               <a:rPr kumimoji="1" lang="zh-CN" altLang="en-US" smtClean="0"/>
-              <a:t>07/12/16</a:t>
+              <a:t>14/01/17</a:t>
             </a:fld>
             <a:endParaRPr kumimoji="1" lang="zh-CN" altLang="en-US"/>
           </a:p>
@@ -42210,7 +42230,7 @@
           <a:p>
             <a:fld id="{4B573202-90B1-5B47-8D09-F4C1DE11490F}" type="datetimeFigureOut">
               <a:rPr kumimoji="1" lang="zh-CN" altLang="en-US" smtClean="0"/>
-              <a:t>07/12/16</a:t>
+              <a:t>14/01/17</a:t>
             </a:fld>
             <a:endParaRPr kumimoji="1" lang="zh-CN" altLang="en-US"/>
           </a:p>
@@ -42456,7 +42476,7 @@
           <a:p>
             <a:fld id="{4B573202-90B1-5B47-8D09-F4C1DE11490F}" type="datetimeFigureOut">
               <a:rPr kumimoji="1" lang="zh-CN" altLang="en-US" smtClean="0"/>
-              <a:t>07/12/16</a:t>
+              <a:t>14/01/17</a:t>
             </a:fld>
             <a:endParaRPr kumimoji="1" lang="zh-CN" altLang="en-US"/>
           </a:p>
@@ -42744,7 +42764,7 @@
           <a:p>
             <a:fld id="{4B573202-90B1-5B47-8D09-F4C1DE11490F}" type="datetimeFigureOut">
               <a:rPr kumimoji="1" lang="zh-CN" altLang="en-US" smtClean="0"/>
-              <a:t>07/12/16</a:t>
+              <a:t>14/01/17</a:t>
             </a:fld>
             <a:endParaRPr kumimoji="1" lang="zh-CN" altLang="en-US"/>
           </a:p>
@@ -43166,7 +43186,7 @@
           <a:p>
             <a:fld id="{4B573202-90B1-5B47-8D09-F4C1DE11490F}" type="datetimeFigureOut">
               <a:rPr kumimoji="1" lang="zh-CN" altLang="en-US" smtClean="0"/>
-              <a:t>07/12/16</a:t>
+              <a:t>14/01/17</a:t>
             </a:fld>
             <a:endParaRPr kumimoji="1" lang="zh-CN" altLang="en-US"/>
           </a:p>
@@ -43284,7 +43304,7 @@
           <a:p>
             <a:fld id="{4B573202-90B1-5B47-8D09-F4C1DE11490F}" type="datetimeFigureOut">
               <a:rPr kumimoji="1" lang="zh-CN" altLang="en-US" smtClean="0"/>
-              <a:t>07/12/16</a:t>
+              <a:t>14/01/17</a:t>
             </a:fld>
             <a:endParaRPr kumimoji="1" lang="zh-CN" altLang="en-US"/>
           </a:p>
@@ -43379,7 +43399,7 @@
           <a:p>
             <a:fld id="{4B573202-90B1-5B47-8D09-F4C1DE11490F}" type="datetimeFigureOut">
               <a:rPr kumimoji="1" lang="zh-CN" altLang="en-US" smtClean="0"/>
-              <a:t>07/12/16</a:t>
+              <a:t>14/01/17</a:t>
             </a:fld>
             <a:endParaRPr kumimoji="1" lang="zh-CN" altLang="en-US"/>
           </a:p>
@@ -43656,7 +43676,7 @@
           <a:p>
             <a:fld id="{4B573202-90B1-5B47-8D09-F4C1DE11490F}" type="datetimeFigureOut">
               <a:rPr kumimoji="1" lang="zh-CN" altLang="en-US" smtClean="0"/>
-              <a:t>07/12/16</a:t>
+              <a:t>14/01/17</a:t>
             </a:fld>
             <a:endParaRPr kumimoji="1" lang="zh-CN" altLang="en-US"/>
           </a:p>
@@ -43909,7 +43929,7 @@
           <a:p>
             <a:fld id="{4B573202-90B1-5B47-8D09-F4C1DE11490F}" type="datetimeFigureOut">
               <a:rPr kumimoji="1" lang="zh-CN" altLang="en-US" smtClean="0"/>
-              <a:t>07/12/16</a:t>
+              <a:t>14/01/17</a:t>
             </a:fld>
             <a:endParaRPr kumimoji="1" lang="zh-CN" altLang="en-US"/>
           </a:p>
@@ -44122,7 +44142,7 @@
           <a:p>
             <a:fld id="{4B573202-90B1-5B47-8D09-F4C1DE11490F}" type="datetimeFigureOut">
               <a:rPr kumimoji="1" lang="zh-CN" altLang="en-US" smtClean="0"/>
-              <a:t>07/12/16</a:t>
+              <a:t>14/01/17</a:t>
             </a:fld>
             <a:endParaRPr kumimoji="1" lang="zh-CN" altLang="en-US"/>
           </a:p>
@@ -44520,7 +44540,7 @@
             <p:nvPr>
               <p:extLst>
                 <p:ext uri="{D42A27DB-BD31-4B8C-83A1-F6EECF244321}">
-                  <p14:modId xmlns:p14="http://schemas.microsoft.com/office/powerpoint/2010/main" val="2515088972"/>
+                  <p14:modId xmlns:p14="http://schemas.microsoft.com/office/powerpoint/2010/main" val="1587828593"/>
                 </p:ext>
               </p:extLst>
             </p:nvPr>
@@ -44544,7 +44564,7 @@
             <p:nvPr>
               <p:extLst>
                 <p:ext uri="{D42A27DB-BD31-4B8C-83A1-F6EECF244321}">
-                  <p14:modId xmlns:p14="http://schemas.microsoft.com/office/powerpoint/2010/main" val="1187879453"/>
+                  <p14:modId xmlns:p14="http://schemas.microsoft.com/office/powerpoint/2010/main" val="3042748802"/>
                 </p:ext>
               </p:extLst>
             </p:nvPr>
@@ -44568,7 +44588,7 @@
             <p:nvPr>
               <p:extLst>
                 <p:ext uri="{D42A27DB-BD31-4B8C-83A1-F6EECF244321}">
-                  <p14:modId xmlns:p14="http://schemas.microsoft.com/office/powerpoint/2010/main" val="875499743"/>
+                  <p14:modId xmlns:p14="http://schemas.microsoft.com/office/powerpoint/2010/main" val="3183485526"/>
                 </p:ext>
               </p:extLst>
             </p:nvPr>
